--- a/Public Bike System Equiped by Semantic Web.pptx
+++ b/Public Bike System Equiped by Semantic Web.pptx
@@ -1,45 +1,45 @@
 
 <file path=ppt/presentation.xml><?xml version="1.0" encoding="utf-8"?>
-<p:presentation xmlns:a="http://schemas.openxmlformats.org/drawingml/2006/main" xmlns:r="http://schemas.openxmlformats.org/officeDocument/2006/relationships" xmlns:mc="http://schemas.openxmlformats.org/markup-compatibility/2006" xmlns:mv="urn:schemas-microsoft-com:mac:vml" xmlns:p="http://schemas.openxmlformats.org/presentationml/2006/main" xmlns:c="http://schemas.openxmlformats.org/drawingml/2006/chart" xmlns:dgm="http://schemas.openxmlformats.org/drawingml/2006/diagram" xmlns:o="urn:schemas-microsoft-com:office:office" xmlns:v="urn:schemas-microsoft-com:vml" xmlns:pvml="urn:schemas-microsoft-com:office:powerpoint" xmlns:com="http://schemas.openxmlformats.org/drawingml/2006/compatibility" xmlns:p14="http://schemas.microsoft.com/office/powerpoint/2010/main" xmlns:p15="http://schemas.microsoft.com/office/powerpoint/2012/main" autoCompressPictures="0" embedTrueTypeFonts="1" strictFirstAndLastChars="0" saveSubsetFonts="1" showSpecialPlsOnTitleSld="0">
+<p:presentation xmlns:a="http://schemas.openxmlformats.org/drawingml/2006/main" xmlns:r="http://schemas.openxmlformats.org/officeDocument/2006/relationships" xmlns:p="http://schemas.openxmlformats.org/presentationml/2006/main" showSpecialPlsOnTitleSld="0" strictFirstAndLastChars="0" embedTrueTypeFonts="1" saveSubsetFonts="1" autoCompressPictures="0">
   <p:sldMasterIdLst>
-    <p:sldMasterId id="2147483659" r:id="rId4"/>
+    <p:sldMasterId id="2147483659" r:id="rId1"/>
   </p:sldMasterIdLst>
   <p:notesMasterIdLst>
-    <p:notesMasterId r:id="rId5"/>
+    <p:notesMasterId r:id="rId15"/>
   </p:notesMasterIdLst>
   <p:sldIdLst>
-    <p:sldId id="256" r:id="rId6"/>
-    <p:sldId id="257" r:id="rId7"/>
-    <p:sldId id="258" r:id="rId8"/>
-    <p:sldId id="259" r:id="rId9"/>
-    <p:sldId id="260" r:id="rId10"/>
-    <p:sldId id="261" r:id="rId11"/>
-    <p:sldId id="262" r:id="rId12"/>
-    <p:sldId id="263" r:id="rId13"/>
-    <p:sldId id="264" r:id="rId14"/>
-    <p:sldId id="265" r:id="rId15"/>
-    <p:sldId id="266" r:id="rId16"/>
-    <p:sldId id="267" r:id="rId17"/>
-    <p:sldId id="268" r:id="rId18"/>
+    <p:sldId id="256" r:id="rId2"/>
+    <p:sldId id="257" r:id="rId3"/>
+    <p:sldId id="258" r:id="rId4"/>
+    <p:sldId id="259" r:id="rId5"/>
+    <p:sldId id="260" r:id="rId6"/>
+    <p:sldId id="261" r:id="rId7"/>
+    <p:sldId id="262" r:id="rId8"/>
+    <p:sldId id="263" r:id="rId9"/>
+    <p:sldId id="264" r:id="rId10"/>
+    <p:sldId id="265" r:id="rId11"/>
+    <p:sldId id="266" r:id="rId12"/>
+    <p:sldId id="267" r:id="rId13"/>
+    <p:sldId id="268" r:id="rId14"/>
   </p:sldIdLst>
-  <p:sldSz cy="5143500" cx="9144000"/>
+  <p:sldSz cx="9144000" cy="5143500" type="screen16x9"/>
   <p:notesSz cx="6858000" cy="9144000"/>
   <p:embeddedFontLst>
     <p:embeddedFont>
-      <p:font typeface="PT Sans Narrow"/>
-      <p:regular r:id="rId19"/>
-      <p:bold r:id="rId20"/>
+      <p:font typeface="PT Sans Narrow" charset="0"/>
+      <p:regular r:id="rId16"/>
+      <p:bold r:id="rId17"/>
     </p:embeddedFont>
     <p:embeddedFont>
-      <p:font typeface="Open Sans"/>
-      <p:regular r:id="rId21"/>
-      <p:bold r:id="rId22"/>
-      <p:italic r:id="rId23"/>
-      <p:boldItalic r:id="rId24"/>
+      <p:font typeface="Open Sans" charset="0"/>
+      <p:regular r:id="rId18"/>
+      <p:bold r:id="rId19"/>
+      <p:italic r:id="rId20"/>
+      <p:boldItalic r:id="rId21"/>
     </p:embeddedFont>
   </p:embeddedFontLst>
   <p:defaultTextStyle>
-    <a:defPPr lvl="0" marR="0" rtl="0" algn="l">
+    <a:defPPr marR="0" lvl="0" algn="l" rtl="0">
       <a:lnSpc>
         <a:spcPct val="100000"/>
       </a:lnSpc>
@@ -50,7 +50,7 @@
         <a:spcPts val="0"/>
       </a:spcAft>
     </a:defPPr>
-    <a:lvl1pPr lvl="0" marR="0" rtl="0" algn="l">
+    <a:lvl1pPr marR="0" lvl="0" algn="l" rtl="0">
       <a:lnSpc>
         <a:spcPct val="100000"/>
       </a:lnSpc>
@@ -64,7 +64,7 @@
         <a:srgbClr val="000000"/>
       </a:buClr>
       <a:buFont typeface="Arial"/>
-      <a:defRPr b="0" i="0" sz="1400" u="none" cap="none" strike="noStrike">
+      <a:defRPr sz="1400" b="0" i="0" u="none" strike="noStrike" cap="none">
         <a:solidFill>
           <a:srgbClr val="000000"/>
         </a:solidFill>
@@ -74,7 +74,7 @@
         <a:sym typeface="Arial"/>
       </a:defRPr>
     </a:lvl1pPr>
-    <a:lvl2pPr lvl="1" marR="0" rtl="0" algn="l">
+    <a:lvl2pPr marR="0" lvl="1" algn="l" rtl="0">
       <a:lnSpc>
         <a:spcPct val="100000"/>
       </a:lnSpc>
@@ -88,7 +88,7 @@
         <a:srgbClr val="000000"/>
       </a:buClr>
       <a:buFont typeface="Arial"/>
-      <a:defRPr b="0" i="0" sz="1400" u="none" cap="none" strike="noStrike">
+      <a:defRPr sz="1400" b="0" i="0" u="none" strike="noStrike" cap="none">
         <a:solidFill>
           <a:srgbClr val="000000"/>
         </a:solidFill>
@@ -98,7 +98,7 @@
         <a:sym typeface="Arial"/>
       </a:defRPr>
     </a:lvl2pPr>
-    <a:lvl3pPr lvl="2" marR="0" rtl="0" algn="l">
+    <a:lvl3pPr marR="0" lvl="2" algn="l" rtl="0">
       <a:lnSpc>
         <a:spcPct val="100000"/>
       </a:lnSpc>
@@ -112,7 +112,7 @@
         <a:srgbClr val="000000"/>
       </a:buClr>
       <a:buFont typeface="Arial"/>
-      <a:defRPr b="0" i="0" sz="1400" u="none" cap="none" strike="noStrike">
+      <a:defRPr sz="1400" b="0" i="0" u="none" strike="noStrike" cap="none">
         <a:solidFill>
           <a:srgbClr val="000000"/>
         </a:solidFill>
@@ -122,7 +122,7 @@
         <a:sym typeface="Arial"/>
       </a:defRPr>
     </a:lvl3pPr>
-    <a:lvl4pPr lvl="3" marR="0" rtl="0" algn="l">
+    <a:lvl4pPr marR="0" lvl="3" algn="l" rtl="0">
       <a:lnSpc>
         <a:spcPct val="100000"/>
       </a:lnSpc>
@@ -136,7 +136,7 @@
         <a:srgbClr val="000000"/>
       </a:buClr>
       <a:buFont typeface="Arial"/>
-      <a:defRPr b="0" i="0" sz="1400" u="none" cap="none" strike="noStrike">
+      <a:defRPr sz="1400" b="0" i="0" u="none" strike="noStrike" cap="none">
         <a:solidFill>
           <a:srgbClr val="000000"/>
         </a:solidFill>
@@ -146,7 +146,7 @@
         <a:sym typeface="Arial"/>
       </a:defRPr>
     </a:lvl4pPr>
-    <a:lvl5pPr lvl="4" marR="0" rtl="0" algn="l">
+    <a:lvl5pPr marR="0" lvl="4" algn="l" rtl="0">
       <a:lnSpc>
         <a:spcPct val="100000"/>
       </a:lnSpc>
@@ -160,7 +160,7 @@
         <a:srgbClr val="000000"/>
       </a:buClr>
       <a:buFont typeface="Arial"/>
-      <a:defRPr b="0" i="0" sz="1400" u="none" cap="none" strike="noStrike">
+      <a:defRPr sz="1400" b="0" i="0" u="none" strike="noStrike" cap="none">
         <a:solidFill>
           <a:srgbClr val="000000"/>
         </a:solidFill>
@@ -170,7 +170,7 @@
         <a:sym typeface="Arial"/>
       </a:defRPr>
     </a:lvl5pPr>
-    <a:lvl6pPr lvl="5" marR="0" rtl="0" algn="l">
+    <a:lvl6pPr marR="0" lvl="5" algn="l" rtl="0">
       <a:lnSpc>
         <a:spcPct val="100000"/>
       </a:lnSpc>
@@ -184,7 +184,7 @@
         <a:srgbClr val="000000"/>
       </a:buClr>
       <a:buFont typeface="Arial"/>
-      <a:defRPr b="0" i="0" sz="1400" u="none" cap="none" strike="noStrike">
+      <a:defRPr sz="1400" b="0" i="0" u="none" strike="noStrike" cap="none">
         <a:solidFill>
           <a:srgbClr val="000000"/>
         </a:solidFill>
@@ -194,7 +194,7 @@
         <a:sym typeface="Arial"/>
       </a:defRPr>
     </a:lvl6pPr>
-    <a:lvl7pPr lvl="6" marR="0" rtl="0" algn="l">
+    <a:lvl7pPr marR="0" lvl="6" algn="l" rtl="0">
       <a:lnSpc>
         <a:spcPct val="100000"/>
       </a:lnSpc>
@@ -208,7 +208,7 @@
         <a:srgbClr val="000000"/>
       </a:buClr>
       <a:buFont typeface="Arial"/>
-      <a:defRPr b="0" i="0" sz="1400" u="none" cap="none" strike="noStrike">
+      <a:defRPr sz="1400" b="0" i="0" u="none" strike="noStrike" cap="none">
         <a:solidFill>
           <a:srgbClr val="000000"/>
         </a:solidFill>
@@ -218,7 +218,7 @@
         <a:sym typeface="Arial"/>
       </a:defRPr>
     </a:lvl7pPr>
-    <a:lvl8pPr lvl="7" marR="0" rtl="0" algn="l">
+    <a:lvl8pPr marR="0" lvl="7" algn="l" rtl="0">
       <a:lnSpc>
         <a:spcPct val="100000"/>
       </a:lnSpc>
@@ -232,7 +232,7 @@
         <a:srgbClr val="000000"/>
       </a:buClr>
       <a:buFont typeface="Arial"/>
-      <a:defRPr b="0" i="0" sz="1400" u="none" cap="none" strike="noStrike">
+      <a:defRPr sz="1400" b="0" i="0" u="none" strike="noStrike" cap="none">
         <a:solidFill>
           <a:srgbClr val="000000"/>
         </a:solidFill>
@@ -242,7 +242,7 @@
         <a:sym typeface="Arial"/>
       </a:defRPr>
     </a:lvl8pPr>
-    <a:lvl9pPr lvl="8" marR="0" rtl="0" algn="l">
+    <a:lvl9pPr marR="0" lvl="8" algn="l" rtl="0">
       <a:lnSpc>
         <a:spcPct val="100000"/>
       </a:lnSpc>
@@ -256,7 +256,7 @@
         <a:srgbClr val="000000"/>
       </a:buClr>
       <a:buFont typeface="Arial"/>
-      <a:defRPr b="0" i="0" sz="1400" u="none" cap="none" strike="noStrike">
+      <a:defRPr sz="1400" b="0" i="0" u="none" strike="noStrike" cap="none">
         <a:solidFill>
           <a:srgbClr val="000000"/>
         </a:solidFill>
@@ -269,7 +269,7 @@
   </p:defaultTextStyle>
   <p:extLst>
     <p:ext uri="{EFAFB233-063F-42B5-8137-9DF3F51BA10A}">
-      <p15:sldGuideLst>
+      <p15:sldGuideLst xmlns:p15="http://schemas.microsoft.com/office/powerpoint/2012/main" xmlns:p14="http://schemas.microsoft.com/office/powerpoint/2010/main" xmlns:com="http://schemas.openxmlformats.org/drawingml/2006/compatibility" xmlns:pvml="urn:schemas-microsoft-com:office:powerpoint" xmlns:v="urn:schemas-microsoft-com:vml" xmlns:o="urn:schemas-microsoft-com:office:office" xmlns:dgm="http://schemas.openxmlformats.org/drawingml/2006/diagram" xmlns:c="http://schemas.openxmlformats.org/drawingml/2006/chart" xmlns:mv="urn:schemas-microsoft-com:mac:vml" xmlns:mc="http://schemas.openxmlformats.org/markup-compatibility/2006" xmlns="">
         <p15:guide id="1" orient="horz" pos="1620">
           <p15:clr>
             <a:srgbClr val="A4A3A4"/>
@@ -287,11 +287,16 @@
 </file>
 
 <file path=ppt/notesMasters/notesMaster1.xml><?xml version="1.0" encoding="utf-8"?>
-<p:notesMaster xmlns:a="http://schemas.openxmlformats.org/drawingml/2006/main" xmlns:r="http://schemas.openxmlformats.org/officeDocument/2006/relationships" xmlns:mc="http://schemas.openxmlformats.org/markup-compatibility/2006" xmlns:mv="urn:schemas-microsoft-com:mac:vml" xmlns:p="http://schemas.openxmlformats.org/presentationml/2006/main" xmlns:c="http://schemas.openxmlformats.org/drawingml/2006/chart" xmlns:dgm="http://schemas.openxmlformats.org/drawingml/2006/diagram" xmlns:o="urn:schemas-microsoft-com:office:office" xmlns:v="urn:schemas-microsoft-com:vml" xmlns:pvml="urn:schemas-microsoft-com:office:powerpoint" xmlns:com="http://schemas.openxmlformats.org/drawingml/2006/compatibility" xmlns:p14="http://schemas.microsoft.com/office/powerpoint/2010/main" xmlns:p15="http://schemas.microsoft.com/office/powerpoint/2012/main">
+<p:notesMaster xmlns:a="http://schemas.openxmlformats.org/drawingml/2006/main" xmlns:r="http://schemas.openxmlformats.org/officeDocument/2006/relationships" xmlns:p="http://schemas.openxmlformats.org/presentationml/2006/main">
   <p:cSld>
+    <p:bg>
+      <p:bgRef idx="1001">
+        <a:schemeClr val="bg1"/>
+      </p:bgRef>
+    </p:bg>
     <p:spTree>
       <p:nvGrpSpPr>
-        <p:cNvPr id="2" name="Shape 2"/>
+        <p:cNvPr id="1" name="Shape 2"/>
         <p:cNvGrpSpPr/>
         <p:nvPr/>
       </p:nvGrpSpPr>
@@ -306,9 +311,11 @@
       <p:sp>
         <p:nvSpPr>
           <p:cNvPr id="3" name="Google Shape;3;n"/>
-          <p:cNvSpPr/>
+          <p:cNvSpPr>
+            <a:spLocks noGrp="1" noRot="1" noChangeAspect="1"/>
+          </p:cNvSpPr>
           <p:nvPr>
-            <p:ph idx="2" type="sldImg"/>
+            <p:ph type="sldImg" idx="2"/>
           </p:nvPr>
         </p:nvSpPr>
         <p:spPr>
@@ -317,9 +324,13 @@
             <a:ext cx="6096075" cy="3429000"/>
           </a:xfrm>
           <a:custGeom>
-            <a:rect b="b" l="l" r="r" t="t"/>
+            <a:avLst/>
+            <a:gdLst/>
+            <a:ahLst/>
+            <a:cxnLst/>
+            <a:rect l="l" t="t" r="r" b="b"/>
             <a:pathLst>
-              <a:path extrusionOk="0" h="120000" w="120000">
+              <a:path w="120000" h="120000" extrusionOk="0">
                 <a:moveTo>
                   <a:pt x="0" y="0"/>
                 </a:moveTo>
@@ -337,23 +348,25 @@
             </a:pathLst>
           </a:custGeom>
           <a:noFill/>
-          <a:ln cap="flat" cmpd="sng" w="9525">
+          <a:ln w="9525" cap="flat" cmpd="sng">
             <a:solidFill>
               <a:srgbClr val="000000"/>
             </a:solidFill>
             <a:prstDash val="solid"/>
             <a:round/>
-            <a:headEnd len="sm" w="sm" type="none"/>
-            <a:tailEnd len="sm" w="sm" type="none"/>
+            <a:headEnd type="none" w="sm" len="sm"/>
+            <a:tailEnd type="none" w="sm" len="sm"/>
           </a:ln>
         </p:spPr>
       </p:sp>
       <p:sp>
         <p:nvSpPr>
           <p:cNvPr id="4" name="Google Shape;4;n"/>
-          <p:cNvSpPr txBox="1"/>
+          <p:cNvSpPr txBox="1">
+            <a:spLocks noGrp="1"/>
+          </p:cNvSpPr>
           <p:nvPr>
-            <p:ph idx="1" type="body"/>
+            <p:ph type="body" idx="1"/>
           </p:nvPr>
         </p:nvSpPr>
         <p:spPr>
@@ -370,11 +383,11 @@
           </a:ln>
         </p:spPr>
         <p:txBody>
-          <a:bodyPr anchorCtr="0" anchor="t" bIns="91425" lIns="91425" spcFirstLastPara="1" rIns="91425" wrap="square" tIns="91425">
+          <a:bodyPr spcFirstLastPara="1" wrap="square" lIns="91425" tIns="91425" rIns="91425" bIns="91425" anchor="t" anchorCtr="0">
             <a:noAutofit/>
           </a:bodyPr>
           <a:lstStyle>
-            <a:lvl1pPr indent="-298450" lvl="0" marL="457200">
+            <a:lvl1pPr marL="457200" lvl="0" indent="-298450">
               <a:spcBef>
                 <a:spcPts val="0"/>
               </a:spcBef>
@@ -385,7 +398,7 @@
               <a:buChar char="●"/>
               <a:defRPr sz="1100"/>
             </a:lvl1pPr>
-            <a:lvl2pPr indent="-298450" lvl="1" marL="914400">
+            <a:lvl2pPr marL="914400" lvl="1" indent="-298450">
               <a:spcBef>
                 <a:spcPts val="0"/>
               </a:spcBef>
@@ -396,7 +409,7 @@
               <a:buChar char="○"/>
               <a:defRPr sz="1100"/>
             </a:lvl2pPr>
-            <a:lvl3pPr indent="-298450" lvl="2" marL="1371600">
+            <a:lvl3pPr marL="1371600" lvl="2" indent="-298450">
               <a:spcBef>
                 <a:spcPts val="0"/>
               </a:spcBef>
@@ -407,7 +420,7 @@
               <a:buChar char="■"/>
               <a:defRPr sz="1100"/>
             </a:lvl3pPr>
-            <a:lvl4pPr indent="-298450" lvl="3" marL="1828800">
+            <a:lvl4pPr marL="1828800" lvl="3" indent="-298450">
               <a:spcBef>
                 <a:spcPts val="0"/>
               </a:spcBef>
@@ -418,7 +431,7 @@
               <a:buChar char="●"/>
               <a:defRPr sz="1100"/>
             </a:lvl4pPr>
-            <a:lvl5pPr indent="-298450" lvl="4" marL="2286000">
+            <a:lvl5pPr marL="2286000" lvl="4" indent="-298450">
               <a:spcBef>
                 <a:spcPts val="0"/>
               </a:spcBef>
@@ -429,7 +442,7 @@
               <a:buChar char="○"/>
               <a:defRPr sz="1100"/>
             </a:lvl5pPr>
-            <a:lvl6pPr indent="-298450" lvl="5" marL="2743200">
+            <a:lvl6pPr marL="2743200" lvl="5" indent="-298450">
               <a:spcBef>
                 <a:spcPts val="0"/>
               </a:spcBef>
@@ -440,7 +453,7 @@
               <a:buChar char="■"/>
               <a:defRPr sz="1100"/>
             </a:lvl6pPr>
-            <a:lvl7pPr indent="-298450" lvl="6" marL="3200400">
+            <a:lvl7pPr marL="3200400" lvl="6" indent="-298450">
               <a:spcBef>
                 <a:spcPts val="0"/>
               </a:spcBef>
@@ -451,7 +464,7 @@
               <a:buChar char="●"/>
               <a:defRPr sz="1100"/>
             </a:lvl7pPr>
-            <a:lvl8pPr indent="-298450" lvl="7" marL="3657600">
+            <a:lvl8pPr marL="3657600" lvl="7" indent="-298450">
               <a:spcBef>
                 <a:spcPts val="0"/>
               </a:spcBef>
@@ -462,7 +475,7 @@
               <a:buChar char="○"/>
               <a:defRPr sz="1100"/>
             </a:lvl8pPr>
-            <a:lvl9pPr indent="-298450" lvl="8" marL="4114800">
+            <a:lvl9pPr marL="4114800" lvl="8" indent="-298450">
               <a:spcBef>
                 <a:spcPts val="0"/>
               </a:spcBef>
@@ -474,14 +487,16 @@
               <a:defRPr sz="1100"/>
             </a:lvl9pPr>
           </a:lstStyle>
-          <a:p/>
+          <a:p>
+            <a:endParaRPr/>
+          </a:p>
         </p:txBody>
       </p:sp>
     </p:spTree>
   </p:cSld>
-  <p:clrMap accent1="accent1" accent2="accent2" accent3="accent3" accent4="accent4" accent5="accent5" accent6="accent6" bg1="lt1" bg2="dk2" tx1="dk1" tx2="lt2" folHlink="folHlink" hlink="hlink"/>
+  <p:clrMap bg1="lt1" tx1="dk1" bg2="dk2" tx2="lt2" accent1="accent1" accent2="accent2" accent3="accent3" accent4="accent4" accent5="accent5" accent6="accent6" hlink="hlink" folHlink="folHlink"/>
   <p:notesStyle>
-    <a:defPPr lvl="0" marR="0" rtl="0" algn="l">
+    <a:defPPr marR="0" lvl="0" algn="l" rtl="0">
       <a:lnSpc>
         <a:spcPct val="100000"/>
       </a:lnSpc>
@@ -492,7 +507,7 @@
         <a:spcPts val="0"/>
       </a:spcAft>
     </a:defPPr>
-    <a:lvl1pPr lvl="0" marR="0" rtl="0" algn="l">
+    <a:lvl1pPr marR="0" lvl="0" algn="l" rtl="0">
       <a:lnSpc>
         <a:spcPct val="100000"/>
       </a:lnSpc>
@@ -506,7 +521,7 @@
         <a:srgbClr val="000000"/>
       </a:buClr>
       <a:buFont typeface="Arial"/>
-      <a:defRPr b="0" i="0" sz="1400" u="none" cap="none" strike="noStrike">
+      <a:defRPr sz="1400" b="0" i="0" u="none" strike="noStrike" cap="none">
         <a:solidFill>
           <a:srgbClr val="000000"/>
         </a:solidFill>
@@ -516,7 +531,7 @@
         <a:sym typeface="Arial"/>
       </a:defRPr>
     </a:lvl1pPr>
-    <a:lvl2pPr lvl="1" marR="0" rtl="0" algn="l">
+    <a:lvl2pPr marR="0" lvl="1" algn="l" rtl="0">
       <a:lnSpc>
         <a:spcPct val="100000"/>
       </a:lnSpc>
@@ -530,7 +545,7 @@
         <a:srgbClr val="000000"/>
       </a:buClr>
       <a:buFont typeface="Arial"/>
-      <a:defRPr b="0" i="0" sz="1400" u="none" cap="none" strike="noStrike">
+      <a:defRPr sz="1400" b="0" i="0" u="none" strike="noStrike" cap="none">
         <a:solidFill>
           <a:srgbClr val="000000"/>
         </a:solidFill>
@@ -540,7 +555,7 @@
         <a:sym typeface="Arial"/>
       </a:defRPr>
     </a:lvl2pPr>
-    <a:lvl3pPr lvl="2" marR="0" rtl="0" algn="l">
+    <a:lvl3pPr marR="0" lvl="2" algn="l" rtl="0">
       <a:lnSpc>
         <a:spcPct val="100000"/>
       </a:lnSpc>
@@ -554,7 +569,7 @@
         <a:srgbClr val="000000"/>
       </a:buClr>
       <a:buFont typeface="Arial"/>
-      <a:defRPr b="0" i="0" sz="1400" u="none" cap="none" strike="noStrike">
+      <a:defRPr sz="1400" b="0" i="0" u="none" strike="noStrike" cap="none">
         <a:solidFill>
           <a:srgbClr val="000000"/>
         </a:solidFill>
@@ -564,7 +579,7 @@
         <a:sym typeface="Arial"/>
       </a:defRPr>
     </a:lvl3pPr>
-    <a:lvl4pPr lvl="3" marR="0" rtl="0" algn="l">
+    <a:lvl4pPr marR="0" lvl="3" algn="l" rtl="0">
       <a:lnSpc>
         <a:spcPct val="100000"/>
       </a:lnSpc>
@@ -578,7 +593,7 @@
         <a:srgbClr val="000000"/>
       </a:buClr>
       <a:buFont typeface="Arial"/>
-      <a:defRPr b="0" i="0" sz="1400" u="none" cap="none" strike="noStrike">
+      <a:defRPr sz="1400" b="0" i="0" u="none" strike="noStrike" cap="none">
         <a:solidFill>
           <a:srgbClr val="000000"/>
         </a:solidFill>
@@ -588,7 +603,7 @@
         <a:sym typeface="Arial"/>
       </a:defRPr>
     </a:lvl4pPr>
-    <a:lvl5pPr lvl="4" marR="0" rtl="0" algn="l">
+    <a:lvl5pPr marR="0" lvl="4" algn="l" rtl="0">
       <a:lnSpc>
         <a:spcPct val="100000"/>
       </a:lnSpc>
@@ -602,7 +617,7 @@
         <a:srgbClr val="000000"/>
       </a:buClr>
       <a:buFont typeface="Arial"/>
-      <a:defRPr b="0" i="0" sz="1400" u="none" cap="none" strike="noStrike">
+      <a:defRPr sz="1400" b="0" i="0" u="none" strike="noStrike" cap="none">
         <a:solidFill>
           <a:srgbClr val="000000"/>
         </a:solidFill>
@@ -612,7 +627,7 @@
         <a:sym typeface="Arial"/>
       </a:defRPr>
     </a:lvl5pPr>
-    <a:lvl6pPr lvl="5" marR="0" rtl="0" algn="l">
+    <a:lvl6pPr marR="0" lvl="5" algn="l" rtl="0">
       <a:lnSpc>
         <a:spcPct val="100000"/>
       </a:lnSpc>
@@ -626,7 +641,7 @@
         <a:srgbClr val="000000"/>
       </a:buClr>
       <a:buFont typeface="Arial"/>
-      <a:defRPr b="0" i="0" sz="1400" u="none" cap="none" strike="noStrike">
+      <a:defRPr sz="1400" b="0" i="0" u="none" strike="noStrike" cap="none">
         <a:solidFill>
           <a:srgbClr val="000000"/>
         </a:solidFill>
@@ -636,7 +651,7 @@
         <a:sym typeface="Arial"/>
       </a:defRPr>
     </a:lvl6pPr>
-    <a:lvl7pPr lvl="6" marR="0" rtl="0" algn="l">
+    <a:lvl7pPr marR="0" lvl="6" algn="l" rtl="0">
       <a:lnSpc>
         <a:spcPct val="100000"/>
       </a:lnSpc>
@@ -650,7 +665,7 @@
         <a:srgbClr val="000000"/>
       </a:buClr>
       <a:buFont typeface="Arial"/>
-      <a:defRPr b="0" i="0" sz="1400" u="none" cap="none" strike="noStrike">
+      <a:defRPr sz="1400" b="0" i="0" u="none" strike="noStrike" cap="none">
         <a:solidFill>
           <a:srgbClr val="000000"/>
         </a:solidFill>
@@ -660,7 +675,7 @@
         <a:sym typeface="Arial"/>
       </a:defRPr>
     </a:lvl7pPr>
-    <a:lvl8pPr lvl="7" marR="0" rtl="0" algn="l">
+    <a:lvl8pPr marR="0" lvl="7" algn="l" rtl="0">
       <a:lnSpc>
         <a:spcPct val="100000"/>
       </a:lnSpc>
@@ -674,7 +689,7 @@
         <a:srgbClr val="000000"/>
       </a:buClr>
       <a:buFont typeface="Arial"/>
-      <a:defRPr b="0" i="0" sz="1400" u="none" cap="none" strike="noStrike">
+      <a:defRPr sz="1400" b="0" i="0" u="none" strike="noStrike" cap="none">
         <a:solidFill>
           <a:srgbClr val="000000"/>
         </a:solidFill>
@@ -684,7 +699,7 @@
         <a:sym typeface="Arial"/>
       </a:defRPr>
     </a:lvl8pPr>
-    <a:lvl9pPr lvl="8" marR="0" rtl="0" algn="l">
+    <a:lvl9pPr marR="0" lvl="8" algn="l" rtl="0">
       <a:lnSpc>
         <a:spcPct val="100000"/>
       </a:lnSpc>
@@ -698,7 +713,7 @@
         <a:srgbClr val="000000"/>
       </a:buClr>
       <a:buFont typeface="Arial"/>
-      <a:defRPr b="0" i="0" sz="1400" u="none" cap="none" strike="noStrike">
+      <a:defRPr sz="1400" b="0" i="0" u="none" strike="noStrike" cap="none">
         <a:solidFill>
           <a:srgbClr val="000000"/>
         </a:solidFill>
@@ -713,11 +728,11 @@
 </file>
 
 <file path=ppt/notesSlides/notesSlide1.xml><?xml version="1.0" encoding="utf-8"?>
-<p:notes xmlns:a="http://schemas.openxmlformats.org/drawingml/2006/main" xmlns:r="http://schemas.openxmlformats.org/officeDocument/2006/relationships" xmlns:mc="http://schemas.openxmlformats.org/markup-compatibility/2006" xmlns:mv="urn:schemas-microsoft-com:mac:vml" xmlns:p="http://schemas.openxmlformats.org/presentationml/2006/main" xmlns:c="http://schemas.openxmlformats.org/drawingml/2006/chart" xmlns:dgm="http://schemas.openxmlformats.org/drawingml/2006/diagram" xmlns:o="urn:schemas-microsoft-com:office:office" xmlns:v="urn:schemas-microsoft-com:vml" xmlns:pvml="urn:schemas-microsoft-com:office:powerpoint" xmlns:com="http://schemas.openxmlformats.org/drawingml/2006/compatibility" xmlns:p14="http://schemas.microsoft.com/office/powerpoint/2010/main" xmlns:p15="http://schemas.microsoft.com/office/powerpoint/2012/main" showMasterPhAnim="0" showMasterSp="0">
+<p:notes xmlns:a="http://schemas.openxmlformats.org/drawingml/2006/main" xmlns:r="http://schemas.openxmlformats.org/officeDocument/2006/relationships" xmlns:p="http://schemas.openxmlformats.org/presentationml/2006/main" showMasterSp="0" showMasterPhAnim="0">
   <p:cSld>
     <p:spTree>
       <p:nvGrpSpPr>
-        <p:cNvPr id="62" name="Shape 62"/>
+        <p:cNvPr id="1" name="Shape 62"/>
         <p:cNvGrpSpPr/>
         <p:nvPr/>
       </p:nvGrpSpPr>
@@ -732,9 +747,11 @@
       <p:sp>
         <p:nvSpPr>
           <p:cNvPr id="63" name="Google Shape;63;p:notes"/>
-          <p:cNvSpPr/>
+          <p:cNvSpPr>
+            <a:spLocks noGrp="1" noRot="1" noChangeAspect="1"/>
+          </p:cNvSpPr>
           <p:nvPr>
-            <p:ph idx="2" type="sldImg"/>
+            <p:ph type="sldImg" idx="2"/>
           </p:nvPr>
         </p:nvSpPr>
         <p:spPr>
@@ -743,9 +760,13 @@
             <a:ext cx="6096075" cy="3429000"/>
           </a:xfrm>
           <a:custGeom>
-            <a:rect b="b" l="l" r="r" t="t"/>
+            <a:avLst/>
+            <a:gdLst/>
+            <a:ahLst/>
+            <a:cxnLst/>
+            <a:rect l="l" t="t" r="r" b="b"/>
             <a:pathLst>
-              <a:path extrusionOk="0" h="120000" w="120000">
+              <a:path w="120000" h="120000" extrusionOk="0">
                 <a:moveTo>
                   <a:pt x="0" y="0"/>
                 </a:moveTo>
@@ -767,9 +788,11 @@
       <p:sp>
         <p:nvSpPr>
           <p:cNvPr id="64" name="Google Shape;64;p:notes"/>
-          <p:cNvSpPr txBox="1"/>
+          <p:cNvSpPr txBox="1">
+            <a:spLocks noGrp="1"/>
+          </p:cNvSpPr>
           <p:nvPr>
-            <p:ph idx="1" type="body"/>
+            <p:ph type="body" idx="1"/>
           </p:nvPr>
         </p:nvSpPr>
         <p:spPr>
@@ -782,23 +805,20 @@
           </a:prstGeom>
         </p:spPr>
         <p:txBody>
-          <a:bodyPr anchorCtr="0" anchor="t" bIns="91425" lIns="91425" spcFirstLastPara="1" rIns="91425" wrap="square" tIns="91425">
+          <a:bodyPr spcFirstLastPara="1" wrap="square" lIns="91425" tIns="91425" rIns="91425" bIns="91425" anchor="t" anchorCtr="0">
             <a:noAutofit/>
           </a:bodyPr>
           <a:lstStyle/>
           <a:p>
-            <a:pPr indent="0" lvl="0" marL="0" rtl="0" algn="l">
-              <a:spcBef>
-                <a:spcPts val="0"/>
-              </a:spcBef>
-              <a:spcAft>
-                <a:spcPts val="0"/>
-              </a:spcAft>
-              <a:buNone/>
-            </a:pPr>
-            <a:r>
-              <a:t/>
-            </a:r>
+            <a:pPr marL="0" lvl="0" indent="0" algn="l" rtl="0">
+              <a:spcBef>
+                <a:spcPts val="0"/>
+              </a:spcBef>
+              <a:spcAft>
+                <a:spcPts val="0"/>
+              </a:spcAft>
+              <a:buNone/>
+            </a:pPr>
             <a:endParaRPr/>
           </a:p>
         </p:txBody>
@@ -812,11 +832,11 @@
 </file>
 
 <file path=ppt/notesSlides/notesSlide10.xml><?xml version="1.0" encoding="utf-8"?>
-<p:notes xmlns:a="http://schemas.openxmlformats.org/drawingml/2006/main" xmlns:r="http://schemas.openxmlformats.org/officeDocument/2006/relationships" xmlns:mc="http://schemas.openxmlformats.org/markup-compatibility/2006" xmlns:mv="urn:schemas-microsoft-com:mac:vml" xmlns:p="http://schemas.openxmlformats.org/presentationml/2006/main" xmlns:c="http://schemas.openxmlformats.org/drawingml/2006/chart" xmlns:dgm="http://schemas.openxmlformats.org/drawingml/2006/diagram" xmlns:o="urn:schemas-microsoft-com:office:office" xmlns:v="urn:schemas-microsoft-com:vml" xmlns:pvml="urn:schemas-microsoft-com:office:powerpoint" xmlns:com="http://schemas.openxmlformats.org/drawingml/2006/compatibility" xmlns:p14="http://schemas.microsoft.com/office/powerpoint/2010/main" xmlns:p15="http://schemas.microsoft.com/office/powerpoint/2012/main" showMasterPhAnim="0" showMasterSp="0">
+<p:notes xmlns:a="http://schemas.openxmlformats.org/drawingml/2006/main" xmlns:r="http://schemas.openxmlformats.org/officeDocument/2006/relationships" xmlns:p="http://schemas.openxmlformats.org/presentationml/2006/main" showMasterSp="0" showMasterPhAnim="0">
   <p:cSld>
     <p:spTree>
       <p:nvGrpSpPr>
-        <p:cNvPr id="149" name="Shape 149"/>
+        <p:cNvPr id="1" name="Shape 156"/>
         <p:cNvGrpSpPr/>
         <p:nvPr/>
       </p:nvGrpSpPr>
@@ -830,10 +850,12 @@
       </p:grpSpPr>
       <p:sp>
         <p:nvSpPr>
-          <p:cNvPr id="150" name="Google Shape;150;g6c49fab578_0_106:notes"/>
-          <p:cNvSpPr/>
+          <p:cNvPr id="157" name="Google Shape;157;g6c49fab578_3_0:notes"/>
+          <p:cNvSpPr>
+            <a:spLocks noGrp="1" noRot="1" noChangeAspect="1"/>
+          </p:cNvSpPr>
           <p:nvPr>
-            <p:ph idx="2" type="sldImg"/>
+            <p:ph type="sldImg" idx="2"/>
           </p:nvPr>
         </p:nvSpPr>
         <p:spPr>
@@ -842,9 +864,13 @@
             <a:ext cx="6096000" cy="3429000"/>
           </a:xfrm>
           <a:custGeom>
-            <a:rect b="b" l="l" r="r" t="t"/>
+            <a:avLst/>
+            <a:gdLst/>
+            <a:ahLst/>
+            <a:cxnLst/>
+            <a:rect l="l" t="t" r="r" b="b"/>
             <a:pathLst>
-              <a:path extrusionOk="0" h="120000" w="120000">
+              <a:path w="120000" h="120000" extrusionOk="0">
                 <a:moveTo>
                   <a:pt x="0" y="0"/>
                 </a:moveTo>
@@ -865,10 +891,12 @@
       </p:sp>
       <p:sp>
         <p:nvSpPr>
-          <p:cNvPr id="151" name="Google Shape;151;g6c49fab578_0_106:notes"/>
-          <p:cNvSpPr txBox="1"/>
+          <p:cNvPr id="158" name="Google Shape;158;g6c49fab578_3_0:notes"/>
+          <p:cNvSpPr txBox="1">
+            <a:spLocks noGrp="1"/>
+          </p:cNvSpPr>
           <p:nvPr>
-            <p:ph idx="1" type="body"/>
+            <p:ph type="body" idx="1"/>
           </p:nvPr>
         </p:nvSpPr>
         <p:spPr>
@@ -881,23 +909,20 @@
           </a:prstGeom>
         </p:spPr>
         <p:txBody>
-          <a:bodyPr anchorCtr="0" anchor="t" bIns="91425" lIns="91425" spcFirstLastPara="1" rIns="91425" wrap="square" tIns="91425">
+          <a:bodyPr spcFirstLastPara="1" wrap="square" lIns="91425" tIns="91425" rIns="91425" bIns="91425" anchor="t" anchorCtr="0">
             <a:noAutofit/>
           </a:bodyPr>
           <a:lstStyle/>
           <a:p>
-            <a:pPr indent="0" lvl="0" marL="0" rtl="0" algn="l">
-              <a:spcBef>
-                <a:spcPts val="0"/>
-              </a:spcBef>
-              <a:spcAft>
-                <a:spcPts val="0"/>
-              </a:spcAft>
-              <a:buNone/>
-            </a:pPr>
-            <a:r>
-              <a:t/>
-            </a:r>
+            <a:pPr marL="0" lvl="0" indent="0" algn="l" rtl="0">
+              <a:spcBef>
+                <a:spcPts val="0"/>
+              </a:spcBef>
+              <a:spcAft>
+                <a:spcPts val="0"/>
+              </a:spcAft>
+              <a:buNone/>
+            </a:pPr>
             <a:endParaRPr/>
           </a:p>
         </p:txBody>
@@ -911,11 +936,11 @@
 </file>
 
 <file path=ppt/notesSlides/notesSlide11.xml><?xml version="1.0" encoding="utf-8"?>
-<p:notes xmlns:a="http://schemas.openxmlformats.org/drawingml/2006/main" xmlns:r="http://schemas.openxmlformats.org/officeDocument/2006/relationships" xmlns:mc="http://schemas.openxmlformats.org/markup-compatibility/2006" xmlns:mv="urn:schemas-microsoft-com:mac:vml" xmlns:p="http://schemas.openxmlformats.org/presentationml/2006/main" xmlns:c="http://schemas.openxmlformats.org/drawingml/2006/chart" xmlns:dgm="http://schemas.openxmlformats.org/drawingml/2006/diagram" xmlns:o="urn:schemas-microsoft-com:office:office" xmlns:v="urn:schemas-microsoft-com:vml" xmlns:pvml="urn:schemas-microsoft-com:office:powerpoint" xmlns:com="http://schemas.openxmlformats.org/drawingml/2006/compatibility" xmlns:p14="http://schemas.microsoft.com/office/powerpoint/2010/main" xmlns:p15="http://schemas.microsoft.com/office/powerpoint/2012/main" showMasterPhAnim="0" showMasterSp="0">
+<p:notes xmlns:a="http://schemas.openxmlformats.org/drawingml/2006/main" xmlns:r="http://schemas.openxmlformats.org/officeDocument/2006/relationships" xmlns:p="http://schemas.openxmlformats.org/presentationml/2006/main" showMasterSp="0" showMasterPhAnim="0">
   <p:cSld>
     <p:spTree>
       <p:nvGrpSpPr>
-        <p:cNvPr id="156" name="Shape 156"/>
+        <p:cNvPr id="1" name="Shape 165"/>
         <p:cNvGrpSpPr/>
         <p:nvPr/>
       </p:nvGrpSpPr>
@@ -929,10 +954,12 @@
       </p:grpSpPr>
       <p:sp>
         <p:nvSpPr>
-          <p:cNvPr id="157" name="Google Shape;157;g6c49fab578_3_0:notes"/>
-          <p:cNvSpPr/>
+          <p:cNvPr id="166" name="Google Shape;166;ga1b4c9c493e3167_11:notes"/>
+          <p:cNvSpPr>
+            <a:spLocks noGrp="1" noRot="1" noChangeAspect="1"/>
+          </p:cNvSpPr>
           <p:nvPr>
-            <p:ph idx="2" type="sldImg"/>
+            <p:ph type="sldImg" idx="2"/>
           </p:nvPr>
         </p:nvSpPr>
         <p:spPr>
@@ -941,9 +968,13 @@
             <a:ext cx="6096000" cy="3429000"/>
           </a:xfrm>
           <a:custGeom>
-            <a:rect b="b" l="l" r="r" t="t"/>
+            <a:avLst/>
+            <a:gdLst/>
+            <a:ahLst/>
+            <a:cxnLst/>
+            <a:rect l="l" t="t" r="r" b="b"/>
             <a:pathLst>
-              <a:path extrusionOk="0" h="120000" w="120000">
+              <a:path w="120000" h="120000" extrusionOk="0">
                 <a:moveTo>
                   <a:pt x="0" y="0"/>
                 </a:moveTo>
@@ -964,10 +995,12 @@
       </p:sp>
       <p:sp>
         <p:nvSpPr>
-          <p:cNvPr id="158" name="Google Shape;158;g6c49fab578_3_0:notes"/>
-          <p:cNvSpPr txBox="1"/>
+          <p:cNvPr id="167" name="Google Shape;167;ga1b4c9c493e3167_11:notes"/>
+          <p:cNvSpPr txBox="1">
+            <a:spLocks noGrp="1"/>
+          </p:cNvSpPr>
           <p:nvPr>
-            <p:ph idx="1" type="body"/>
+            <p:ph type="body" idx="1"/>
           </p:nvPr>
         </p:nvSpPr>
         <p:spPr>
@@ -980,23 +1013,20 @@
           </a:prstGeom>
         </p:spPr>
         <p:txBody>
-          <a:bodyPr anchorCtr="0" anchor="t" bIns="91425" lIns="91425" spcFirstLastPara="1" rIns="91425" wrap="square" tIns="91425">
+          <a:bodyPr spcFirstLastPara="1" wrap="square" lIns="91425" tIns="91425" rIns="91425" bIns="91425" anchor="t" anchorCtr="0">
             <a:noAutofit/>
           </a:bodyPr>
           <a:lstStyle/>
           <a:p>
-            <a:pPr indent="0" lvl="0" marL="0" rtl="0" algn="l">
-              <a:spcBef>
-                <a:spcPts val="0"/>
-              </a:spcBef>
-              <a:spcAft>
-                <a:spcPts val="0"/>
-              </a:spcAft>
-              <a:buNone/>
-            </a:pPr>
-            <a:r>
-              <a:t/>
-            </a:r>
+            <a:pPr marL="0" lvl="0" indent="0" algn="l" rtl="0">
+              <a:spcBef>
+                <a:spcPts val="0"/>
+              </a:spcBef>
+              <a:spcAft>
+                <a:spcPts val="0"/>
+              </a:spcAft>
+              <a:buNone/>
+            </a:pPr>
             <a:endParaRPr/>
           </a:p>
         </p:txBody>
@@ -1010,11 +1040,11 @@
 </file>
 
 <file path=ppt/notesSlides/notesSlide12.xml><?xml version="1.0" encoding="utf-8"?>
-<p:notes xmlns:a="http://schemas.openxmlformats.org/drawingml/2006/main" xmlns:r="http://schemas.openxmlformats.org/officeDocument/2006/relationships" xmlns:mc="http://schemas.openxmlformats.org/markup-compatibility/2006" xmlns:mv="urn:schemas-microsoft-com:mac:vml" xmlns:p="http://schemas.openxmlformats.org/presentationml/2006/main" xmlns:c="http://schemas.openxmlformats.org/drawingml/2006/chart" xmlns:dgm="http://schemas.openxmlformats.org/drawingml/2006/diagram" xmlns:o="urn:schemas-microsoft-com:office:office" xmlns:v="urn:schemas-microsoft-com:vml" xmlns:pvml="urn:schemas-microsoft-com:office:powerpoint" xmlns:com="http://schemas.openxmlformats.org/drawingml/2006/compatibility" xmlns:p14="http://schemas.microsoft.com/office/powerpoint/2010/main" xmlns:p15="http://schemas.microsoft.com/office/powerpoint/2012/main" showMasterPhAnim="0" showMasterSp="0">
+<p:notes xmlns:a="http://schemas.openxmlformats.org/drawingml/2006/main" xmlns:r="http://schemas.openxmlformats.org/officeDocument/2006/relationships" xmlns:p="http://schemas.openxmlformats.org/presentationml/2006/main" showMasterSp="0" showMasterPhAnim="0">
   <p:cSld>
     <p:spTree>
       <p:nvGrpSpPr>
-        <p:cNvPr id="165" name="Shape 165"/>
+        <p:cNvPr id="1" name="Shape 174"/>
         <p:cNvGrpSpPr/>
         <p:nvPr/>
       </p:nvGrpSpPr>
@@ -1028,10 +1058,12 @@
       </p:grpSpPr>
       <p:sp>
         <p:nvSpPr>
-          <p:cNvPr id="166" name="Google Shape;166;ga1b4c9c493e3167_11:notes"/>
-          <p:cNvSpPr/>
+          <p:cNvPr id="175" name="Google Shape;175;g6c64e2c5ec_3_0:notes"/>
+          <p:cNvSpPr>
+            <a:spLocks noGrp="1" noRot="1" noChangeAspect="1"/>
+          </p:cNvSpPr>
           <p:nvPr>
-            <p:ph idx="2" type="sldImg"/>
+            <p:ph type="sldImg" idx="2"/>
           </p:nvPr>
         </p:nvSpPr>
         <p:spPr>
@@ -1040,9 +1072,13 @@
             <a:ext cx="6096000" cy="3429000"/>
           </a:xfrm>
           <a:custGeom>
-            <a:rect b="b" l="l" r="r" t="t"/>
+            <a:avLst/>
+            <a:gdLst/>
+            <a:ahLst/>
+            <a:cxnLst/>
+            <a:rect l="l" t="t" r="r" b="b"/>
             <a:pathLst>
-              <a:path extrusionOk="0" h="120000" w="120000">
+              <a:path w="120000" h="120000" extrusionOk="0">
                 <a:moveTo>
                   <a:pt x="0" y="0"/>
                 </a:moveTo>
@@ -1063,10 +1099,12 @@
       </p:sp>
       <p:sp>
         <p:nvSpPr>
-          <p:cNvPr id="167" name="Google Shape;167;ga1b4c9c493e3167_11:notes"/>
-          <p:cNvSpPr txBox="1"/>
+          <p:cNvPr id="176" name="Google Shape;176;g6c64e2c5ec_3_0:notes"/>
+          <p:cNvSpPr txBox="1">
+            <a:spLocks noGrp="1"/>
+          </p:cNvSpPr>
           <p:nvPr>
-            <p:ph idx="1" type="body"/>
+            <p:ph type="body" idx="1"/>
           </p:nvPr>
         </p:nvSpPr>
         <p:spPr>
@@ -1079,23 +1117,20 @@
           </a:prstGeom>
         </p:spPr>
         <p:txBody>
-          <a:bodyPr anchorCtr="0" anchor="t" bIns="91425" lIns="91425" spcFirstLastPara="1" rIns="91425" wrap="square" tIns="91425">
+          <a:bodyPr spcFirstLastPara="1" wrap="square" lIns="91425" tIns="91425" rIns="91425" bIns="91425" anchor="t" anchorCtr="0">
             <a:noAutofit/>
           </a:bodyPr>
           <a:lstStyle/>
           <a:p>
-            <a:pPr indent="0" lvl="0" marL="0" rtl="0" algn="l">
-              <a:spcBef>
-                <a:spcPts val="0"/>
-              </a:spcBef>
-              <a:spcAft>
-                <a:spcPts val="0"/>
-              </a:spcAft>
-              <a:buNone/>
-            </a:pPr>
-            <a:r>
-              <a:t/>
-            </a:r>
+            <a:pPr marL="0" lvl="0" indent="0" algn="l" rtl="0">
+              <a:spcBef>
+                <a:spcPts val="0"/>
+              </a:spcBef>
+              <a:spcAft>
+                <a:spcPts val="0"/>
+              </a:spcAft>
+              <a:buNone/>
+            </a:pPr>
             <a:endParaRPr/>
           </a:p>
         </p:txBody>
@@ -1108,12 +1143,12 @@
 </p:notes>
 </file>
 
-<file path=ppt/notesSlides/notesSlide13.xml><?xml version="1.0" encoding="utf-8"?>
-<p:notes xmlns:a="http://schemas.openxmlformats.org/drawingml/2006/main" xmlns:r="http://schemas.openxmlformats.org/officeDocument/2006/relationships" xmlns:mc="http://schemas.openxmlformats.org/markup-compatibility/2006" xmlns:mv="urn:schemas-microsoft-com:mac:vml" xmlns:p="http://schemas.openxmlformats.org/presentationml/2006/main" xmlns:c="http://schemas.openxmlformats.org/drawingml/2006/chart" xmlns:dgm="http://schemas.openxmlformats.org/drawingml/2006/diagram" xmlns:o="urn:schemas-microsoft-com:office:office" xmlns:v="urn:schemas-microsoft-com:vml" xmlns:pvml="urn:schemas-microsoft-com:office:powerpoint" xmlns:com="http://schemas.openxmlformats.org/drawingml/2006/compatibility" xmlns:p14="http://schemas.microsoft.com/office/powerpoint/2010/main" xmlns:p15="http://schemas.microsoft.com/office/powerpoint/2012/main" showMasterPhAnim="0" showMasterSp="0">
+<file path=ppt/notesSlides/notesSlide2.xml><?xml version="1.0" encoding="utf-8"?>
+<p:notes xmlns:a="http://schemas.openxmlformats.org/drawingml/2006/main" xmlns:r="http://schemas.openxmlformats.org/officeDocument/2006/relationships" xmlns:p="http://schemas.openxmlformats.org/presentationml/2006/main" showMasterSp="0" showMasterPhAnim="0">
   <p:cSld>
     <p:spTree>
       <p:nvGrpSpPr>
-        <p:cNvPr id="174" name="Shape 174"/>
+        <p:cNvPr id="1" name="Shape 70"/>
         <p:cNvGrpSpPr/>
         <p:nvPr/>
       </p:nvGrpSpPr>
@@ -1127,10 +1162,12 @@
       </p:grpSpPr>
       <p:sp>
         <p:nvSpPr>
-          <p:cNvPr id="175" name="Google Shape;175;g6c64e2c5ec_3_0:notes"/>
-          <p:cNvSpPr/>
+          <p:cNvPr id="71" name="Google Shape;71;ga1b4c9c493e3167_5:notes"/>
+          <p:cNvSpPr>
+            <a:spLocks noGrp="1" noRot="1" noChangeAspect="1"/>
+          </p:cNvSpPr>
           <p:nvPr>
-            <p:ph idx="2" type="sldImg"/>
+            <p:ph type="sldImg" idx="2"/>
           </p:nvPr>
         </p:nvSpPr>
         <p:spPr>
@@ -1139,9 +1176,13 @@
             <a:ext cx="6096000" cy="3429000"/>
           </a:xfrm>
           <a:custGeom>
-            <a:rect b="b" l="l" r="r" t="t"/>
+            <a:avLst/>
+            <a:gdLst/>
+            <a:ahLst/>
+            <a:cxnLst/>
+            <a:rect l="l" t="t" r="r" b="b"/>
             <a:pathLst>
-              <a:path extrusionOk="0" h="120000" w="120000">
+              <a:path w="120000" h="120000" extrusionOk="0">
                 <a:moveTo>
                   <a:pt x="0" y="0"/>
                 </a:moveTo>
@@ -1162,10 +1203,12 @@
       </p:sp>
       <p:sp>
         <p:nvSpPr>
-          <p:cNvPr id="176" name="Google Shape;176;g6c64e2c5ec_3_0:notes"/>
-          <p:cNvSpPr txBox="1"/>
+          <p:cNvPr id="72" name="Google Shape;72;ga1b4c9c493e3167_5:notes"/>
+          <p:cNvSpPr txBox="1">
+            <a:spLocks noGrp="1"/>
+          </p:cNvSpPr>
           <p:nvPr>
-            <p:ph idx="1" type="body"/>
+            <p:ph type="body" idx="1"/>
           </p:nvPr>
         </p:nvSpPr>
         <p:spPr>
@@ -1178,23 +1221,20 @@
           </a:prstGeom>
         </p:spPr>
         <p:txBody>
-          <a:bodyPr anchorCtr="0" anchor="t" bIns="91425" lIns="91425" spcFirstLastPara="1" rIns="91425" wrap="square" tIns="91425">
+          <a:bodyPr spcFirstLastPara="1" wrap="square" lIns="91425" tIns="91425" rIns="91425" bIns="91425" anchor="t" anchorCtr="0">
             <a:noAutofit/>
           </a:bodyPr>
           <a:lstStyle/>
           <a:p>
-            <a:pPr indent="0" lvl="0" marL="0" rtl="0" algn="l">
-              <a:spcBef>
-                <a:spcPts val="0"/>
-              </a:spcBef>
-              <a:spcAft>
-                <a:spcPts val="0"/>
-              </a:spcAft>
-              <a:buNone/>
-            </a:pPr>
-            <a:r>
-              <a:t/>
-            </a:r>
+            <a:pPr marL="0" lvl="0" indent="0" algn="l" rtl="0">
+              <a:spcBef>
+                <a:spcPts val="0"/>
+              </a:spcBef>
+              <a:spcAft>
+                <a:spcPts val="0"/>
+              </a:spcAft>
+              <a:buNone/>
+            </a:pPr>
             <a:endParaRPr/>
           </a:p>
         </p:txBody>
@@ -1207,12 +1247,12 @@
 </p:notes>
 </file>
 
-<file path=ppt/notesSlides/notesSlide2.xml><?xml version="1.0" encoding="utf-8"?>
-<p:notes xmlns:a="http://schemas.openxmlformats.org/drawingml/2006/main" xmlns:r="http://schemas.openxmlformats.org/officeDocument/2006/relationships" xmlns:mc="http://schemas.openxmlformats.org/markup-compatibility/2006" xmlns:mv="urn:schemas-microsoft-com:mac:vml" xmlns:p="http://schemas.openxmlformats.org/presentationml/2006/main" xmlns:c="http://schemas.openxmlformats.org/drawingml/2006/chart" xmlns:dgm="http://schemas.openxmlformats.org/drawingml/2006/diagram" xmlns:o="urn:schemas-microsoft-com:office:office" xmlns:v="urn:schemas-microsoft-com:vml" xmlns:pvml="urn:schemas-microsoft-com:office:powerpoint" xmlns:com="http://schemas.openxmlformats.org/drawingml/2006/compatibility" xmlns:p14="http://schemas.microsoft.com/office/powerpoint/2010/main" xmlns:p15="http://schemas.microsoft.com/office/powerpoint/2012/main" showMasterPhAnim="0" showMasterSp="0">
+<file path=ppt/notesSlides/notesSlide3.xml><?xml version="1.0" encoding="utf-8"?>
+<p:notes xmlns:a="http://schemas.openxmlformats.org/drawingml/2006/main" xmlns:r="http://schemas.openxmlformats.org/officeDocument/2006/relationships" xmlns:p="http://schemas.openxmlformats.org/presentationml/2006/main" showMasterSp="0" showMasterPhAnim="0">
   <p:cSld>
     <p:spTree>
       <p:nvGrpSpPr>
-        <p:cNvPr id="70" name="Shape 70"/>
+        <p:cNvPr id="1" name="Shape 77"/>
         <p:cNvGrpSpPr/>
         <p:nvPr/>
       </p:nvGrpSpPr>
@@ -1226,10 +1266,12 @@
       </p:grpSpPr>
       <p:sp>
         <p:nvSpPr>
-          <p:cNvPr id="71" name="Google Shape;71;ga1b4c9c493e3167_5:notes"/>
-          <p:cNvSpPr/>
+          <p:cNvPr id="78" name="Google Shape;78;g6c64e2c5ec_3_45:notes"/>
+          <p:cNvSpPr>
+            <a:spLocks noGrp="1" noRot="1" noChangeAspect="1"/>
+          </p:cNvSpPr>
           <p:nvPr>
-            <p:ph idx="2" type="sldImg"/>
+            <p:ph type="sldImg" idx="2"/>
           </p:nvPr>
         </p:nvSpPr>
         <p:spPr>
@@ -1238,9 +1280,13 @@
             <a:ext cx="6096000" cy="3429000"/>
           </a:xfrm>
           <a:custGeom>
-            <a:rect b="b" l="l" r="r" t="t"/>
+            <a:avLst/>
+            <a:gdLst/>
+            <a:ahLst/>
+            <a:cxnLst/>
+            <a:rect l="l" t="t" r="r" b="b"/>
             <a:pathLst>
-              <a:path extrusionOk="0" h="120000" w="120000">
+              <a:path w="120000" h="120000" extrusionOk="0">
                 <a:moveTo>
                   <a:pt x="0" y="0"/>
                 </a:moveTo>
@@ -1261,10 +1307,12 @@
       </p:sp>
       <p:sp>
         <p:nvSpPr>
-          <p:cNvPr id="72" name="Google Shape;72;ga1b4c9c493e3167_5:notes"/>
-          <p:cNvSpPr txBox="1"/>
+          <p:cNvPr id="79" name="Google Shape;79;g6c64e2c5ec_3_45:notes"/>
+          <p:cNvSpPr txBox="1">
+            <a:spLocks noGrp="1"/>
+          </p:cNvSpPr>
           <p:nvPr>
-            <p:ph idx="1" type="body"/>
+            <p:ph type="body" idx="1"/>
           </p:nvPr>
         </p:nvSpPr>
         <p:spPr>
@@ -1277,12 +1325,12 @@
           </a:prstGeom>
         </p:spPr>
         <p:txBody>
-          <a:bodyPr anchorCtr="0" anchor="t" bIns="91425" lIns="91425" spcFirstLastPara="1" rIns="91425" wrap="square" tIns="91425">
+          <a:bodyPr spcFirstLastPara="1" wrap="square" lIns="91425" tIns="91425" rIns="91425" bIns="91425" anchor="t" anchorCtr="0">
             <a:noAutofit/>
           </a:bodyPr>
           <a:lstStyle/>
           <a:p>
-            <a:pPr indent="0" lvl="0" marL="0" rtl="0" algn="l">
+            <a:pPr marL="0" lvl="0" indent="0" algn="l" rtl="0">
               <a:spcBef>
                 <a:spcPts val="0"/>
               </a:spcBef>
@@ -1292,7 +1340,8 @@
               <a:buNone/>
             </a:pPr>
             <a:r>
-              <a:t/>
+              <a:rPr lang="en"/>
+              <a:t>We gonna explain how we reach to solution using semantic web technologies</a:t>
             </a:r>
             <a:endParaRPr/>
           </a:p>
@@ -1306,12 +1355,12 @@
 </p:notes>
 </file>
 
-<file path=ppt/notesSlides/notesSlide3.xml><?xml version="1.0" encoding="utf-8"?>
-<p:notes xmlns:a="http://schemas.openxmlformats.org/drawingml/2006/main" xmlns:r="http://schemas.openxmlformats.org/officeDocument/2006/relationships" xmlns:mc="http://schemas.openxmlformats.org/markup-compatibility/2006" xmlns:mv="urn:schemas-microsoft-com:mac:vml" xmlns:p="http://schemas.openxmlformats.org/presentationml/2006/main" xmlns:c="http://schemas.openxmlformats.org/drawingml/2006/chart" xmlns:dgm="http://schemas.openxmlformats.org/drawingml/2006/diagram" xmlns:o="urn:schemas-microsoft-com:office:office" xmlns:v="urn:schemas-microsoft-com:vml" xmlns:pvml="urn:schemas-microsoft-com:office:powerpoint" xmlns:com="http://schemas.openxmlformats.org/drawingml/2006/compatibility" xmlns:p14="http://schemas.microsoft.com/office/powerpoint/2010/main" xmlns:p15="http://schemas.microsoft.com/office/powerpoint/2012/main" showMasterPhAnim="0" showMasterSp="0">
+<file path=ppt/notesSlides/notesSlide4.xml><?xml version="1.0" encoding="utf-8"?>
+<p:notes xmlns:a="http://schemas.openxmlformats.org/drawingml/2006/main" xmlns:r="http://schemas.openxmlformats.org/officeDocument/2006/relationships" xmlns:p="http://schemas.openxmlformats.org/presentationml/2006/main" showMasterSp="0" showMasterPhAnim="0">
   <p:cSld>
     <p:spTree>
       <p:nvGrpSpPr>
-        <p:cNvPr id="77" name="Shape 77"/>
+        <p:cNvPr id="1" name="Shape 85"/>
         <p:cNvGrpSpPr/>
         <p:nvPr/>
       </p:nvGrpSpPr>
@@ -1325,10 +1374,12 @@
       </p:grpSpPr>
       <p:sp>
         <p:nvSpPr>
-          <p:cNvPr id="78" name="Google Shape;78;g6c64e2c5ec_3_45:notes"/>
-          <p:cNvSpPr/>
+          <p:cNvPr id="86" name="Google Shape;86;g6c64e2c5ec_3_5:notes"/>
+          <p:cNvSpPr>
+            <a:spLocks noGrp="1" noRot="1" noChangeAspect="1"/>
+          </p:cNvSpPr>
           <p:nvPr>
-            <p:ph idx="2" type="sldImg"/>
+            <p:ph type="sldImg" idx="2"/>
           </p:nvPr>
         </p:nvSpPr>
         <p:spPr>
@@ -1337,9 +1388,13 @@
             <a:ext cx="6096000" cy="3429000"/>
           </a:xfrm>
           <a:custGeom>
-            <a:rect b="b" l="l" r="r" t="t"/>
+            <a:avLst/>
+            <a:gdLst/>
+            <a:ahLst/>
+            <a:cxnLst/>
+            <a:rect l="l" t="t" r="r" b="b"/>
             <a:pathLst>
-              <a:path extrusionOk="0" h="120000" w="120000">
+              <a:path w="120000" h="120000" extrusionOk="0">
                 <a:moveTo>
                   <a:pt x="0" y="0"/>
                 </a:moveTo>
@@ -1360,10 +1415,12 @@
       </p:sp>
       <p:sp>
         <p:nvSpPr>
-          <p:cNvPr id="79" name="Google Shape;79;g6c64e2c5ec_3_45:notes"/>
-          <p:cNvSpPr txBox="1"/>
+          <p:cNvPr id="87" name="Google Shape;87;g6c64e2c5ec_3_5:notes"/>
+          <p:cNvSpPr txBox="1">
+            <a:spLocks noGrp="1"/>
+          </p:cNvSpPr>
           <p:nvPr>
-            <p:ph idx="1" type="body"/>
+            <p:ph type="body" idx="1"/>
           </p:nvPr>
         </p:nvSpPr>
         <p:spPr>
@@ -1376,32 +1433,20 @@
           </a:prstGeom>
         </p:spPr>
         <p:txBody>
-          <a:bodyPr anchorCtr="0" anchor="t" bIns="91425" lIns="91425" spcFirstLastPara="1" rIns="91425" wrap="square" tIns="91425">
+          <a:bodyPr spcFirstLastPara="1" wrap="square" lIns="91425" tIns="91425" rIns="91425" bIns="91425" anchor="t" anchorCtr="0">
             <a:noAutofit/>
           </a:bodyPr>
           <a:lstStyle/>
           <a:p>
-            <a:pPr indent="0" lvl="0" marL="0" rtl="0" algn="l">
-              <a:spcBef>
-                <a:spcPts val="0"/>
-              </a:spcBef>
-              <a:spcAft>
-                <a:spcPts val="0"/>
-              </a:spcAft>
-              <a:buNone/>
-            </a:pPr>
-            <a:r>
-              <a:rPr lang="en"/>
-              <a:t>We gonna </a:t>
-            </a:r>
-            <a:r>
-              <a:rPr lang="en"/>
-              <a:t>explain</a:t>
-            </a:r>
-            <a:r>
-              <a:rPr lang="en"/>
-              <a:t> how we reach to solution using semantic web technologies</a:t>
-            </a:r>
+            <a:pPr marL="0" lvl="0" indent="0" algn="l" rtl="0">
+              <a:spcBef>
+                <a:spcPts val="0"/>
+              </a:spcBef>
+              <a:spcAft>
+                <a:spcPts val="0"/>
+              </a:spcAft>
+              <a:buNone/>
+            </a:pPr>
             <a:endParaRPr/>
           </a:p>
         </p:txBody>
@@ -1414,12 +1459,12 @@
 </p:notes>
 </file>
 
-<file path=ppt/notesSlides/notesSlide4.xml><?xml version="1.0" encoding="utf-8"?>
-<p:notes xmlns:a="http://schemas.openxmlformats.org/drawingml/2006/main" xmlns:r="http://schemas.openxmlformats.org/officeDocument/2006/relationships" xmlns:mc="http://schemas.openxmlformats.org/markup-compatibility/2006" xmlns:mv="urn:schemas-microsoft-com:mac:vml" xmlns:p="http://schemas.openxmlformats.org/presentationml/2006/main" xmlns:c="http://schemas.openxmlformats.org/drawingml/2006/chart" xmlns:dgm="http://schemas.openxmlformats.org/drawingml/2006/diagram" xmlns:o="urn:schemas-microsoft-com:office:office" xmlns:v="urn:schemas-microsoft-com:vml" xmlns:pvml="urn:schemas-microsoft-com:office:powerpoint" xmlns:com="http://schemas.openxmlformats.org/drawingml/2006/compatibility" xmlns:p14="http://schemas.microsoft.com/office/powerpoint/2010/main" xmlns:p15="http://schemas.microsoft.com/office/powerpoint/2012/main" showMasterPhAnim="0" showMasterSp="0">
+<file path=ppt/notesSlides/notesSlide5.xml><?xml version="1.0" encoding="utf-8"?>
+<p:notes xmlns:a="http://schemas.openxmlformats.org/drawingml/2006/main" xmlns:r="http://schemas.openxmlformats.org/officeDocument/2006/relationships" xmlns:p="http://schemas.openxmlformats.org/presentationml/2006/main" showMasterSp="0" showMasterPhAnim="0">
   <p:cSld>
     <p:spTree>
       <p:nvGrpSpPr>
-        <p:cNvPr id="85" name="Shape 85"/>
+        <p:cNvPr id="1" name="Shape 101"/>
         <p:cNvGrpSpPr/>
         <p:nvPr/>
       </p:nvGrpSpPr>
@@ -1433,10 +1478,12 @@
       </p:grpSpPr>
       <p:sp>
         <p:nvSpPr>
-          <p:cNvPr id="86" name="Google Shape;86;g6c64e2c5ec_3_5:notes"/>
-          <p:cNvSpPr/>
+          <p:cNvPr id="102" name="Google Shape;102;g6c64e2c5ec_3_37:notes"/>
+          <p:cNvSpPr>
+            <a:spLocks noGrp="1" noRot="1" noChangeAspect="1"/>
+          </p:cNvSpPr>
           <p:nvPr>
-            <p:ph idx="2" type="sldImg"/>
+            <p:ph type="sldImg" idx="2"/>
           </p:nvPr>
         </p:nvSpPr>
         <p:spPr>
@@ -1445,9 +1492,13 @@
             <a:ext cx="6096000" cy="3429000"/>
           </a:xfrm>
           <a:custGeom>
-            <a:rect b="b" l="l" r="r" t="t"/>
+            <a:avLst/>
+            <a:gdLst/>
+            <a:ahLst/>
+            <a:cxnLst/>
+            <a:rect l="l" t="t" r="r" b="b"/>
             <a:pathLst>
-              <a:path extrusionOk="0" h="120000" w="120000">
+              <a:path w="120000" h="120000" extrusionOk="0">
                 <a:moveTo>
                   <a:pt x="0" y="0"/>
                 </a:moveTo>
@@ -1468,10 +1519,12 @@
       </p:sp>
       <p:sp>
         <p:nvSpPr>
-          <p:cNvPr id="87" name="Google Shape;87;g6c64e2c5ec_3_5:notes"/>
-          <p:cNvSpPr txBox="1"/>
+          <p:cNvPr id="103" name="Google Shape;103;g6c64e2c5ec_3_37:notes"/>
+          <p:cNvSpPr txBox="1">
+            <a:spLocks noGrp="1"/>
+          </p:cNvSpPr>
           <p:nvPr>
-            <p:ph idx="1" type="body"/>
+            <p:ph type="body" idx="1"/>
           </p:nvPr>
         </p:nvSpPr>
         <p:spPr>
@@ -1484,23 +1537,20 @@
           </a:prstGeom>
         </p:spPr>
         <p:txBody>
-          <a:bodyPr anchorCtr="0" anchor="t" bIns="91425" lIns="91425" spcFirstLastPara="1" rIns="91425" wrap="square" tIns="91425">
+          <a:bodyPr spcFirstLastPara="1" wrap="square" lIns="91425" tIns="91425" rIns="91425" bIns="91425" anchor="t" anchorCtr="0">
             <a:noAutofit/>
           </a:bodyPr>
           <a:lstStyle/>
           <a:p>
-            <a:pPr indent="0" lvl="0" marL="0" rtl="0" algn="l">
-              <a:spcBef>
-                <a:spcPts val="0"/>
-              </a:spcBef>
-              <a:spcAft>
-                <a:spcPts val="0"/>
-              </a:spcAft>
-              <a:buNone/>
-            </a:pPr>
-            <a:r>
-              <a:t/>
-            </a:r>
+            <a:pPr marL="0" lvl="0" indent="0" algn="l" rtl="0">
+              <a:spcBef>
+                <a:spcPts val="0"/>
+              </a:spcBef>
+              <a:spcAft>
+                <a:spcPts val="0"/>
+              </a:spcAft>
+              <a:buNone/>
+            </a:pPr>
             <a:endParaRPr/>
           </a:p>
         </p:txBody>
@@ -1513,12 +1563,12 @@
 </p:notes>
 </file>
 
-<file path=ppt/notesSlides/notesSlide5.xml><?xml version="1.0" encoding="utf-8"?>
-<p:notes xmlns:a="http://schemas.openxmlformats.org/drawingml/2006/main" xmlns:r="http://schemas.openxmlformats.org/officeDocument/2006/relationships" xmlns:mc="http://schemas.openxmlformats.org/markup-compatibility/2006" xmlns:mv="urn:schemas-microsoft-com:mac:vml" xmlns:p="http://schemas.openxmlformats.org/presentationml/2006/main" xmlns:c="http://schemas.openxmlformats.org/drawingml/2006/chart" xmlns:dgm="http://schemas.openxmlformats.org/drawingml/2006/diagram" xmlns:o="urn:schemas-microsoft-com:office:office" xmlns:v="urn:schemas-microsoft-com:vml" xmlns:pvml="urn:schemas-microsoft-com:office:powerpoint" xmlns:com="http://schemas.openxmlformats.org/drawingml/2006/compatibility" xmlns:p14="http://schemas.microsoft.com/office/powerpoint/2010/main" xmlns:p15="http://schemas.microsoft.com/office/powerpoint/2012/main" showMasterPhAnim="0" showMasterSp="0">
+<file path=ppt/notesSlides/notesSlide6.xml><?xml version="1.0" encoding="utf-8"?>
+<p:notes xmlns:a="http://schemas.openxmlformats.org/drawingml/2006/main" xmlns:r="http://schemas.openxmlformats.org/officeDocument/2006/relationships" xmlns:p="http://schemas.openxmlformats.org/presentationml/2006/main" showMasterSp="0" showMasterPhAnim="0">
   <p:cSld>
     <p:spTree>
       <p:nvGrpSpPr>
-        <p:cNvPr id="101" name="Shape 101"/>
+        <p:cNvPr id="1" name="Shape 108"/>
         <p:cNvGrpSpPr/>
         <p:nvPr/>
       </p:nvGrpSpPr>
@@ -1532,10 +1582,12 @@
       </p:grpSpPr>
       <p:sp>
         <p:nvSpPr>
-          <p:cNvPr id="102" name="Google Shape;102;g6c64e2c5ec_3_37:notes"/>
-          <p:cNvSpPr/>
+          <p:cNvPr id="109" name="Google Shape;109;g6c719cfe5c_1_0:notes"/>
+          <p:cNvSpPr>
+            <a:spLocks noGrp="1" noRot="1" noChangeAspect="1"/>
+          </p:cNvSpPr>
           <p:nvPr>
-            <p:ph idx="2" type="sldImg"/>
+            <p:ph type="sldImg" idx="2"/>
           </p:nvPr>
         </p:nvSpPr>
         <p:spPr>
@@ -1544,9 +1596,13 @@
             <a:ext cx="6096000" cy="3429000"/>
           </a:xfrm>
           <a:custGeom>
-            <a:rect b="b" l="l" r="r" t="t"/>
+            <a:avLst/>
+            <a:gdLst/>
+            <a:ahLst/>
+            <a:cxnLst/>
+            <a:rect l="l" t="t" r="r" b="b"/>
             <a:pathLst>
-              <a:path extrusionOk="0" h="120000" w="120000">
+              <a:path w="120000" h="120000" extrusionOk="0">
                 <a:moveTo>
                   <a:pt x="0" y="0"/>
                 </a:moveTo>
@@ -1567,10 +1623,12 @@
       </p:sp>
       <p:sp>
         <p:nvSpPr>
-          <p:cNvPr id="103" name="Google Shape;103;g6c64e2c5ec_3_37:notes"/>
-          <p:cNvSpPr txBox="1"/>
+          <p:cNvPr id="110" name="Google Shape;110;g6c719cfe5c_1_0:notes"/>
+          <p:cNvSpPr txBox="1">
+            <a:spLocks noGrp="1"/>
+          </p:cNvSpPr>
           <p:nvPr>
-            <p:ph idx="1" type="body"/>
+            <p:ph type="body" idx="1"/>
           </p:nvPr>
         </p:nvSpPr>
         <p:spPr>
@@ -1583,23 +1641,20 @@
           </a:prstGeom>
         </p:spPr>
         <p:txBody>
-          <a:bodyPr anchorCtr="0" anchor="t" bIns="91425" lIns="91425" spcFirstLastPara="1" rIns="91425" wrap="square" tIns="91425">
+          <a:bodyPr spcFirstLastPara="1" wrap="square" lIns="91425" tIns="91425" rIns="91425" bIns="91425" anchor="t" anchorCtr="0">
             <a:noAutofit/>
           </a:bodyPr>
           <a:lstStyle/>
           <a:p>
-            <a:pPr indent="0" lvl="0" marL="0" rtl="0" algn="l">
-              <a:spcBef>
-                <a:spcPts val="0"/>
-              </a:spcBef>
-              <a:spcAft>
-                <a:spcPts val="0"/>
-              </a:spcAft>
-              <a:buNone/>
-            </a:pPr>
-            <a:r>
-              <a:t/>
-            </a:r>
+            <a:pPr marL="0" lvl="0" indent="0" algn="l" rtl="0">
+              <a:spcBef>
+                <a:spcPts val="0"/>
+              </a:spcBef>
+              <a:spcAft>
+                <a:spcPts val="0"/>
+              </a:spcAft>
+              <a:buNone/>
+            </a:pPr>
             <a:endParaRPr/>
           </a:p>
         </p:txBody>
@@ -1612,12 +1667,12 @@
 </p:notes>
 </file>
 
-<file path=ppt/notesSlides/notesSlide6.xml><?xml version="1.0" encoding="utf-8"?>
-<p:notes xmlns:a="http://schemas.openxmlformats.org/drawingml/2006/main" xmlns:r="http://schemas.openxmlformats.org/officeDocument/2006/relationships" xmlns:mc="http://schemas.openxmlformats.org/markup-compatibility/2006" xmlns:mv="urn:schemas-microsoft-com:mac:vml" xmlns:p="http://schemas.openxmlformats.org/presentationml/2006/main" xmlns:c="http://schemas.openxmlformats.org/drawingml/2006/chart" xmlns:dgm="http://schemas.openxmlformats.org/drawingml/2006/diagram" xmlns:o="urn:schemas-microsoft-com:office:office" xmlns:v="urn:schemas-microsoft-com:vml" xmlns:pvml="urn:schemas-microsoft-com:office:powerpoint" xmlns:com="http://schemas.openxmlformats.org/drawingml/2006/compatibility" xmlns:p14="http://schemas.microsoft.com/office/powerpoint/2010/main" xmlns:p15="http://schemas.microsoft.com/office/powerpoint/2012/main" showMasterPhAnim="0" showMasterSp="0">
+<file path=ppt/notesSlides/notesSlide7.xml><?xml version="1.0" encoding="utf-8"?>
+<p:notes xmlns:a="http://schemas.openxmlformats.org/drawingml/2006/main" xmlns:r="http://schemas.openxmlformats.org/officeDocument/2006/relationships" xmlns:p="http://schemas.openxmlformats.org/presentationml/2006/main" showMasterSp="0" showMasterPhAnim="0">
   <p:cSld>
     <p:spTree>
       <p:nvGrpSpPr>
-        <p:cNvPr id="108" name="Shape 108"/>
+        <p:cNvPr id="1" name="Shape 127"/>
         <p:cNvGrpSpPr/>
         <p:nvPr/>
       </p:nvGrpSpPr>
@@ -1631,21 +1686,27 @@
       </p:grpSpPr>
       <p:sp>
         <p:nvSpPr>
-          <p:cNvPr id="109" name="Google Shape;109;g6c719cfe5c_1_0:notes"/>
-          <p:cNvSpPr/>
+          <p:cNvPr id="128" name="Google Shape;128;g6c64e2c5ec_1_0:notes"/>
+          <p:cNvSpPr>
+            <a:spLocks noGrp="1" noRot="1" noChangeAspect="1"/>
+          </p:cNvSpPr>
           <p:nvPr>
-            <p:ph idx="2" type="sldImg"/>
+            <p:ph type="sldImg" idx="2"/>
           </p:nvPr>
         </p:nvSpPr>
         <p:spPr>
           <a:xfrm>
-            <a:off x="381300" y="685800"/>
+            <a:off x="381000" y="685800"/>
             <a:ext cx="6096000" cy="3429000"/>
           </a:xfrm>
           <a:custGeom>
-            <a:rect b="b" l="l" r="r" t="t"/>
+            <a:avLst/>
+            <a:gdLst/>
+            <a:ahLst/>
+            <a:cxnLst/>
+            <a:rect l="l" t="t" r="r" b="b"/>
             <a:pathLst>
-              <a:path extrusionOk="0" h="120000" w="120000">
+              <a:path w="120000" h="120000" extrusionOk="0">
                 <a:moveTo>
                   <a:pt x="0" y="0"/>
                 </a:moveTo>
@@ -1666,10 +1727,12 @@
       </p:sp>
       <p:sp>
         <p:nvSpPr>
-          <p:cNvPr id="110" name="Google Shape;110;g6c719cfe5c_1_0:notes"/>
-          <p:cNvSpPr txBox="1"/>
+          <p:cNvPr id="129" name="Google Shape;129;g6c64e2c5ec_1_0:notes"/>
+          <p:cNvSpPr txBox="1">
+            <a:spLocks noGrp="1"/>
+          </p:cNvSpPr>
           <p:nvPr>
-            <p:ph idx="1" type="body"/>
+            <p:ph type="body" idx="1"/>
           </p:nvPr>
         </p:nvSpPr>
         <p:spPr>
@@ -1682,23 +1745,20 @@
           </a:prstGeom>
         </p:spPr>
         <p:txBody>
-          <a:bodyPr anchorCtr="0" anchor="t" bIns="91425" lIns="91425" spcFirstLastPara="1" rIns="91425" wrap="square" tIns="91425">
+          <a:bodyPr spcFirstLastPara="1" wrap="square" lIns="91425" tIns="91425" rIns="91425" bIns="91425" anchor="t" anchorCtr="0">
             <a:noAutofit/>
           </a:bodyPr>
           <a:lstStyle/>
           <a:p>
-            <a:pPr indent="0" lvl="0" marL="0" rtl="0" algn="l">
-              <a:spcBef>
-                <a:spcPts val="0"/>
-              </a:spcBef>
-              <a:spcAft>
-                <a:spcPts val="0"/>
-              </a:spcAft>
-              <a:buNone/>
-            </a:pPr>
-            <a:r>
-              <a:t/>
-            </a:r>
+            <a:pPr marL="0" lvl="0" indent="0" algn="l" rtl="0">
+              <a:spcBef>
+                <a:spcPts val="0"/>
+              </a:spcBef>
+              <a:spcAft>
+                <a:spcPts val="0"/>
+              </a:spcAft>
+              <a:buNone/>
+            </a:pPr>
             <a:endParaRPr/>
           </a:p>
         </p:txBody>
@@ -1711,12 +1771,12 @@
 </p:notes>
 </file>
 
-<file path=ppt/notesSlides/notesSlide7.xml><?xml version="1.0" encoding="utf-8"?>
-<p:notes xmlns:a="http://schemas.openxmlformats.org/drawingml/2006/main" xmlns:r="http://schemas.openxmlformats.org/officeDocument/2006/relationships" xmlns:mc="http://schemas.openxmlformats.org/markup-compatibility/2006" xmlns:mv="urn:schemas-microsoft-com:mac:vml" xmlns:p="http://schemas.openxmlformats.org/presentationml/2006/main" xmlns:c="http://schemas.openxmlformats.org/drawingml/2006/chart" xmlns:dgm="http://schemas.openxmlformats.org/drawingml/2006/diagram" xmlns:o="urn:schemas-microsoft-com:office:office" xmlns:v="urn:schemas-microsoft-com:vml" xmlns:pvml="urn:schemas-microsoft-com:office:powerpoint" xmlns:com="http://schemas.openxmlformats.org/drawingml/2006/compatibility" xmlns:p14="http://schemas.microsoft.com/office/powerpoint/2010/main" xmlns:p15="http://schemas.microsoft.com/office/powerpoint/2012/main" showMasterPhAnim="0" showMasterSp="0">
+<file path=ppt/notesSlides/notesSlide8.xml><?xml version="1.0" encoding="utf-8"?>
+<p:notes xmlns:a="http://schemas.openxmlformats.org/drawingml/2006/main" xmlns:r="http://schemas.openxmlformats.org/officeDocument/2006/relationships" xmlns:p="http://schemas.openxmlformats.org/presentationml/2006/main" showMasterSp="0" showMasterPhAnim="0">
   <p:cSld>
     <p:spTree>
       <p:nvGrpSpPr>
-        <p:cNvPr id="127" name="Shape 127"/>
+        <p:cNvPr id="1" name="Shape 134"/>
         <p:cNvGrpSpPr/>
         <p:nvPr/>
       </p:nvGrpSpPr>
@@ -1730,10 +1790,12 @@
       </p:grpSpPr>
       <p:sp>
         <p:nvSpPr>
-          <p:cNvPr id="128" name="Google Shape;128;g6c64e2c5ec_1_0:notes"/>
-          <p:cNvSpPr/>
+          <p:cNvPr id="135" name="Google Shape;135;g6c64e2c5ec_0_0:notes"/>
+          <p:cNvSpPr>
+            <a:spLocks noGrp="1" noRot="1" noChangeAspect="1"/>
+          </p:cNvSpPr>
           <p:nvPr>
-            <p:ph idx="2" type="sldImg"/>
+            <p:ph type="sldImg" idx="2"/>
           </p:nvPr>
         </p:nvSpPr>
         <p:spPr>
@@ -1742,9 +1804,13 @@
             <a:ext cx="6096000" cy="3429000"/>
           </a:xfrm>
           <a:custGeom>
-            <a:rect b="b" l="l" r="r" t="t"/>
+            <a:avLst/>
+            <a:gdLst/>
+            <a:ahLst/>
+            <a:cxnLst/>
+            <a:rect l="l" t="t" r="r" b="b"/>
             <a:pathLst>
-              <a:path extrusionOk="0" h="120000" w="120000">
+              <a:path w="120000" h="120000" extrusionOk="0">
                 <a:moveTo>
                   <a:pt x="0" y="0"/>
                 </a:moveTo>
@@ -1765,10 +1831,12 @@
       </p:sp>
       <p:sp>
         <p:nvSpPr>
-          <p:cNvPr id="129" name="Google Shape;129;g6c64e2c5ec_1_0:notes"/>
-          <p:cNvSpPr txBox="1"/>
+          <p:cNvPr id="136" name="Google Shape;136;g6c64e2c5ec_0_0:notes"/>
+          <p:cNvSpPr txBox="1">
+            <a:spLocks noGrp="1"/>
+          </p:cNvSpPr>
           <p:nvPr>
-            <p:ph idx="1" type="body"/>
+            <p:ph type="body" idx="1"/>
           </p:nvPr>
         </p:nvSpPr>
         <p:spPr>
@@ -1781,23 +1849,20 @@
           </a:prstGeom>
         </p:spPr>
         <p:txBody>
-          <a:bodyPr anchorCtr="0" anchor="t" bIns="91425" lIns="91425" spcFirstLastPara="1" rIns="91425" wrap="square" tIns="91425">
+          <a:bodyPr spcFirstLastPara="1" wrap="square" lIns="91425" tIns="91425" rIns="91425" bIns="91425" anchor="t" anchorCtr="0">
             <a:noAutofit/>
           </a:bodyPr>
           <a:lstStyle/>
           <a:p>
-            <a:pPr indent="0" lvl="0" marL="0" rtl="0" algn="l">
-              <a:spcBef>
-                <a:spcPts val="0"/>
-              </a:spcBef>
-              <a:spcAft>
-                <a:spcPts val="0"/>
-              </a:spcAft>
-              <a:buNone/>
-            </a:pPr>
-            <a:r>
-              <a:t/>
-            </a:r>
+            <a:pPr marL="0" lvl="0" indent="0" algn="l" rtl="0">
+              <a:spcBef>
+                <a:spcPts val="0"/>
+              </a:spcBef>
+              <a:spcAft>
+                <a:spcPts val="0"/>
+              </a:spcAft>
+              <a:buNone/>
+            </a:pPr>
             <a:endParaRPr/>
           </a:p>
         </p:txBody>
@@ -1810,12 +1875,12 @@
 </p:notes>
 </file>
 
-<file path=ppt/notesSlides/notesSlide8.xml><?xml version="1.0" encoding="utf-8"?>
-<p:notes xmlns:a="http://schemas.openxmlformats.org/drawingml/2006/main" xmlns:r="http://schemas.openxmlformats.org/officeDocument/2006/relationships" xmlns:mc="http://schemas.openxmlformats.org/markup-compatibility/2006" xmlns:mv="urn:schemas-microsoft-com:mac:vml" xmlns:p="http://schemas.openxmlformats.org/presentationml/2006/main" xmlns:c="http://schemas.openxmlformats.org/drawingml/2006/chart" xmlns:dgm="http://schemas.openxmlformats.org/drawingml/2006/diagram" xmlns:o="urn:schemas-microsoft-com:office:office" xmlns:v="urn:schemas-microsoft-com:vml" xmlns:pvml="urn:schemas-microsoft-com:office:powerpoint" xmlns:com="http://schemas.openxmlformats.org/drawingml/2006/compatibility" xmlns:p14="http://schemas.microsoft.com/office/powerpoint/2010/main" xmlns:p15="http://schemas.microsoft.com/office/powerpoint/2012/main" showMasterPhAnim="0" showMasterSp="0">
+<file path=ppt/notesSlides/notesSlide9.xml><?xml version="1.0" encoding="utf-8"?>
+<p:notes xmlns:a="http://schemas.openxmlformats.org/drawingml/2006/main" xmlns:r="http://schemas.openxmlformats.org/officeDocument/2006/relationships" xmlns:p="http://schemas.openxmlformats.org/presentationml/2006/main" showMasterSp="0" showMasterPhAnim="0">
   <p:cSld>
     <p:spTree>
       <p:nvGrpSpPr>
-        <p:cNvPr id="134" name="Shape 134"/>
+        <p:cNvPr id="1" name="Shape 149"/>
         <p:cNvGrpSpPr/>
         <p:nvPr/>
       </p:nvGrpSpPr>
@@ -1829,10 +1894,12 @@
       </p:grpSpPr>
       <p:sp>
         <p:nvSpPr>
-          <p:cNvPr id="135" name="Google Shape;135;g6c64e2c5ec_0_0:notes"/>
-          <p:cNvSpPr/>
+          <p:cNvPr id="150" name="Google Shape;150;g6c49fab578_0_106:notes"/>
+          <p:cNvSpPr>
+            <a:spLocks noGrp="1" noRot="1" noChangeAspect="1"/>
+          </p:cNvSpPr>
           <p:nvPr>
-            <p:ph idx="2" type="sldImg"/>
+            <p:ph type="sldImg" idx="2"/>
           </p:nvPr>
         </p:nvSpPr>
         <p:spPr>
@@ -1841,9 +1908,13 @@
             <a:ext cx="6096000" cy="3429000"/>
           </a:xfrm>
           <a:custGeom>
-            <a:rect b="b" l="l" r="r" t="t"/>
+            <a:avLst/>
+            <a:gdLst/>
+            <a:ahLst/>
+            <a:cxnLst/>
+            <a:rect l="l" t="t" r="r" b="b"/>
             <a:pathLst>
-              <a:path extrusionOk="0" h="120000" w="120000">
+              <a:path w="120000" h="120000" extrusionOk="0">
                 <a:moveTo>
                   <a:pt x="0" y="0"/>
                 </a:moveTo>
@@ -1864,10 +1935,12 @@
       </p:sp>
       <p:sp>
         <p:nvSpPr>
-          <p:cNvPr id="136" name="Google Shape;136;g6c64e2c5ec_0_0:notes"/>
-          <p:cNvSpPr txBox="1"/>
+          <p:cNvPr id="151" name="Google Shape;151;g6c49fab578_0_106:notes"/>
+          <p:cNvSpPr txBox="1">
+            <a:spLocks noGrp="1"/>
+          </p:cNvSpPr>
           <p:nvPr>
-            <p:ph idx="1" type="body"/>
+            <p:ph type="body" idx="1"/>
           </p:nvPr>
         </p:nvSpPr>
         <p:spPr>
@@ -1880,122 +1953,20 @@
           </a:prstGeom>
         </p:spPr>
         <p:txBody>
-          <a:bodyPr anchorCtr="0" anchor="t" bIns="91425" lIns="91425" spcFirstLastPara="1" rIns="91425" wrap="square" tIns="91425">
+          <a:bodyPr spcFirstLastPara="1" wrap="square" lIns="91425" tIns="91425" rIns="91425" bIns="91425" anchor="t" anchorCtr="0">
             <a:noAutofit/>
           </a:bodyPr>
           <a:lstStyle/>
           <a:p>
-            <a:pPr indent="0" lvl="0" marL="0" rtl="0" algn="l">
-              <a:spcBef>
-                <a:spcPts val="0"/>
-              </a:spcBef>
-              <a:spcAft>
-                <a:spcPts val="0"/>
-              </a:spcAft>
-              <a:buNone/>
-            </a:pPr>
-            <a:r>
-              <a:t/>
-            </a:r>
-            <a:endParaRPr/>
-          </a:p>
-        </p:txBody>
-      </p:sp>
-    </p:spTree>
-  </p:cSld>
-  <p:clrMapOvr>
-    <a:masterClrMapping/>
-  </p:clrMapOvr>
-</p:notes>
-</file>
-
-<file path=ppt/notesSlides/notesSlide9.xml><?xml version="1.0" encoding="utf-8"?>
-<p:notes xmlns:a="http://schemas.openxmlformats.org/drawingml/2006/main" xmlns:r="http://schemas.openxmlformats.org/officeDocument/2006/relationships" xmlns:mc="http://schemas.openxmlformats.org/markup-compatibility/2006" xmlns:mv="urn:schemas-microsoft-com:mac:vml" xmlns:p="http://schemas.openxmlformats.org/presentationml/2006/main" xmlns:c="http://schemas.openxmlformats.org/drawingml/2006/chart" xmlns:dgm="http://schemas.openxmlformats.org/drawingml/2006/diagram" xmlns:o="urn:schemas-microsoft-com:office:office" xmlns:v="urn:schemas-microsoft-com:vml" xmlns:pvml="urn:schemas-microsoft-com:office:powerpoint" xmlns:com="http://schemas.openxmlformats.org/drawingml/2006/compatibility" xmlns:p14="http://schemas.microsoft.com/office/powerpoint/2010/main" xmlns:p15="http://schemas.microsoft.com/office/powerpoint/2012/main" showMasterPhAnim="0" showMasterSp="0">
-  <p:cSld>
-    <p:spTree>
-      <p:nvGrpSpPr>
-        <p:cNvPr id="141" name="Shape 141"/>
-        <p:cNvGrpSpPr/>
-        <p:nvPr/>
-      </p:nvGrpSpPr>
-      <p:grpSpPr>
-        <a:xfrm>
-          <a:off x="0" y="0"/>
-          <a:ext cx="0" cy="0"/>
-          <a:chOff x="0" y="0"/>
-          <a:chExt cx="0" cy="0"/>
-        </a:xfrm>
-      </p:grpSpPr>
-      <p:sp>
-        <p:nvSpPr>
-          <p:cNvPr id="142" name="Google Shape;142;g75ea17406a_0_0:notes"/>
-          <p:cNvSpPr/>
-          <p:nvPr>
-            <p:ph idx="2" type="sldImg"/>
-          </p:nvPr>
-        </p:nvSpPr>
-        <p:spPr>
-          <a:xfrm>
-            <a:off x="381300" y="685800"/>
-            <a:ext cx="6096000" cy="3429000"/>
-          </a:xfrm>
-          <a:custGeom>
-            <a:rect b="b" l="l" r="r" t="t"/>
-            <a:pathLst>
-              <a:path extrusionOk="0" h="120000" w="120000">
-                <a:moveTo>
-                  <a:pt x="0" y="0"/>
-                </a:moveTo>
-                <a:lnTo>
-                  <a:pt x="120000" y="0"/>
-                </a:lnTo>
-                <a:lnTo>
-                  <a:pt x="120000" y="120000"/>
-                </a:lnTo>
-                <a:lnTo>
-                  <a:pt x="0" y="120000"/>
-                </a:lnTo>
-                <a:close/>
-              </a:path>
-            </a:pathLst>
-          </a:custGeom>
-        </p:spPr>
-      </p:sp>
-      <p:sp>
-        <p:nvSpPr>
-          <p:cNvPr id="143" name="Google Shape;143;g75ea17406a_0_0:notes"/>
-          <p:cNvSpPr txBox="1"/>
-          <p:nvPr>
-            <p:ph idx="1" type="body"/>
-          </p:nvPr>
-        </p:nvSpPr>
-        <p:spPr>
-          <a:xfrm>
-            <a:off x="685800" y="4343400"/>
-            <a:ext cx="5486400" cy="4114800"/>
-          </a:xfrm>
-          <a:prstGeom prst="rect">
-            <a:avLst/>
-          </a:prstGeom>
-        </p:spPr>
-        <p:txBody>
-          <a:bodyPr anchorCtr="0" anchor="t" bIns="91425" lIns="91425" spcFirstLastPara="1" rIns="91425" wrap="square" tIns="91425">
-            <a:noAutofit/>
-          </a:bodyPr>
-          <a:lstStyle/>
-          <a:p>
-            <a:pPr indent="0" lvl="0" marL="0" rtl="0" algn="l">
-              <a:spcBef>
-                <a:spcPts val="0"/>
-              </a:spcBef>
-              <a:spcAft>
-                <a:spcPts val="0"/>
-              </a:spcAft>
-              <a:buNone/>
-            </a:pPr>
-            <a:r>
-              <a:t/>
-            </a:r>
+            <a:pPr marL="0" lvl="0" indent="0" algn="l" rtl="0">
+              <a:spcBef>
+                <a:spcPts val="0"/>
+              </a:spcBef>
+              <a:spcAft>
+                <a:spcPts val="0"/>
+              </a:spcAft>
+              <a:buNone/>
+            </a:pPr>
             <a:endParaRPr/>
           </a:p>
         </p:txBody>
@@ -2009,11 +1980,11 @@
 </file>
 
 <file path=ppt/slideLayouts/slideLayout1.xml><?xml version="1.0" encoding="utf-8"?>
-<p:sldLayout xmlns:a="http://schemas.openxmlformats.org/drawingml/2006/main" xmlns:r="http://schemas.openxmlformats.org/officeDocument/2006/relationships" xmlns:mc="http://schemas.openxmlformats.org/markup-compatibility/2006" xmlns:mv="urn:schemas-microsoft-com:mac:vml" xmlns:p="http://schemas.openxmlformats.org/presentationml/2006/main" xmlns:c="http://schemas.openxmlformats.org/drawingml/2006/chart" xmlns:dgm="http://schemas.openxmlformats.org/drawingml/2006/diagram" xmlns:o="urn:schemas-microsoft-com:office:office" xmlns:v="urn:schemas-microsoft-com:vml" xmlns:pvml="urn:schemas-microsoft-com:office:powerpoint" xmlns:com="http://schemas.openxmlformats.org/drawingml/2006/compatibility" xmlns:p14="http://schemas.microsoft.com/office/powerpoint/2010/main" xmlns:p15="http://schemas.microsoft.com/office/powerpoint/2012/main" matchingName="Title slide" type="title">
+<p:sldLayout xmlns:a="http://schemas.openxmlformats.org/drawingml/2006/main" xmlns:r="http://schemas.openxmlformats.org/officeDocument/2006/relationships" xmlns:p="http://schemas.openxmlformats.org/presentationml/2006/main" matchingName="Title slide" type="title">
   <p:cSld name="TITLE">
     <p:spTree>
       <p:nvGrpSpPr>
-        <p:cNvPr id="9" name="Shape 9"/>
+        <p:cNvPr id="1" name="Shape 9"/>
         <p:cNvGrpSpPr/>
         <p:nvPr/>
       </p:nvGrpSpPr>
@@ -2040,14 +2011,14 @@
             <a:avLst/>
           </a:prstGeom>
           <a:noFill/>
-          <a:ln cap="flat" cmpd="sng" w="76200">
+          <a:ln w="76200" cap="flat" cmpd="sng">
             <a:solidFill>
               <a:schemeClr val="lt2"/>
             </a:solidFill>
             <a:prstDash val="solid"/>
             <a:round/>
-            <a:headEnd len="sm" w="sm" type="none"/>
-            <a:tailEnd len="sm" w="sm" type="none"/>
+            <a:headEnd type="none" w="sm" len="sm"/>
+            <a:tailEnd type="none" w="sm" len="sm"/>
           </a:ln>
         </p:spPr>
       </p:cxnSp>
@@ -2066,14 +2037,14 @@
             <a:avLst/>
           </a:prstGeom>
           <a:noFill/>
-          <a:ln cap="flat" cmpd="sng" w="76200">
+          <a:ln w="76200" cap="flat" cmpd="sng">
             <a:solidFill>
               <a:schemeClr val="lt2"/>
             </a:solidFill>
             <a:prstDash val="solid"/>
             <a:round/>
-            <a:headEnd len="sm" w="sm" type="none"/>
-            <a:tailEnd len="sm" w="sm" type="none"/>
+            <a:headEnd type="none" w="sm" len="sm"/>
+            <a:tailEnd type="none" w="sm" len="sm"/>
           </a:ln>
         </p:spPr>
       </p:cxnSp>
@@ -2106,14 +2077,14 @@
               <a:avLst/>
             </a:prstGeom>
             <a:noFill/>
-            <a:ln cap="flat" cmpd="sng" w="76200">
+            <a:ln w="76200" cap="flat" cmpd="sng">
               <a:solidFill>
                 <a:schemeClr val="accent3"/>
               </a:solidFill>
               <a:prstDash val="solid"/>
               <a:round/>
-              <a:headEnd len="sm" w="sm" type="none"/>
-              <a:tailEnd len="sm" w="sm" type="none"/>
+              <a:headEnd type="none" w="sm" len="sm"/>
+              <a:tailEnd type="none" w="sm" len="sm"/>
             </a:ln>
           </p:spPr>
         </p:cxnSp>
@@ -2132,14 +2103,14 @@
               <a:avLst/>
             </a:prstGeom>
             <a:noFill/>
-            <a:ln cap="flat" cmpd="sng" w="9525">
+            <a:ln w="9525" cap="flat" cmpd="sng">
               <a:solidFill>
                 <a:schemeClr val="accent3"/>
               </a:solidFill>
               <a:prstDash val="solid"/>
               <a:round/>
-              <a:headEnd len="sm" w="sm" type="none"/>
-              <a:tailEnd len="sm" w="sm" type="none"/>
+              <a:headEnd type="none" w="sm" len="sm"/>
+              <a:tailEnd type="none" w="sm" len="sm"/>
             </a:ln>
           </p:spPr>
         </p:cxnSp>
@@ -2173,14 +2144,14 @@
               <a:avLst/>
             </a:prstGeom>
             <a:noFill/>
-            <a:ln cap="flat" cmpd="sng" w="76200">
+            <a:ln w="76200" cap="flat" cmpd="sng">
               <a:solidFill>
                 <a:schemeClr val="accent3"/>
               </a:solidFill>
               <a:prstDash val="solid"/>
               <a:round/>
-              <a:headEnd len="sm" w="sm" type="none"/>
-              <a:tailEnd len="sm" w="sm" type="none"/>
+              <a:headEnd type="none" w="sm" len="sm"/>
+              <a:tailEnd type="none" w="sm" len="sm"/>
             </a:ln>
           </p:spPr>
         </p:cxnSp>
@@ -2199,14 +2170,14 @@
               <a:avLst/>
             </a:prstGeom>
             <a:noFill/>
-            <a:ln cap="flat" cmpd="sng" w="9525">
+            <a:ln w="9525" cap="flat" cmpd="sng">
               <a:solidFill>
                 <a:schemeClr val="accent3"/>
               </a:solidFill>
               <a:prstDash val="solid"/>
               <a:round/>
-              <a:headEnd len="sm" w="sm" type="none"/>
-              <a:tailEnd len="sm" w="sm" type="none"/>
+              <a:headEnd type="none" w="sm" len="sm"/>
+              <a:tailEnd type="none" w="sm" len="sm"/>
             </a:ln>
           </p:spPr>
         </p:cxnSp>
@@ -2214,7 +2185,9 @@
       <p:sp>
         <p:nvSpPr>
           <p:cNvPr id="18" name="Google Shape;18;p2"/>
-          <p:cNvSpPr txBox="1"/>
+          <p:cNvSpPr txBox="1">
+            <a:spLocks noGrp="1"/>
+          </p:cNvSpPr>
           <p:nvPr>
             <p:ph type="ctrTitle"/>
           </p:nvPr>
@@ -2229,7 +2202,7 @@
           </a:prstGeom>
         </p:spPr>
         <p:txBody>
-          <a:bodyPr anchorCtr="0" anchor="b" bIns="91425" lIns="91425" spcFirstLastPara="1" rIns="91425" wrap="square" tIns="91425">
+          <a:bodyPr spcFirstLastPara="1" wrap="square" lIns="91425" tIns="91425" rIns="91425" bIns="91425" anchor="b" anchorCtr="0">
             <a:noAutofit/>
           </a:bodyPr>
           <a:lstStyle>
@@ -2333,15 +2306,19 @@
               <a:defRPr sz="5400"/>
             </a:lvl9pPr>
           </a:lstStyle>
-          <a:p/>
+          <a:p>
+            <a:endParaRPr/>
+          </a:p>
         </p:txBody>
       </p:sp>
       <p:sp>
         <p:nvSpPr>
           <p:cNvPr id="19" name="Google Shape;19;p2"/>
-          <p:cNvSpPr txBox="1"/>
+          <p:cNvSpPr txBox="1">
+            <a:spLocks noGrp="1"/>
+          </p:cNvSpPr>
           <p:nvPr>
-            <p:ph idx="1" type="subTitle"/>
+            <p:ph type="subTitle" idx="1"/>
           </p:nvPr>
         </p:nvSpPr>
         <p:spPr>
@@ -2354,7 +2331,7 @@
           </a:prstGeom>
         </p:spPr>
         <p:txBody>
-          <a:bodyPr anchorCtr="0" anchor="t" bIns="91425" lIns="91425" spcFirstLastPara="1" rIns="91425" wrap="square" tIns="91425">
+          <a:bodyPr spcFirstLastPara="1" wrap="square" lIns="91425" tIns="91425" rIns="91425" bIns="91425" anchor="t" anchorCtr="0">
             <a:noAutofit/>
           </a:bodyPr>
           <a:lstStyle>
@@ -2485,15 +2462,19 @@
               <a:defRPr sz="2400"/>
             </a:lvl9pPr>
           </a:lstStyle>
-          <a:p/>
+          <a:p>
+            <a:endParaRPr/>
+          </a:p>
         </p:txBody>
       </p:sp>
       <p:sp>
         <p:nvSpPr>
           <p:cNvPr id="20" name="Google Shape;20;p2"/>
-          <p:cNvSpPr txBox="1"/>
+          <p:cNvSpPr txBox="1">
+            <a:spLocks noGrp="1"/>
+          </p:cNvSpPr>
           <p:nvPr>
-            <p:ph idx="12" type="sldNum"/>
+            <p:ph type="sldNum" idx="12"/>
           </p:nvPr>
         </p:nvSpPr>
         <p:spPr>
@@ -2506,7 +2487,7 @@
           </a:prstGeom>
         </p:spPr>
         <p:txBody>
-          <a:bodyPr anchorCtr="0" anchor="ctr" bIns="91425" lIns="91425" spcFirstLastPara="1" rIns="91425" wrap="square" tIns="91425">
+          <a:bodyPr spcFirstLastPara="1" wrap="square" lIns="91425" tIns="91425" rIns="91425" bIns="91425" anchor="ctr" anchorCtr="0">
             <a:noAutofit/>
           </a:bodyPr>
           <a:lstStyle>
@@ -2548,7 +2529,7 @@
             </a:lvl9pPr>
           </a:lstStyle>
           <a:p>
-            <a:pPr indent="0" lvl="0" marL="0" rtl="0" algn="r">
+            <a:pPr marL="0" lvl="0" indent="0" algn="r" rtl="0">
               <a:spcBef>
                 <a:spcPts val="0"/>
               </a:spcBef>
@@ -2559,6 +2540,15 @@
             </a:pPr>
             <a:fld id="{00000000-1234-1234-1234-123412341234}" type="slidenum">
               <a:rPr lang="en"/>
+              <a:pPr marL="0" lvl="0" indent="0" algn="r" rtl="0">
+                <a:spcBef>
+                  <a:spcPts val="0"/>
+                </a:spcBef>
+                <a:spcAft>
+                  <a:spcPts val="0"/>
+                </a:spcAft>
+                <a:buNone/>
+              </a:pPr>
               <a:t>‹#›</a:t>
             </a:fld>
             <a:endParaRPr/>
@@ -2574,11 +2564,11 @@
 </file>
 
 <file path=ppt/slideLayouts/slideLayout10.xml><?xml version="1.0" encoding="utf-8"?>
-<p:sldLayout xmlns:a="http://schemas.openxmlformats.org/drawingml/2006/main" xmlns:r="http://schemas.openxmlformats.org/officeDocument/2006/relationships" xmlns:mc="http://schemas.openxmlformats.org/markup-compatibility/2006" xmlns:mv="urn:schemas-microsoft-com:mac:vml" xmlns:p="http://schemas.openxmlformats.org/presentationml/2006/main" xmlns:c="http://schemas.openxmlformats.org/drawingml/2006/chart" xmlns:dgm="http://schemas.openxmlformats.org/drawingml/2006/diagram" xmlns:o="urn:schemas-microsoft-com:office:office" xmlns:v="urn:schemas-microsoft-com:vml" xmlns:pvml="urn:schemas-microsoft-com:office:powerpoint" xmlns:com="http://schemas.openxmlformats.org/drawingml/2006/compatibility" xmlns:p14="http://schemas.microsoft.com/office/powerpoint/2010/main" xmlns:p15="http://schemas.microsoft.com/office/powerpoint/2012/main" matchingName="Big number">
+<p:sldLayout xmlns:a="http://schemas.openxmlformats.org/drawingml/2006/main" xmlns:r="http://schemas.openxmlformats.org/officeDocument/2006/relationships" xmlns:p="http://schemas.openxmlformats.org/presentationml/2006/main" matchingName="Big number">
   <p:cSld name="BIG_NUMBER">
     <p:spTree>
       <p:nvGrpSpPr>
-        <p:cNvPr id="55" name="Shape 55"/>
+        <p:cNvPr id="1" name="Shape 55"/>
         <p:cNvGrpSpPr/>
         <p:nvPr/>
       </p:nvGrpSpPr>
@@ -2612,23 +2602,20 @@
           </a:ln>
         </p:spPr>
         <p:txBody>
-          <a:bodyPr anchorCtr="0" anchor="ctr" bIns="91425" lIns="91425" spcFirstLastPara="1" rIns="91425" wrap="square" tIns="91425">
+          <a:bodyPr spcFirstLastPara="1" wrap="square" lIns="91425" tIns="91425" rIns="91425" bIns="91425" anchor="ctr" anchorCtr="0">
             <a:noAutofit/>
           </a:bodyPr>
           <a:lstStyle/>
           <a:p>
-            <a:pPr indent="0" lvl="0" marL="0" rtl="0" algn="l">
-              <a:spcBef>
-                <a:spcPts val="0"/>
-              </a:spcBef>
-              <a:spcAft>
-                <a:spcPts val="0"/>
-              </a:spcAft>
-              <a:buNone/>
-            </a:pPr>
-            <a:r>
-              <a:t/>
-            </a:r>
+            <a:pPr marL="0" lvl="0" indent="0" algn="l" rtl="0">
+              <a:spcBef>
+                <a:spcPts val="0"/>
+              </a:spcBef>
+              <a:spcAft>
+                <a:spcPts val="0"/>
+              </a:spcAft>
+              <a:buNone/>
+            </a:pPr>
             <a:endParaRPr/>
           </a:p>
         </p:txBody>
@@ -2636,9 +2623,11 @@
       <p:sp>
         <p:nvSpPr>
           <p:cNvPr id="57" name="Google Shape;57;p11"/>
-          <p:cNvSpPr txBox="1"/>
+          <p:cNvSpPr txBox="1">
+            <a:spLocks noGrp="1"/>
+          </p:cNvSpPr>
           <p:nvPr>
-            <p:ph hasCustomPrompt="1" type="title"/>
+            <p:ph type="title" hasCustomPrompt="1"/>
           </p:nvPr>
         </p:nvSpPr>
         <p:spPr>
@@ -2651,7 +2640,7 @@
           </a:prstGeom>
         </p:spPr>
         <p:txBody>
-          <a:bodyPr anchorCtr="0" anchor="ctr" bIns="91425" lIns="91425" spcFirstLastPara="1" rIns="91425" wrap="square" tIns="91425">
+          <a:bodyPr spcFirstLastPara="1" wrap="square" lIns="91425" tIns="91425" rIns="91425" bIns="91425" anchor="ctr" anchorCtr="0">
             <a:noAutofit/>
           </a:bodyPr>
           <a:lstStyle>
@@ -2828,9 +2817,11 @@
       <p:sp>
         <p:nvSpPr>
           <p:cNvPr id="58" name="Google Shape;58;p11"/>
-          <p:cNvSpPr txBox="1"/>
+          <p:cNvSpPr txBox="1">
+            <a:spLocks noGrp="1"/>
+          </p:cNvSpPr>
           <p:nvPr>
-            <p:ph idx="1" type="body"/>
+            <p:ph type="body" idx="1"/>
           </p:nvPr>
         </p:nvSpPr>
         <p:spPr>
@@ -2843,11 +2834,11 @@
           </a:prstGeom>
         </p:spPr>
         <p:txBody>
-          <a:bodyPr anchorCtr="0" anchor="t" bIns="91425" lIns="91425" spcFirstLastPara="1" rIns="91425" wrap="square" tIns="91425">
+          <a:bodyPr spcFirstLastPara="1" wrap="square" lIns="91425" tIns="91425" rIns="91425" bIns="91425" anchor="t" anchorCtr="0">
             <a:noAutofit/>
           </a:bodyPr>
           <a:lstStyle>
-            <a:lvl1pPr indent="-342900" lvl="0" marL="457200" algn="ctr">
+            <a:lvl1pPr marL="457200" lvl="0" indent="-342900" algn="ctr">
               <a:spcBef>
                 <a:spcPts val="0"/>
               </a:spcBef>
@@ -2858,7 +2849,7 @@
               <a:buChar char="●"/>
               <a:defRPr/>
             </a:lvl1pPr>
-            <a:lvl2pPr indent="-317500" lvl="1" marL="914400" algn="ctr">
+            <a:lvl2pPr marL="914400" lvl="1" indent="-317500" algn="ctr">
               <a:spcBef>
                 <a:spcPts val="1600"/>
               </a:spcBef>
@@ -2869,7 +2860,7 @@
               <a:buChar char="○"/>
               <a:defRPr/>
             </a:lvl2pPr>
-            <a:lvl3pPr indent="-317500" lvl="2" marL="1371600" algn="ctr">
+            <a:lvl3pPr marL="1371600" lvl="2" indent="-317500" algn="ctr">
               <a:spcBef>
                 <a:spcPts val="1600"/>
               </a:spcBef>
@@ -2880,7 +2871,7 @@
               <a:buChar char="■"/>
               <a:defRPr/>
             </a:lvl3pPr>
-            <a:lvl4pPr indent="-317500" lvl="3" marL="1828800" algn="ctr">
+            <a:lvl4pPr marL="1828800" lvl="3" indent="-317500" algn="ctr">
               <a:spcBef>
                 <a:spcPts val="1600"/>
               </a:spcBef>
@@ -2891,7 +2882,7 @@
               <a:buChar char="●"/>
               <a:defRPr/>
             </a:lvl4pPr>
-            <a:lvl5pPr indent="-317500" lvl="4" marL="2286000" algn="ctr">
+            <a:lvl5pPr marL="2286000" lvl="4" indent="-317500" algn="ctr">
               <a:spcBef>
                 <a:spcPts val="1600"/>
               </a:spcBef>
@@ -2902,7 +2893,7 @@
               <a:buChar char="○"/>
               <a:defRPr/>
             </a:lvl5pPr>
-            <a:lvl6pPr indent="-317500" lvl="5" marL="2743200" algn="ctr">
+            <a:lvl6pPr marL="2743200" lvl="5" indent="-317500" algn="ctr">
               <a:spcBef>
                 <a:spcPts val="1600"/>
               </a:spcBef>
@@ -2913,7 +2904,7 @@
               <a:buChar char="■"/>
               <a:defRPr/>
             </a:lvl6pPr>
-            <a:lvl7pPr indent="-317500" lvl="6" marL="3200400" algn="ctr">
+            <a:lvl7pPr marL="3200400" lvl="6" indent="-317500" algn="ctr">
               <a:spcBef>
                 <a:spcPts val="1600"/>
               </a:spcBef>
@@ -2924,7 +2915,7 @@
               <a:buChar char="●"/>
               <a:defRPr/>
             </a:lvl7pPr>
-            <a:lvl8pPr indent="-317500" lvl="7" marL="3657600" algn="ctr">
+            <a:lvl8pPr marL="3657600" lvl="7" indent="-317500" algn="ctr">
               <a:spcBef>
                 <a:spcPts val="1600"/>
               </a:spcBef>
@@ -2935,7 +2926,7 @@
               <a:buChar char="○"/>
               <a:defRPr/>
             </a:lvl8pPr>
-            <a:lvl9pPr indent="-317500" lvl="8" marL="4114800" algn="ctr">
+            <a:lvl9pPr marL="4114800" lvl="8" indent="-317500" algn="ctr">
               <a:spcBef>
                 <a:spcPts val="1600"/>
               </a:spcBef>
@@ -2947,15 +2938,19 @@
               <a:defRPr/>
             </a:lvl9pPr>
           </a:lstStyle>
-          <a:p/>
+          <a:p>
+            <a:endParaRPr/>
+          </a:p>
         </p:txBody>
       </p:sp>
       <p:sp>
         <p:nvSpPr>
           <p:cNvPr id="59" name="Google Shape;59;p11"/>
-          <p:cNvSpPr txBox="1"/>
+          <p:cNvSpPr txBox="1">
+            <a:spLocks noGrp="1"/>
+          </p:cNvSpPr>
           <p:nvPr>
-            <p:ph idx="12" type="sldNum"/>
+            <p:ph type="sldNum" idx="12"/>
           </p:nvPr>
         </p:nvSpPr>
         <p:spPr>
@@ -2968,7 +2963,7 @@
           </a:prstGeom>
         </p:spPr>
         <p:txBody>
-          <a:bodyPr anchorCtr="0" anchor="ctr" bIns="91425" lIns="91425" spcFirstLastPara="1" rIns="91425" wrap="square" tIns="91425">
+          <a:bodyPr spcFirstLastPara="1" wrap="square" lIns="91425" tIns="91425" rIns="91425" bIns="91425" anchor="ctr" anchorCtr="0">
             <a:noAutofit/>
           </a:bodyPr>
           <a:lstStyle>
@@ -3010,7 +3005,7 @@
             </a:lvl9pPr>
           </a:lstStyle>
           <a:p>
-            <a:pPr indent="0" lvl="0" marL="0" rtl="0" algn="r">
+            <a:pPr marL="0" lvl="0" indent="0" algn="r" rtl="0">
               <a:spcBef>
                 <a:spcPts val="0"/>
               </a:spcBef>
@@ -3021,6 +3016,15 @@
             </a:pPr>
             <a:fld id="{00000000-1234-1234-1234-123412341234}" type="slidenum">
               <a:rPr lang="en"/>
+              <a:pPr marL="0" lvl="0" indent="0" algn="r" rtl="0">
+                <a:spcBef>
+                  <a:spcPts val="0"/>
+                </a:spcBef>
+                <a:spcAft>
+                  <a:spcPts val="0"/>
+                </a:spcAft>
+                <a:buNone/>
+              </a:pPr>
               <a:t>‹#›</a:t>
             </a:fld>
             <a:endParaRPr/>
@@ -3036,11 +3040,11 @@
 </file>
 
 <file path=ppt/slideLayouts/slideLayout11.xml><?xml version="1.0" encoding="utf-8"?>
-<p:sldLayout xmlns:a="http://schemas.openxmlformats.org/drawingml/2006/main" xmlns:r="http://schemas.openxmlformats.org/officeDocument/2006/relationships" xmlns:mc="http://schemas.openxmlformats.org/markup-compatibility/2006" xmlns:mv="urn:schemas-microsoft-com:mac:vml" xmlns:p="http://schemas.openxmlformats.org/presentationml/2006/main" xmlns:c="http://schemas.openxmlformats.org/drawingml/2006/chart" xmlns:dgm="http://schemas.openxmlformats.org/drawingml/2006/diagram" xmlns:o="urn:schemas-microsoft-com:office:office" xmlns:v="urn:schemas-microsoft-com:vml" xmlns:pvml="urn:schemas-microsoft-com:office:powerpoint" xmlns:com="http://schemas.openxmlformats.org/drawingml/2006/compatibility" xmlns:p14="http://schemas.microsoft.com/office/powerpoint/2010/main" xmlns:p15="http://schemas.microsoft.com/office/powerpoint/2012/main" matchingName="Blank" type="blank">
+<p:sldLayout xmlns:a="http://schemas.openxmlformats.org/drawingml/2006/main" xmlns:r="http://schemas.openxmlformats.org/officeDocument/2006/relationships" xmlns:p="http://schemas.openxmlformats.org/presentationml/2006/main" matchingName="Blank" type="blank">
   <p:cSld name="BLANK">
     <p:spTree>
       <p:nvGrpSpPr>
-        <p:cNvPr id="60" name="Shape 60"/>
+        <p:cNvPr id="1" name="Shape 60"/>
         <p:cNvGrpSpPr/>
         <p:nvPr/>
       </p:nvGrpSpPr>
@@ -3055,9 +3059,11 @@
       <p:sp>
         <p:nvSpPr>
           <p:cNvPr id="61" name="Google Shape;61;p12"/>
-          <p:cNvSpPr txBox="1"/>
+          <p:cNvSpPr txBox="1">
+            <a:spLocks noGrp="1"/>
+          </p:cNvSpPr>
           <p:nvPr>
-            <p:ph idx="12" type="sldNum"/>
+            <p:ph type="sldNum" idx="12"/>
           </p:nvPr>
         </p:nvSpPr>
         <p:spPr>
@@ -3070,7 +3076,7 @@
           </a:prstGeom>
         </p:spPr>
         <p:txBody>
-          <a:bodyPr anchorCtr="0" anchor="ctr" bIns="91425" lIns="91425" spcFirstLastPara="1" rIns="91425" wrap="square" tIns="91425">
+          <a:bodyPr spcFirstLastPara="1" wrap="square" lIns="91425" tIns="91425" rIns="91425" bIns="91425" anchor="ctr" anchorCtr="0">
             <a:noAutofit/>
           </a:bodyPr>
           <a:lstStyle>
@@ -3112,7 +3118,7 @@
             </a:lvl9pPr>
           </a:lstStyle>
           <a:p>
-            <a:pPr indent="0" lvl="0" marL="0" rtl="0" algn="r">
+            <a:pPr marL="0" lvl="0" indent="0" algn="r" rtl="0">
               <a:spcBef>
                 <a:spcPts val="0"/>
               </a:spcBef>
@@ -3123,6 +3129,15 @@
             </a:pPr>
             <a:fld id="{00000000-1234-1234-1234-123412341234}" type="slidenum">
               <a:rPr lang="en"/>
+              <a:pPr marL="0" lvl="0" indent="0" algn="r" rtl="0">
+                <a:spcBef>
+                  <a:spcPts val="0"/>
+                </a:spcBef>
+                <a:spcAft>
+                  <a:spcPts val="0"/>
+                </a:spcAft>
+                <a:buNone/>
+              </a:pPr>
               <a:t>‹#›</a:t>
             </a:fld>
             <a:endParaRPr/>
@@ -3138,11 +3153,11 @@
 </file>
 
 <file path=ppt/slideLayouts/slideLayout2.xml><?xml version="1.0" encoding="utf-8"?>
-<p:sldLayout xmlns:a="http://schemas.openxmlformats.org/drawingml/2006/main" xmlns:r="http://schemas.openxmlformats.org/officeDocument/2006/relationships" xmlns:mc="http://schemas.openxmlformats.org/markup-compatibility/2006" xmlns:mv="urn:schemas-microsoft-com:mac:vml" xmlns:p="http://schemas.openxmlformats.org/presentationml/2006/main" xmlns:c="http://schemas.openxmlformats.org/drawingml/2006/chart" xmlns:dgm="http://schemas.openxmlformats.org/drawingml/2006/diagram" xmlns:o="urn:schemas-microsoft-com:office:office" xmlns:v="urn:schemas-microsoft-com:vml" xmlns:pvml="urn:schemas-microsoft-com:office:powerpoint" xmlns:com="http://schemas.openxmlformats.org/drawingml/2006/compatibility" xmlns:p14="http://schemas.microsoft.com/office/powerpoint/2010/main" xmlns:p15="http://schemas.microsoft.com/office/powerpoint/2012/main" matchingName="Section header" type="secHead">
+<p:sldLayout xmlns:a="http://schemas.openxmlformats.org/drawingml/2006/main" xmlns:r="http://schemas.openxmlformats.org/officeDocument/2006/relationships" xmlns:p="http://schemas.openxmlformats.org/presentationml/2006/main" matchingName="Section header" type="secHead">
   <p:cSld name="SECTION_HEADER">
     <p:spTree>
       <p:nvGrpSpPr>
-        <p:cNvPr id="21" name="Shape 21"/>
+        <p:cNvPr id="1" name="Shape 21"/>
         <p:cNvGrpSpPr/>
         <p:nvPr/>
       </p:nvGrpSpPr>
@@ -3176,23 +3191,20 @@
           </a:ln>
         </p:spPr>
         <p:txBody>
-          <a:bodyPr anchorCtr="0" anchor="ctr" bIns="91425" lIns="91425" spcFirstLastPara="1" rIns="91425" wrap="square" tIns="91425">
+          <a:bodyPr spcFirstLastPara="1" wrap="square" lIns="91425" tIns="91425" rIns="91425" bIns="91425" anchor="ctr" anchorCtr="0">
             <a:noAutofit/>
           </a:bodyPr>
           <a:lstStyle/>
           <a:p>
-            <a:pPr indent="0" lvl="0" marL="0" rtl="0" algn="l">
-              <a:spcBef>
-                <a:spcPts val="0"/>
-              </a:spcBef>
-              <a:spcAft>
-                <a:spcPts val="0"/>
-              </a:spcAft>
-              <a:buNone/>
-            </a:pPr>
-            <a:r>
-              <a:t/>
-            </a:r>
+            <a:pPr marL="0" lvl="0" indent="0" algn="l" rtl="0">
+              <a:spcBef>
+                <a:spcPts val="0"/>
+              </a:spcBef>
+              <a:spcAft>
+                <a:spcPts val="0"/>
+              </a:spcAft>
+              <a:buNone/>
+            </a:pPr>
             <a:endParaRPr/>
           </a:p>
         </p:txBody>
@@ -3200,7 +3212,9 @@
       <p:sp>
         <p:nvSpPr>
           <p:cNvPr id="23" name="Google Shape;23;p3"/>
-          <p:cNvSpPr txBox="1"/>
+          <p:cNvSpPr txBox="1">
+            <a:spLocks noGrp="1"/>
+          </p:cNvSpPr>
           <p:nvPr>
             <p:ph type="title"/>
           </p:nvPr>
@@ -3215,7 +3229,7 @@
           </a:prstGeom>
         </p:spPr>
         <p:txBody>
-          <a:bodyPr anchorCtr="0" anchor="ctr" bIns="91425" lIns="91425" spcFirstLastPara="1" rIns="91425" wrap="square" tIns="91425">
+          <a:bodyPr spcFirstLastPara="1" wrap="square" lIns="91425" tIns="91425" rIns="91425" bIns="91425" anchor="ctr" anchorCtr="0">
             <a:noAutofit/>
           </a:bodyPr>
           <a:lstStyle>
@@ -3319,15 +3333,19 @@
               <a:defRPr/>
             </a:lvl9pPr>
           </a:lstStyle>
-          <a:p/>
+          <a:p>
+            <a:endParaRPr/>
+          </a:p>
         </p:txBody>
       </p:sp>
       <p:sp>
         <p:nvSpPr>
           <p:cNvPr id="24" name="Google Shape;24;p3"/>
-          <p:cNvSpPr txBox="1"/>
+          <p:cNvSpPr txBox="1">
+            <a:spLocks noGrp="1"/>
+          </p:cNvSpPr>
           <p:nvPr>
-            <p:ph idx="12" type="sldNum"/>
+            <p:ph type="sldNum" idx="12"/>
           </p:nvPr>
         </p:nvSpPr>
         <p:spPr>
@@ -3340,7 +3358,7 @@
           </a:prstGeom>
         </p:spPr>
         <p:txBody>
-          <a:bodyPr anchorCtr="0" anchor="ctr" bIns="91425" lIns="91425" spcFirstLastPara="1" rIns="91425" wrap="square" tIns="91425">
+          <a:bodyPr spcFirstLastPara="1" wrap="square" lIns="91425" tIns="91425" rIns="91425" bIns="91425" anchor="ctr" anchorCtr="0">
             <a:noAutofit/>
           </a:bodyPr>
           <a:lstStyle>
@@ -3418,7 +3436,7 @@
             </a:lvl9pPr>
           </a:lstStyle>
           <a:p>
-            <a:pPr indent="0" lvl="0" marL="0" rtl="0" algn="r">
+            <a:pPr marL="0" lvl="0" indent="0" algn="r" rtl="0">
               <a:spcBef>
                 <a:spcPts val="0"/>
               </a:spcBef>
@@ -3429,6 +3447,15 @@
             </a:pPr>
             <a:fld id="{00000000-1234-1234-1234-123412341234}" type="slidenum">
               <a:rPr lang="en"/>
+              <a:pPr marL="0" lvl="0" indent="0" algn="r" rtl="0">
+                <a:spcBef>
+                  <a:spcPts val="0"/>
+                </a:spcBef>
+                <a:spcAft>
+                  <a:spcPts val="0"/>
+                </a:spcAft>
+                <a:buNone/>
+              </a:pPr>
               <a:t>‹#›</a:t>
             </a:fld>
             <a:endParaRPr/>
@@ -3444,11 +3471,11 @@
 </file>
 
 <file path=ppt/slideLayouts/slideLayout3.xml><?xml version="1.0" encoding="utf-8"?>
-<p:sldLayout xmlns:a="http://schemas.openxmlformats.org/drawingml/2006/main" xmlns:r="http://schemas.openxmlformats.org/officeDocument/2006/relationships" xmlns:mc="http://schemas.openxmlformats.org/markup-compatibility/2006" xmlns:mv="urn:schemas-microsoft-com:mac:vml" xmlns:p="http://schemas.openxmlformats.org/presentationml/2006/main" xmlns:c="http://schemas.openxmlformats.org/drawingml/2006/chart" xmlns:dgm="http://schemas.openxmlformats.org/drawingml/2006/diagram" xmlns:o="urn:schemas-microsoft-com:office:office" xmlns:v="urn:schemas-microsoft-com:vml" xmlns:pvml="urn:schemas-microsoft-com:office:powerpoint" xmlns:com="http://schemas.openxmlformats.org/drawingml/2006/compatibility" xmlns:p14="http://schemas.microsoft.com/office/powerpoint/2010/main" xmlns:p15="http://schemas.microsoft.com/office/powerpoint/2012/main" matchingName="Title and body" type="tx">
+<p:sldLayout xmlns:a="http://schemas.openxmlformats.org/drawingml/2006/main" xmlns:r="http://schemas.openxmlformats.org/officeDocument/2006/relationships" xmlns:p="http://schemas.openxmlformats.org/presentationml/2006/main" matchingName="Title and body" type="tx">
   <p:cSld name="TITLE_AND_BODY">
     <p:spTree>
       <p:nvGrpSpPr>
-        <p:cNvPr id="25" name="Shape 25"/>
+        <p:cNvPr id="1" name="Shape 25"/>
         <p:cNvGrpSpPr/>
         <p:nvPr/>
       </p:nvGrpSpPr>
@@ -3482,23 +3509,20 @@
           </a:ln>
         </p:spPr>
         <p:txBody>
-          <a:bodyPr anchorCtr="0" anchor="ctr" bIns="91425" lIns="91425" spcFirstLastPara="1" rIns="91425" wrap="square" tIns="91425">
+          <a:bodyPr spcFirstLastPara="1" wrap="square" lIns="91425" tIns="91425" rIns="91425" bIns="91425" anchor="ctr" anchorCtr="0">
             <a:noAutofit/>
           </a:bodyPr>
           <a:lstStyle/>
           <a:p>
-            <a:pPr indent="0" lvl="0" marL="0" rtl="0" algn="l">
-              <a:spcBef>
-                <a:spcPts val="0"/>
-              </a:spcBef>
-              <a:spcAft>
-                <a:spcPts val="0"/>
-              </a:spcAft>
-              <a:buNone/>
-            </a:pPr>
-            <a:r>
-              <a:t/>
-            </a:r>
+            <a:pPr marL="0" lvl="0" indent="0" algn="l" rtl="0">
+              <a:spcBef>
+                <a:spcPts val="0"/>
+              </a:spcBef>
+              <a:spcAft>
+                <a:spcPts val="0"/>
+              </a:spcAft>
+              <a:buNone/>
+            </a:pPr>
             <a:endParaRPr/>
           </a:p>
         </p:txBody>
@@ -3506,7 +3530,9 @@
       <p:sp>
         <p:nvSpPr>
           <p:cNvPr id="27" name="Google Shape;27;p4"/>
-          <p:cNvSpPr txBox="1"/>
+          <p:cNvSpPr txBox="1">
+            <a:spLocks noGrp="1"/>
+          </p:cNvSpPr>
           <p:nvPr>
             <p:ph type="title"/>
           </p:nvPr>
@@ -3521,7 +3547,7 @@
           </a:prstGeom>
         </p:spPr>
         <p:txBody>
-          <a:bodyPr anchorCtr="0" anchor="t" bIns="91425" lIns="91425" spcFirstLastPara="1" rIns="91425" wrap="square" tIns="91425">
+          <a:bodyPr spcFirstLastPara="1" wrap="square" lIns="91425" tIns="91425" rIns="91425" bIns="91425" anchor="t" anchorCtr="0">
             <a:noAutofit/>
           </a:bodyPr>
           <a:lstStyle>
@@ -3625,15 +3651,19 @@
               <a:defRPr/>
             </a:lvl9pPr>
           </a:lstStyle>
-          <a:p/>
+          <a:p>
+            <a:endParaRPr/>
+          </a:p>
         </p:txBody>
       </p:sp>
       <p:sp>
         <p:nvSpPr>
           <p:cNvPr id="28" name="Google Shape;28;p4"/>
-          <p:cNvSpPr txBox="1"/>
+          <p:cNvSpPr txBox="1">
+            <a:spLocks noGrp="1"/>
+          </p:cNvSpPr>
           <p:nvPr>
-            <p:ph idx="1" type="body"/>
+            <p:ph type="body" idx="1"/>
           </p:nvPr>
         </p:nvSpPr>
         <p:spPr>
@@ -3646,11 +3676,11 @@
           </a:prstGeom>
         </p:spPr>
         <p:txBody>
-          <a:bodyPr anchorCtr="0" anchor="t" bIns="91425" lIns="91425" spcFirstLastPara="1" rIns="91425" wrap="square" tIns="91425">
+          <a:bodyPr spcFirstLastPara="1" wrap="square" lIns="91425" tIns="91425" rIns="91425" bIns="91425" anchor="t" anchorCtr="0">
             <a:noAutofit/>
           </a:bodyPr>
           <a:lstStyle>
-            <a:lvl1pPr indent="-342900" lvl="0" marL="457200">
+            <a:lvl1pPr marL="457200" lvl="0" indent="-342900">
               <a:spcBef>
                 <a:spcPts val="0"/>
               </a:spcBef>
@@ -3661,7 +3691,7 @@
               <a:buChar char="●"/>
               <a:defRPr/>
             </a:lvl1pPr>
-            <a:lvl2pPr indent="-317500" lvl="1" marL="914400">
+            <a:lvl2pPr marL="914400" lvl="1" indent="-317500">
               <a:spcBef>
                 <a:spcPts val="1600"/>
               </a:spcBef>
@@ -3672,7 +3702,7 @@
               <a:buChar char="○"/>
               <a:defRPr/>
             </a:lvl2pPr>
-            <a:lvl3pPr indent="-317500" lvl="2" marL="1371600">
+            <a:lvl3pPr marL="1371600" lvl="2" indent="-317500">
               <a:spcBef>
                 <a:spcPts val="1600"/>
               </a:spcBef>
@@ -3683,7 +3713,7 @@
               <a:buChar char="■"/>
               <a:defRPr/>
             </a:lvl3pPr>
-            <a:lvl4pPr indent="-317500" lvl="3" marL="1828800">
+            <a:lvl4pPr marL="1828800" lvl="3" indent="-317500">
               <a:spcBef>
                 <a:spcPts val="1600"/>
               </a:spcBef>
@@ -3694,7 +3724,7 @@
               <a:buChar char="●"/>
               <a:defRPr/>
             </a:lvl4pPr>
-            <a:lvl5pPr indent="-317500" lvl="4" marL="2286000">
+            <a:lvl5pPr marL="2286000" lvl="4" indent="-317500">
               <a:spcBef>
                 <a:spcPts val="1600"/>
               </a:spcBef>
@@ -3705,7 +3735,7 @@
               <a:buChar char="○"/>
               <a:defRPr/>
             </a:lvl5pPr>
-            <a:lvl6pPr indent="-317500" lvl="5" marL="2743200">
+            <a:lvl6pPr marL="2743200" lvl="5" indent="-317500">
               <a:spcBef>
                 <a:spcPts val="1600"/>
               </a:spcBef>
@@ -3716,7 +3746,7 @@
               <a:buChar char="■"/>
               <a:defRPr/>
             </a:lvl6pPr>
-            <a:lvl7pPr indent="-317500" lvl="6" marL="3200400">
+            <a:lvl7pPr marL="3200400" lvl="6" indent="-317500">
               <a:spcBef>
                 <a:spcPts val="1600"/>
               </a:spcBef>
@@ -3727,7 +3757,7 @@
               <a:buChar char="●"/>
               <a:defRPr/>
             </a:lvl7pPr>
-            <a:lvl8pPr indent="-317500" lvl="7" marL="3657600">
+            <a:lvl8pPr marL="3657600" lvl="7" indent="-317500">
               <a:spcBef>
                 <a:spcPts val="1600"/>
               </a:spcBef>
@@ -3738,7 +3768,7 @@
               <a:buChar char="○"/>
               <a:defRPr/>
             </a:lvl8pPr>
-            <a:lvl9pPr indent="-317500" lvl="8" marL="4114800">
+            <a:lvl9pPr marL="4114800" lvl="8" indent="-317500">
               <a:spcBef>
                 <a:spcPts val="1600"/>
               </a:spcBef>
@@ -3750,15 +3780,19 @@
               <a:defRPr/>
             </a:lvl9pPr>
           </a:lstStyle>
-          <a:p/>
+          <a:p>
+            <a:endParaRPr/>
+          </a:p>
         </p:txBody>
       </p:sp>
       <p:sp>
         <p:nvSpPr>
           <p:cNvPr id="29" name="Google Shape;29;p4"/>
-          <p:cNvSpPr txBox="1"/>
+          <p:cNvSpPr txBox="1">
+            <a:spLocks noGrp="1"/>
+          </p:cNvSpPr>
           <p:nvPr>
-            <p:ph idx="12" type="sldNum"/>
+            <p:ph type="sldNum" idx="12"/>
           </p:nvPr>
         </p:nvSpPr>
         <p:spPr>
@@ -3771,7 +3805,7 @@
           </a:prstGeom>
         </p:spPr>
         <p:txBody>
-          <a:bodyPr anchorCtr="0" anchor="ctr" bIns="91425" lIns="91425" spcFirstLastPara="1" rIns="91425" wrap="square" tIns="91425">
+          <a:bodyPr spcFirstLastPara="1" wrap="square" lIns="91425" tIns="91425" rIns="91425" bIns="91425" anchor="ctr" anchorCtr="0">
             <a:noAutofit/>
           </a:bodyPr>
           <a:lstStyle>
@@ -3813,7 +3847,7 @@
             </a:lvl9pPr>
           </a:lstStyle>
           <a:p>
-            <a:pPr indent="0" lvl="0" marL="0" rtl="0" algn="r">
+            <a:pPr marL="0" lvl="0" indent="0" algn="r" rtl="0">
               <a:spcBef>
                 <a:spcPts val="0"/>
               </a:spcBef>
@@ -3824,6 +3858,15 @@
             </a:pPr>
             <a:fld id="{00000000-1234-1234-1234-123412341234}" type="slidenum">
               <a:rPr lang="en"/>
+              <a:pPr marL="0" lvl="0" indent="0" algn="r" rtl="0">
+                <a:spcBef>
+                  <a:spcPts val="0"/>
+                </a:spcBef>
+                <a:spcAft>
+                  <a:spcPts val="0"/>
+                </a:spcAft>
+                <a:buNone/>
+              </a:pPr>
               <a:t>‹#›</a:t>
             </a:fld>
             <a:endParaRPr/>
@@ -3839,11 +3882,11 @@
 </file>
 
 <file path=ppt/slideLayouts/slideLayout4.xml><?xml version="1.0" encoding="utf-8"?>
-<p:sldLayout xmlns:a="http://schemas.openxmlformats.org/drawingml/2006/main" xmlns:r="http://schemas.openxmlformats.org/officeDocument/2006/relationships" xmlns:mc="http://schemas.openxmlformats.org/markup-compatibility/2006" xmlns:mv="urn:schemas-microsoft-com:mac:vml" xmlns:p="http://schemas.openxmlformats.org/presentationml/2006/main" xmlns:c="http://schemas.openxmlformats.org/drawingml/2006/chart" xmlns:dgm="http://schemas.openxmlformats.org/drawingml/2006/diagram" xmlns:o="urn:schemas-microsoft-com:office:office" xmlns:v="urn:schemas-microsoft-com:vml" xmlns:pvml="urn:schemas-microsoft-com:office:powerpoint" xmlns:com="http://schemas.openxmlformats.org/drawingml/2006/compatibility" xmlns:p14="http://schemas.microsoft.com/office/powerpoint/2010/main" xmlns:p15="http://schemas.microsoft.com/office/powerpoint/2012/main" matchingName="Title and two columns" type="twoColTx">
+<p:sldLayout xmlns:a="http://schemas.openxmlformats.org/drawingml/2006/main" xmlns:r="http://schemas.openxmlformats.org/officeDocument/2006/relationships" xmlns:p="http://schemas.openxmlformats.org/presentationml/2006/main" matchingName="Title and two columns" type="twoColTx">
   <p:cSld name="TITLE_AND_TWO_COLUMNS">
     <p:spTree>
       <p:nvGrpSpPr>
-        <p:cNvPr id="30" name="Shape 30"/>
+        <p:cNvPr id="1" name="Shape 30"/>
         <p:cNvGrpSpPr/>
         <p:nvPr/>
       </p:nvGrpSpPr>
@@ -3858,7 +3901,9 @@
       <p:sp>
         <p:nvSpPr>
           <p:cNvPr id="31" name="Google Shape;31;p5"/>
-          <p:cNvSpPr txBox="1"/>
+          <p:cNvSpPr txBox="1">
+            <a:spLocks noGrp="1"/>
+          </p:cNvSpPr>
           <p:nvPr>
             <p:ph type="title"/>
           </p:nvPr>
@@ -3873,7 +3918,7 @@
           </a:prstGeom>
         </p:spPr>
         <p:txBody>
-          <a:bodyPr anchorCtr="0" anchor="t" bIns="91425" lIns="91425" spcFirstLastPara="1" rIns="91425" wrap="square" tIns="91425">
+          <a:bodyPr spcFirstLastPara="1" wrap="square" lIns="91425" tIns="91425" rIns="91425" bIns="91425" anchor="t" anchorCtr="0">
             <a:noAutofit/>
           </a:bodyPr>
           <a:lstStyle>
@@ -3977,15 +4022,19 @@
               <a:defRPr/>
             </a:lvl9pPr>
           </a:lstStyle>
-          <a:p/>
+          <a:p>
+            <a:endParaRPr/>
+          </a:p>
         </p:txBody>
       </p:sp>
       <p:sp>
         <p:nvSpPr>
           <p:cNvPr id="32" name="Google Shape;32;p5"/>
-          <p:cNvSpPr txBox="1"/>
+          <p:cNvSpPr txBox="1">
+            <a:spLocks noGrp="1"/>
+          </p:cNvSpPr>
           <p:nvPr>
-            <p:ph idx="1" type="body"/>
+            <p:ph type="body" idx="1"/>
           </p:nvPr>
         </p:nvSpPr>
         <p:spPr>
@@ -3998,11 +4047,11 @@
           </a:prstGeom>
         </p:spPr>
         <p:txBody>
-          <a:bodyPr anchorCtr="0" anchor="t" bIns="91425" lIns="91425" spcFirstLastPara="1" rIns="91425" wrap="square" tIns="91425">
+          <a:bodyPr spcFirstLastPara="1" wrap="square" lIns="91425" tIns="91425" rIns="91425" bIns="91425" anchor="t" anchorCtr="0">
             <a:noAutofit/>
           </a:bodyPr>
           <a:lstStyle>
-            <a:lvl1pPr indent="-317500" lvl="0" marL="457200">
+            <a:lvl1pPr marL="457200" lvl="0" indent="-317500">
               <a:spcBef>
                 <a:spcPts val="0"/>
               </a:spcBef>
@@ -4013,7 +4062,7 @@
               <a:buChar char="●"/>
               <a:defRPr sz="1400"/>
             </a:lvl1pPr>
-            <a:lvl2pPr indent="-304800" lvl="1" marL="914400">
+            <a:lvl2pPr marL="914400" lvl="1" indent="-304800">
               <a:spcBef>
                 <a:spcPts val="1600"/>
               </a:spcBef>
@@ -4024,7 +4073,7 @@
               <a:buChar char="○"/>
               <a:defRPr sz="1200"/>
             </a:lvl2pPr>
-            <a:lvl3pPr indent="-304800" lvl="2" marL="1371600">
+            <a:lvl3pPr marL="1371600" lvl="2" indent="-304800">
               <a:spcBef>
                 <a:spcPts val="1600"/>
               </a:spcBef>
@@ -4035,7 +4084,7 @@
               <a:buChar char="■"/>
               <a:defRPr sz="1200"/>
             </a:lvl3pPr>
-            <a:lvl4pPr indent="-304800" lvl="3" marL="1828800">
+            <a:lvl4pPr marL="1828800" lvl="3" indent="-304800">
               <a:spcBef>
                 <a:spcPts val="1600"/>
               </a:spcBef>
@@ -4046,7 +4095,7 @@
               <a:buChar char="●"/>
               <a:defRPr sz="1200"/>
             </a:lvl4pPr>
-            <a:lvl5pPr indent="-304800" lvl="4" marL="2286000">
+            <a:lvl5pPr marL="2286000" lvl="4" indent="-304800">
               <a:spcBef>
                 <a:spcPts val="1600"/>
               </a:spcBef>
@@ -4057,7 +4106,7 @@
               <a:buChar char="○"/>
               <a:defRPr sz="1200"/>
             </a:lvl5pPr>
-            <a:lvl6pPr indent="-304800" lvl="5" marL="2743200">
+            <a:lvl6pPr marL="2743200" lvl="5" indent="-304800">
               <a:spcBef>
                 <a:spcPts val="1600"/>
               </a:spcBef>
@@ -4068,7 +4117,7 @@
               <a:buChar char="■"/>
               <a:defRPr sz="1200"/>
             </a:lvl6pPr>
-            <a:lvl7pPr indent="-304800" lvl="6" marL="3200400">
+            <a:lvl7pPr marL="3200400" lvl="6" indent="-304800">
               <a:spcBef>
                 <a:spcPts val="1600"/>
               </a:spcBef>
@@ -4079,7 +4128,7 @@
               <a:buChar char="●"/>
               <a:defRPr sz="1200"/>
             </a:lvl7pPr>
-            <a:lvl8pPr indent="-304800" lvl="7" marL="3657600">
+            <a:lvl8pPr marL="3657600" lvl="7" indent="-304800">
               <a:spcBef>
                 <a:spcPts val="1600"/>
               </a:spcBef>
@@ -4090,7 +4139,7 @@
               <a:buChar char="○"/>
               <a:defRPr sz="1200"/>
             </a:lvl8pPr>
-            <a:lvl9pPr indent="-304800" lvl="8" marL="4114800">
+            <a:lvl9pPr marL="4114800" lvl="8" indent="-304800">
               <a:spcBef>
                 <a:spcPts val="1600"/>
               </a:spcBef>
@@ -4102,15 +4151,19 @@
               <a:defRPr sz="1200"/>
             </a:lvl9pPr>
           </a:lstStyle>
-          <a:p/>
+          <a:p>
+            <a:endParaRPr/>
+          </a:p>
         </p:txBody>
       </p:sp>
       <p:sp>
         <p:nvSpPr>
           <p:cNvPr id="33" name="Google Shape;33;p5"/>
-          <p:cNvSpPr txBox="1"/>
+          <p:cNvSpPr txBox="1">
+            <a:spLocks noGrp="1"/>
+          </p:cNvSpPr>
           <p:nvPr>
-            <p:ph idx="2" type="body"/>
+            <p:ph type="body" idx="2"/>
           </p:nvPr>
         </p:nvSpPr>
         <p:spPr>
@@ -4123,11 +4176,11 @@
           </a:prstGeom>
         </p:spPr>
         <p:txBody>
-          <a:bodyPr anchorCtr="0" anchor="t" bIns="91425" lIns="91425" spcFirstLastPara="1" rIns="91425" wrap="square" tIns="91425">
+          <a:bodyPr spcFirstLastPara="1" wrap="square" lIns="91425" tIns="91425" rIns="91425" bIns="91425" anchor="t" anchorCtr="0">
             <a:noAutofit/>
           </a:bodyPr>
           <a:lstStyle>
-            <a:lvl1pPr indent="-317500" lvl="0" marL="457200">
+            <a:lvl1pPr marL="457200" lvl="0" indent="-317500">
               <a:spcBef>
                 <a:spcPts val="0"/>
               </a:spcBef>
@@ -4138,7 +4191,7 @@
               <a:buChar char="●"/>
               <a:defRPr sz="1400"/>
             </a:lvl1pPr>
-            <a:lvl2pPr indent="-304800" lvl="1" marL="914400">
+            <a:lvl2pPr marL="914400" lvl="1" indent="-304800">
               <a:spcBef>
                 <a:spcPts val="1600"/>
               </a:spcBef>
@@ -4149,7 +4202,7 @@
               <a:buChar char="○"/>
               <a:defRPr sz="1200"/>
             </a:lvl2pPr>
-            <a:lvl3pPr indent="-304800" lvl="2" marL="1371600">
+            <a:lvl3pPr marL="1371600" lvl="2" indent="-304800">
               <a:spcBef>
                 <a:spcPts val="1600"/>
               </a:spcBef>
@@ -4160,7 +4213,7 @@
               <a:buChar char="■"/>
               <a:defRPr sz="1200"/>
             </a:lvl3pPr>
-            <a:lvl4pPr indent="-304800" lvl="3" marL="1828800">
+            <a:lvl4pPr marL="1828800" lvl="3" indent="-304800">
               <a:spcBef>
                 <a:spcPts val="1600"/>
               </a:spcBef>
@@ -4171,7 +4224,7 @@
               <a:buChar char="●"/>
               <a:defRPr sz="1200"/>
             </a:lvl4pPr>
-            <a:lvl5pPr indent="-304800" lvl="4" marL="2286000">
+            <a:lvl5pPr marL="2286000" lvl="4" indent="-304800">
               <a:spcBef>
                 <a:spcPts val="1600"/>
               </a:spcBef>
@@ -4182,7 +4235,7 @@
               <a:buChar char="○"/>
               <a:defRPr sz="1200"/>
             </a:lvl5pPr>
-            <a:lvl6pPr indent="-304800" lvl="5" marL="2743200">
+            <a:lvl6pPr marL="2743200" lvl="5" indent="-304800">
               <a:spcBef>
                 <a:spcPts val="1600"/>
               </a:spcBef>
@@ -4193,7 +4246,7 @@
               <a:buChar char="■"/>
               <a:defRPr sz="1200"/>
             </a:lvl6pPr>
-            <a:lvl7pPr indent="-304800" lvl="6" marL="3200400">
+            <a:lvl7pPr marL="3200400" lvl="6" indent="-304800">
               <a:spcBef>
                 <a:spcPts val="1600"/>
               </a:spcBef>
@@ -4204,7 +4257,7 @@
               <a:buChar char="●"/>
               <a:defRPr sz="1200"/>
             </a:lvl7pPr>
-            <a:lvl8pPr indent="-304800" lvl="7" marL="3657600">
+            <a:lvl8pPr marL="3657600" lvl="7" indent="-304800">
               <a:spcBef>
                 <a:spcPts val="1600"/>
               </a:spcBef>
@@ -4215,7 +4268,7 @@
               <a:buChar char="○"/>
               <a:defRPr sz="1200"/>
             </a:lvl8pPr>
-            <a:lvl9pPr indent="-304800" lvl="8" marL="4114800">
+            <a:lvl9pPr marL="4114800" lvl="8" indent="-304800">
               <a:spcBef>
                 <a:spcPts val="1600"/>
               </a:spcBef>
@@ -4227,15 +4280,19 @@
               <a:defRPr sz="1200"/>
             </a:lvl9pPr>
           </a:lstStyle>
-          <a:p/>
+          <a:p>
+            <a:endParaRPr/>
+          </a:p>
         </p:txBody>
       </p:sp>
       <p:sp>
         <p:nvSpPr>
           <p:cNvPr id="34" name="Google Shape;34;p5"/>
-          <p:cNvSpPr txBox="1"/>
+          <p:cNvSpPr txBox="1">
+            <a:spLocks noGrp="1"/>
+          </p:cNvSpPr>
           <p:nvPr>
-            <p:ph idx="12" type="sldNum"/>
+            <p:ph type="sldNum" idx="12"/>
           </p:nvPr>
         </p:nvSpPr>
         <p:spPr>
@@ -4248,7 +4305,7 @@
           </a:prstGeom>
         </p:spPr>
         <p:txBody>
-          <a:bodyPr anchorCtr="0" anchor="ctr" bIns="91425" lIns="91425" spcFirstLastPara="1" rIns="91425" wrap="square" tIns="91425">
+          <a:bodyPr spcFirstLastPara="1" wrap="square" lIns="91425" tIns="91425" rIns="91425" bIns="91425" anchor="ctr" anchorCtr="0">
             <a:noAutofit/>
           </a:bodyPr>
           <a:lstStyle>
@@ -4290,7 +4347,7 @@
             </a:lvl9pPr>
           </a:lstStyle>
           <a:p>
-            <a:pPr indent="0" lvl="0" marL="0" rtl="0" algn="r">
+            <a:pPr marL="0" lvl="0" indent="0" algn="r" rtl="0">
               <a:spcBef>
                 <a:spcPts val="0"/>
               </a:spcBef>
@@ -4301,6 +4358,15 @@
             </a:pPr>
             <a:fld id="{00000000-1234-1234-1234-123412341234}" type="slidenum">
               <a:rPr lang="en"/>
+              <a:pPr marL="0" lvl="0" indent="0" algn="r" rtl="0">
+                <a:spcBef>
+                  <a:spcPts val="0"/>
+                </a:spcBef>
+                <a:spcAft>
+                  <a:spcPts val="0"/>
+                </a:spcAft>
+                <a:buNone/>
+              </a:pPr>
               <a:t>‹#›</a:t>
             </a:fld>
             <a:endParaRPr/>
@@ -4316,11 +4382,11 @@
 </file>
 
 <file path=ppt/slideLayouts/slideLayout5.xml><?xml version="1.0" encoding="utf-8"?>
-<p:sldLayout xmlns:a="http://schemas.openxmlformats.org/drawingml/2006/main" xmlns:r="http://schemas.openxmlformats.org/officeDocument/2006/relationships" xmlns:mc="http://schemas.openxmlformats.org/markup-compatibility/2006" xmlns:mv="urn:schemas-microsoft-com:mac:vml" xmlns:p="http://schemas.openxmlformats.org/presentationml/2006/main" xmlns:c="http://schemas.openxmlformats.org/drawingml/2006/chart" xmlns:dgm="http://schemas.openxmlformats.org/drawingml/2006/diagram" xmlns:o="urn:schemas-microsoft-com:office:office" xmlns:v="urn:schemas-microsoft-com:vml" xmlns:pvml="urn:schemas-microsoft-com:office:powerpoint" xmlns:com="http://schemas.openxmlformats.org/drawingml/2006/compatibility" xmlns:p14="http://schemas.microsoft.com/office/powerpoint/2010/main" xmlns:p15="http://schemas.microsoft.com/office/powerpoint/2012/main" matchingName="Title only" type="titleOnly">
+<p:sldLayout xmlns:a="http://schemas.openxmlformats.org/drawingml/2006/main" xmlns:r="http://schemas.openxmlformats.org/officeDocument/2006/relationships" xmlns:p="http://schemas.openxmlformats.org/presentationml/2006/main" matchingName="Title only" type="titleOnly">
   <p:cSld name="TITLE_ONLY">
     <p:spTree>
       <p:nvGrpSpPr>
-        <p:cNvPr id="35" name="Shape 35"/>
+        <p:cNvPr id="1" name="Shape 35"/>
         <p:cNvGrpSpPr/>
         <p:nvPr/>
       </p:nvGrpSpPr>
@@ -4335,7 +4401,9 @@
       <p:sp>
         <p:nvSpPr>
           <p:cNvPr id="36" name="Google Shape;36;p6"/>
-          <p:cNvSpPr txBox="1"/>
+          <p:cNvSpPr txBox="1">
+            <a:spLocks noGrp="1"/>
+          </p:cNvSpPr>
           <p:nvPr>
             <p:ph type="title"/>
           </p:nvPr>
@@ -4350,7 +4418,7 @@
           </a:prstGeom>
         </p:spPr>
         <p:txBody>
-          <a:bodyPr anchorCtr="0" anchor="t" bIns="91425" lIns="91425" spcFirstLastPara="1" rIns="91425" wrap="square" tIns="91425">
+          <a:bodyPr spcFirstLastPara="1" wrap="square" lIns="91425" tIns="91425" rIns="91425" bIns="91425" anchor="t" anchorCtr="0">
             <a:noAutofit/>
           </a:bodyPr>
           <a:lstStyle>
@@ -4454,15 +4522,19 @@
               <a:defRPr/>
             </a:lvl9pPr>
           </a:lstStyle>
-          <a:p/>
+          <a:p>
+            <a:endParaRPr/>
+          </a:p>
         </p:txBody>
       </p:sp>
       <p:sp>
         <p:nvSpPr>
           <p:cNvPr id="37" name="Google Shape;37;p6"/>
-          <p:cNvSpPr txBox="1"/>
+          <p:cNvSpPr txBox="1">
+            <a:spLocks noGrp="1"/>
+          </p:cNvSpPr>
           <p:nvPr>
-            <p:ph idx="12" type="sldNum"/>
+            <p:ph type="sldNum" idx="12"/>
           </p:nvPr>
         </p:nvSpPr>
         <p:spPr>
@@ -4475,7 +4547,7 @@
           </a:prstGeom>
         </p:spPr>
         <p:txBody>
-          <a:bodyPr anchorCtr="0" anchor="ctr" bIns="91425" lIns="91425" spcFirstLastPara="1" rIns="91425" wrap="square" tIns="91425">
+          <a:bodyPr spcFirstLastPara="1" wrap="square" lIns="91425" tIns="91425" rIns="91425" bIns="91425" anchor="ctr" anchorCtr="0">
             <a:noAutofit/>
           </a:bodyPr>
           <a:lstStyle>
@@ -4517,7 +4589,7 @@
             </a:lvl9pPr>
           </a:lstStyle>
           <a:p>
-            <a:pPr indent="0" lvl="0" marL="0" rtl="0" algn="r">
+            <a:pPr marL="0" lvl="0" indent="0" algn="r" rtl="0">
               <a:spcBef>
                 <a:spcPts val="0"/>
               </a:spcBef>
@@ -4528,6 +4600,15 @@
             </a:pPr>
             <a:fld id="{00000000-1234-1234-1234-123412341234}" type="slidenum">
               <a:rPr lang="en"/>
+              <a:pPr marL="0" lvl="0" indent="0" algn="r" rtl="0">
+                <a:spcBef>
+                  <a:spcPts val="0"/>
+                </a:spcBef>
+                <a:spcAft>
+                  <a:spcPts val="0"/>
+                </a:spcAft>
+                <a:buNone/>
+              </a:pPr>
               <a:t>‹#›</a:t>
             </a:fld>
             <a:endParaRPr/>
@@ -4543,11 +4624,11 @@
 </file>
 
 <file path=ppt/slideLayouts/slideLayout6.xml><?xml version="1.0" encoding="utf-8"?>
-<p:sldLayout xmlns:a="http://schemas.openxmlformats.org/drawingml/2006/main" xmlns:r="http://schemas.openxmlformats.org/officeDocument/2006/relationships" xmlns:mc="http://schemas.openxmlformats.org/markup-compatibility/2006" xmlns:mv="urn:schemas-microsoft-com:mac:vml" xmlns:p="http://schemas.openxmlformats.org/presentationml/2006/main" xmlns:c="http://schemas.openxmlformats.org/drawingml/2006/chart" xmlns:dgm="http://schemas.openxmlformats.org/drawingml/2006/diagram" xmlns:o="urn:schemas-microsoft-com:office:office" xmlns:v="urn:schemas-microsoft-com:vml" xmlns:pvml="urn:schemas-microsoft-com:office:powerpoint" xmlns:com="http://schemas.openxmlformats.org/drawingml/2006/compatibility" xmlns:p14="http://schemas.microsoft.com/office/powerpoint/2010/main" xmlns:p15="http://schemas.microsoft.com/office/powerpoint/2012/main" matchingName="One column text">
+<p:sldLayout xmlns:a="http://schemas.openxmlformats.org/drawingml/2006/main" xmlns:r="http://schemas.openxmlformats.org/officeDocument/2006/relationships" xmlns:p="http://schemas.openxmlformats.org/presentationml/2006/main" matchingName="One column text">
   <p:cSld name="ONE_COLUMN_TEXT">
     <p:spTree>
       <p:nvGrpSpPr>
-        <p:cNvPr id="38" name="Shape 38"/>
+        <p:cNvPr id="1" name="Shape 38"/>
         <p:cNvGrpSpPr/>
         <p:nvPr/>
       </p:nvGrpSpPr>
@@ -4562,7 +4643,9 @@
       <p:sp>
         <p:nvSpPr>
           <p:cNvPr id="39" name="Google Shape;39;p7"/>
-          <p:cNvSpPr txBox="1"/>
+          <p:cNvSpPr txBox="1">
+            <a:spLocks noGrp="1"/>
+          </p:cNvSpPr>
           <p:nvPr>
             <p:ph type="title"/>
           </p:nvPr>
@@ -4577,7 +4660,7 @@
           </a:prstGeom>
         </p:spPr>
         <p:txBody>
-          <a:bodyPr anchorCtr="0" anchor="b" bIns="91425" lIns="91425" spcFirstLastPara="1" rIns="91425" wrap="square" tIns="91425">
+          <a:bodyPr spcFirstLastPara="1" wrap="square" lIns="91425" tIns="91425" rIns="91425" bIns="91425" anchor="b" anchorCtr="0">
             <a:noAutofit/>
           </a:bodyPr>
           <a:lstStyle>
@@ -4681,15 +4764,19 @@
               <a:defRPr sz="2400"/>
             </a:lvl9pPr>
           </a:lstStyle>
-          <a:p/>
+          <a:p>
+            <a:endParaRPr/>
+          </a:p>
         </p:txBody>
       </p:sp>
       <p:sp>
         <p:nvSpPr>
           <p:cNvPr id="40" name="Google Shape;40;p7"/>
-          <p:cNvSpPr txBox="1"/>
+          <p:cNvSpPr txBox="1">
+            <a:spLocks noGrp="1"/>
+          </p:cNvSpPr>
           <p:nvPr>
-            <p:ph idx="1" type="body"/>
+            <p:ph type="body" idx="1"/>
           </p:nvPr>
         </p:nvSpPr>
         <p:spPr>
@@ -4702,11 +4789,11 @@
           </a:prstGeom>
         </p:spPr>
         <p:txBody>
-          <a:bodyPr anchorCtr="0" anchor="t" bIns="91425" lIns="91425" spcFirstLastPara="1" rIns="91425" wrap="square" tIns="91425">
+          <a:bodyPr spcFirstLastPara="1" wrap="square" lIns="91425" tIns="91425" rIns="91425" bIns="91425" anchor="t" anchorCtr="0">
             <a:noAutofit/>
           </a:bodyPr>
           <a:lstStyle>
-            <a:lvl1pPr indent="-304800" lvl="0" marL="457200">
+            <a:lvl1pPr marL="457200" lvl="0" indent="-304800">
               <a:spcBef>
                 <a:spcPts val="0"/>
               </a:spcBef>
@@ -4717,7 +4804,7 @@
               <a:buChar char="●"/>
               <a:defRPr sz="1200"/>
             </a:lvl1pPr>
-            <a:lvl2pPr indent="-304800" lvl="1" marL="914400">
+            <a:lvl2pPr marL="914400" lvl="1" indent="-304800">
               <a:spcBef>
                 <a:spcPts val="1600"/>
               </a:spcBef>
@@ -4728,7 +4815,7 @@
               <a:buChar char="○"/>
               <a:defRPr sz="1200"/>
             </a:lvl2pPr>
-            <a:lvl3pPr indent="-304800" lvl="2" marL="1371600">
+            <a:lvl3pPr marL="1371600" lvl="2" indent="-304800">
               <a:spcBef>
                 <a:spcPts val="1600"/>
               </a:spcBef>
@@ -4739,7 +4826,7 @@
               <a:buChar char="■"/>
               <a:defRPr sz="1200"/>
             </a:lvl3pPr>
-            <a:lvl4pPr indent="-304800" lvl="3" marL="1828800">
+            <a:lvl4pPr marL="1828800" lvl="3" indent="-304800">
               <a:spcBef>
                 <a:spcPts val="1600"/>
               </a:spcBef>
@@ -4750,7 +4837,7 @@
               <a:buChar char="●"/>
               <a:defRPr sz="1200"/>
             </a:lvl4pPr>
-            <a:lvl5pPr indent="-304800" lvl="4" marL="2286000">
+            <a:lvl5pPr marL="2286000" lvl="4" indent="-304800">
               <a:spcBef>
                 <a:spcPts val="1600"/>
               </a:spcBef>
@@ -4761,7 +4848,7 @@
               <a:buChar char="○"/>
               <a:defRPr sz="1200"/>
             </a:lvl5pPr>
-            <a:lvl6pPr indent="-304800" lvl="5" marL="2743200">
+            <a:lvl6pPr marL="2743200" lvl="5" indent="-304800">
               <a:spcBef>
                 <a:spcPts val="1600"/>
               </a:spcBef>
@@ -4772,7 +4859,7 @@
               <a:buChar char="■"/>
               <a:defRPr sz="1200"/>
             </a:lvl6pPr>
-            <a:lvl7pPr indent="-304800" lvl="6" marL="3200400">
+            <a:lvl7pPr marL="3200400" lvl="6" indent="-304800">
               <a:spcBef>
                 <a:spcPts val="1600"/>
               </a:spcBef>
@@ -4783,7 +4870,7 @@
               <a:buChar char="●"/>
               <a:defRPr sz="1200"/>
             </a:lvl7pPr>
-            <a:lvl8pPr indent="-304800" lvl="7" marL="3657600">
+            <a:lvl8pPr marL="3657600" lvl="7" indent="-304800">
               <a:spcBef>
                 <a:spcPts val="1600"/>
               </a:spcBef>
@@ -4794,7 +4881,7 @@
               <a:buChar char="○"/>
               <a:defRPr sz="1200"/>
             </a:lvl8pPr>
-            <a:lvl9pPr indent="-304800" lvl="8" marL="4114800">
+            <a:lvl9pPr marL="4114800" lvl="8" indent="-304800">
               <a:spcBef>
                 <a:spcPts val="1600"/>
               </a:spcBef>
@@ -4806,15 +4893,19 @@
               <a:defRPr sz="1200"/>
             </a:lvl9pPr>
           </a:lstStyle>
-          <a:p/>
+          <a:p>
+            <a:endParaRPr/>
+          </a:p>
         </p:txBody>
       </p:sp>
       <p:sp>
         <p:nvSpPr>
           <p:cNvPr id="41" name="Google Shape;41;p7"/>
-          <p:cNvSpPr txBox="1"/>
+          <p:cNvSpPr txBox="1">
+            <a:spLocks noGrp="1"/>
+          </p:cNvSpPr>
           <p:nvPr>
-            <p:ph idx="12" type="sldNum"/>
+            <p:ph type="sldNum" idx="12"/>
           </p:nvPr>
         </p:nvSpPr>
         <p:spPr>
@@ -4827,7 +4918,7 @@
           </a:prstGeom>
         </p:spPr>
         <p:txBody>
-          <a:bodyPr anchorCtr="0" anchor="ctr" bIns="91425" lIns="91425" spcFirstLastPara="1" rIns="91425" wrap="square" tIns="91425">
+          <a:bodyPr spcFirstLastPara="1" wrap="square" lIns="91425" tIns="91425" rIns="91425" bIns="91425" anchor="ctr" anchorCtr="0">
             <a:noAutofit/>
           </a:bodyPr>
           <a:lstStyle>
@@ -4869,7 +4960,7 @@
             </a:lvl9pPr>
           </a:lstStyle>
           <a:p>
-            <a:pPr indent="0" lvl="0" marL="0" rtl="0" algn="r">
+            <a:pPr marL="0" lvl="0" indent="0" algn="r" rtl="0">
               <a:spcBef>
                 <a:spcPts val="0"/>
               </a:spcBef>
@@ -4880,6 +4971,15 @@
             </a:pPr>
             <a:fld id="{00000000-1234-1234-1234-123412341234}" type="slidenum">
               <a:rPr lang="en"/>
+              <a:pPr marL="0" lvl="0" indent="0" algn="r" rtl="0">
+                <a:spcBef>
+                  <a:spcPts val="0"/>
+                </a:spcBef>
+                <a:spcAft>
+                  <a:spcPts val="0"/>
+                </a:spcAft>
+                <a:buNone/>
+              </a:pPr>
               <a:t>‹#›</a:t>
             </a:fld>
             <a:endParaRPr/>
@@ -4895,18 +4995,19 @@
 </file>
 
 <file path=ppt/slideLayouts/slideLayout7.xml><?xml version="1.0" encoding="utf-8"?>
-<p:sldLayout xmlns:a="http://schemas.openxmlformats.org/drawingml/2006/main" xmlns:r="http://schemas.openxmlformats.org/officeDocument/2006/relationships" xmlns:mc="http://schemas.openxmlformats.org/markup-compatibility/2006" xmlns:mv="urn:schemas-microsoft-com:mac:vml" xmlns:p="http://schemas.openxmlformats.org/presentationml/2006/main" xmlns:c="http://schemas.openxmlformats.org/drawingml/2006/chart" xmlns:dgm="http://schemas.openxmlformats.org/drawingml/2006/diagram" xmlns:o="urn:schemas-microsoft-com:office:office" xmlns:v="urn:schemas-microsoft-com:vml" xmlns:pvml="urn:schemas-microsoft-com:office:powerpoint" xmlns:com="http://schemas.openxmlformats.org/drawingml/2006/compatibility" xmlns:p14="http://schemas.microsoft.com/office/powerpoint/2010/main" xmlns:p15="http://schemas.microsoft.com/office/powerpoint/2012/main" matchingName="Main point">
+<p:sldLayout xmlns:a="http://schemas.openxmlformats.org/drawingml/2006/main" xmlns:r="http://schemas.openxmlformats.org/officeDocument/2006/relationships" xmlns:p="http://schemas.openxmlformats.org/presentationml/2006/main" matchingName="Main point">
   <p:cSld name="MAIN_POINT">
     <p:bg>
       <p:bgPr>
         <a:solidFill>
           <a:schemeClr val="accent6"/>
         </a:solidFill>
+        <a:effectLst/>
       </p:bgPr>
     </p:bg>
     <p:spTree>
       <p:nvGrpSpPr>
-        <p:cNvPr id="42" name="Shape 42"/>
+        <p:cNvPr id="1" name="Shape 42"/>
         <p:cNvGrpSpPr/>
         <p:nvPr/>
       </p:nvGrpSpPr>
@@ -4921,7 +5022,9 @@
       <p:sp>
         <p:nvSpPr>
           <p:cNvPr id="43" name="Google Shape;43;p8"/>
-          <p:cNvSpPr txBox="1"/>
+          <p:cNvSpPr txBox="1">
+            <a:spLocks noGrp="1"/>
+          </p:cNvSpPr>
           <p:nvPr>
             <p:ph type="title"/>
           </p:nvPr>
@@ -4936,7 +5039,7 @@
           </a:prstGeom>
         </p:spPr>
         <p:txBody>
-          <a:bodyPr anchorCtr="0" anchor="ctr" bIns="91425" lIns="91425" spcFirstLastPara="1" rIns="91425" wrap="square" tIns="91425">
+          <a:bodyPr spcFirstLastPara="1" wrap="square" lIns="91425" tIns="91425" rIns="91425" bIns="91425" anchor="ctr" anchorCtr="0">
             <a:noAutofit/>
           </a:bodyPr>
           <a:lstStyle>
@@ -4952,7 +5055,7 @@
               </a:buClr>
               <a:buSzPts val="5400"/>
               <a:buNone/>
-              <a:defRPr b="0" sz="5400">
+              <a:defRPr sz="5400" b="0">
                 <a:solidFill>
                   <a:schemeClr val="dk2"/>
                 </a:solidFill>
@@ -4970,7 +5073,7 @@
               </a:buClr>
               <a:buSzPts val="5400"/>
               <a:buNone/>
-              <a:defRPr b="0" sz="5400">
+              <a:defRPr sz="5400" b="0">
                 <a:solidFill>
                   <a:schemeClr val="dk2"/>
                 </a:solidFill>
@@ -4988,7 +5091,7 @@
               </a:buClr>
               <a:buSzPts val="5400"/>
               <a:buNone/>
-              <a:defRPr b="0" sz="5400">
+              <a:defRPr sz="5400" b="0">
                 <a:solidFill>
                   <a:schemeClr val="dk2"/>
                 </a:solidFill>
@@ -5006,7 +5109,7 @@
               </a:buClr>
               <a:buSzPts val="5400"/>
               <a:buNone/>
-              <a:defRPr b="0" sz="5400">
+              <a:defRPr sz="5400" b="0">
                 <a:solidFill>
                   <a:schemeClr val="dk2"/>
                 </a:solidFill>
@@ -5024,7 +5127,7 @@
               </a:buClr>
               <a:buSzPts val="5400"/>
               <a:buNone/>
-              <a:defRPr b="0" sz="5400">
+              <a:defRPr sz="5400" b="0">
                 <a:solidFill>
                   <a:schemeClr val="dk2"/>
                 </a:solidFill>
@@ -5042,7 +5145,7 @@
               </a:buClr>
               <a:buSzPts val="5400"/>
               <a:buNone/>
-              <a:defRPr b="0" sz="5400">
+              <a:defRPr sz="5400" b="0">
                 <a:solidFill>
                   <a:schemeClr val="dk2"/>
                 </a:solidFill>
@@ -5060,7 +5163,7 @@
               </a:buClr>
               <a:buSzPts val="5400"/>
               <a:buNone/>
-              <a:defRPr b="0" sz="5400">
+              <a:defRPr sz="5400" b="0">
                 <a:solidFill>
                   <a:schemeClr val="dk2"/>
                 </a:solidFill>
@@ -5078,7 +5181,7 @@
               </a:buClr>
               <a:buSzPts val="5400"/>
               <a:buNone/>
-              <a:defRPr b="0" sz="5400">
+              <a:defRPr sz="5400" b="0">
                 <a:solidFill>
                   <a:schemeClr val="dk2"/>
                 </a:solidFill>
@@ -5096,22 +5199,26 @@
               </a:buClr>
               <a:buSzPts val="5400"/>
               <a:buNone/>
-              <a:defRPr b="0" sz="5400">
+              <a:defRPr sz="5400" b="0">
                 <a:solidFill>
                   <a:schemeClr val="dk2"/>
                 </a:solidFill>
               </a:defRPr>
             </a:lvl9pPr>
           </a:lstStyle>
-          <a:p/>
+          <a:p>
+            <a:endParaRPr/>
+          </a:p>
         </p:txBody>
       </p:sp>
       <p:sp>
         <p:nvSpPr>
           <p:cNvPr id="44" name="Google Shape;44;p8"/>
-          <p:cNvSpPr txBox="1"/>
+          <p:cNvSpPr txBox="1">
+            <a:spLocks noGrp="1"/>
+          </p:cNvSpPr>
           <p:nvPr>
-            <p:ph idx="12" type="sldNum"/>
+            <p:ph type="sldNum" idx="12"/>
           </p:nvPr>
         </p:nvSpPr>
         <p:spPr>
@@ -5124,7 +5231,7 @@
           </a:prstGeom>
         </p:spPr>
         <p:txBody>
-          <a:bodyPr anchorCtr="0" anchor="ctr" bIns="91425" lIns="91425" spcFirstLastPara="1" rIns="91425" wrap="square" tIns="91425">
+          <a:bodyPr spcFirstLastPara="1" wrap="square" lIns="91425" tIns="91425" rIns="91425" bIns="91425" anchor="ctr" anchorCtr="0">
             <a:noAutofit/>
           </a:bodyPr>
           <a:lstStyle>
@@ -5166,7 +5273,7 @@
             </a:lvl9pPr>
           </a:lstStyle>
           <a:p>
-            <a:pPr indent="0" lvl="0" marL="0" rtl="0" algn="r">
+            <a:pPr marL="0" lvl="0" indent="0" algn="r" rtl="0">
               <a:spcBef>
                 <a:spcPts val="0"/>
               </a:spcBef>
@@ -5177,6 +5284,15 @@
             </a:pPr>
             <a:fld id="{00000000-1234-1234-1234-123412341234}" type="slidenum">
               <a:rPr lang="en"/>
+              <a:pPr marL="0" lvl="0" indent="0" algn="r" rtl="0">
+                <a:spcBef>
+                  <a:spcPts val="0"/>
+                </a:spcBef>
+                <a:spcAft>
+                  <a:spcPts val="0"/>
+                </a:spcAft>
+                <a:buNone/>
+              </a:pPr>
               <a:t>‹#›</a:t>
             </a:fld>
             <a:endParaRPr/>
@@ -5192,11 +5308,11 @@
 </file>
 
 <file path=ppt/slideLayouts/slideLayout8.xml><?xml version="1.0" encoding="utf-8"?>
-<p:sldLayout xmlns:a="http://schemas.openxmlformats.org/drawingml/2006/main" xmlns:r="http://schemas.openxmlformats.org/officeDocument/2006/relationships" xmlns:mc="http://schemas.openxmlformats.org/markup-compatibility/2006" xmlns:mv="urn:schemas-microsoft-com:mac:vml" xmlns:p="http://schemas.openxmlformats.org/presentationml/2006/main" xmlns:c="http://schemas.openxmlformats.org/drawingml/2006/chart" xmlns:dgm="http://schemas.openxmlformats.org/drawingml/2006/diagram" xmlns:o="urn:schemas-microsoft-com:office:office" xmlns:v="urn:schemas-microsoft-com:vml" xmlns:pvml="urn:schemas-microsoft-com:office:powerpoint" xmlns:com="http://schemas.openxmlformats.org/drawingml/2006/compatibility" xmlns:p14="http://schemas.microsoft.com/office/powerpoint/2010/main" xmlns:p15="http://schemas.microsoft.com/office/powerpoint/2012/main" matchingName="Section title and description">
+<p:sldLayout xmlns:a="http://schemas.openxmlformats.org/drawingml/2006/main" xmlns:r="http://schemas.openxmlformats.org/officeDocument/2006/relationships" xmlns:p="http://schemas.openxmlformats.org/presentationml/2006/main" matchingName="Section title and description">
   <p:cSld name="SECTION_TITLE_AND_DESCRIPTION">
     <p:spTree>
       <p:nvGrpSpPr>
-        <p:cNvPr id="45" name="Shape 45"/>
+        <p:cNvPr id="1" name="Shape 45"/>
         <p:cNvGrpSpPr/>
         <p:nvPr/>
       </p:nvGrpSpPr>
@@ -5230,23 +5346,20 @@
           </a:ln>
         </p:spPr>
         <p:txBody>
-          <a:bodyPr anchorCtr="0" anchor="ctr" bIns="91425" lIns="91425" spcFirstLastPara="1" rIns="91425" wrap="square" tIns="91425">
+          <a:bodyPr spcFirstLastPara="1" wrap="square" lIns="91425" tIns="91425" rIns="91425" bIns="91425" anchor="ctr" anchorCtr="0">
             <a:noAutofit/>
           </a:bodyPr>
           <a:lstStyle/>
           <a:p>
-            <a:pPr indent="0" lvl="0" marL="0" rtl="0" algn="l">
-              <a:spcBef>
-                <a:spcPts val="0"/>
-              </a:spcBef>
-              <a:spcAft>
-                <a:spcPts val="0"/>
-              </a:spcAft>
-              <a:buNone/>
-            </a:pPr>
-            <a:r>
-              <a:t/>
-            </a:r>
+            <a:pPr marL="0" lvl="0" indent="0" algn="l" rtl="0">
+              <a:spcBef>
+                <a:spcPts val="0"/>
+              </a:spcBef>
+              <a:spcAft>
+                <a:spcPts val="0"/>
+              </a:spcAft>
+              <a:buNone/>
+            </a:pPr>
             <a:endParaRPr/>
           </a:p>
         </p:txBody>
@@ -5266,21 +5379,23 @@
             <a:avLst/>
           </a:prstGeom>
           <a:noFill/>
-          <a:ln cap="flat" cmpd="sng" w="19050">
+          <a:ln w="19050" cap="flat" cmpd="sng">
             <a:solidFill>
               <a:schemeClr val="lt1"/>
             </a:solidFill>
             <a:prstDash val="solid"/>
             <a:round/>
-            <a:headEnd len="sm" w="sm" type="none"/>
-            <a:tailEnd len="sm" w="sm" type="none"/>
+            <a:headEnd type="none" w="sm" len="sm"/>
+            <a:tailEnd type="none" w="sm" len="sm"/>
           </a:ln>
         </p:spPr>
       </p:cxnSp>
       <p:sp>
         <p:nvSpPr>
           <p:cNvPr id="48" name="Google Shape;48;p9"/>
-          <p:cNvSpPr txBox="1"/>
+          <p:cNvSpPr txBox="1">
+            <a:spLocks noGrp="1"/>
+          </p:cNvSpPr>
           <p:nvPr>
             <p:ph type="title"/>
           </p:nvPr>
@@ -5295,7 +5410,7 @@
           </a:prstGeom>
         </p:spPr>
         <p:txBody>
-          <a:bodyPr anchorCtr="0" anchor="b" bIns="91425" lIns="91425" spcFirstLastPara="1" rIns="91425" wrap="square" tIns="91425">
+          <a:bodyPr spcFirstLastPara="1" wrap="square" lIns="91425" tIns="91425" rIns="91425" bIns="91425" anchor="b" anchorCtr="0">
             <a:noAutofit/>
           </a:bodyPr>
           <a:lstStyle>
@@ -5399,15 +5514,19 @@
               <a:defRPr sz="4200"/>
             </a:lvl9pPr>
           </a:lstStyle>
-          <a:p/>
+          <a:p>
+            <a:endParaRPr/>
+          </a:p>
         </p:txBody>
       </p:sp>
       <p:sp>
         <p:nvSpPr>
           <p:cNvPr id="49" name="Google Shape;49;p9"/>
-          <p:cNvSpPr txBox="1"/>
+          <p:cNvSpPr txBox="1">
+            <a:spLocks noGrp="1"/>
+          </p:cNvSpPr>
           <p:nvPr>
-            <p:ph idx="1" type="subTitle"/>
+            <p:ph type="subTitle" idx="1"/>
           </p:nvPr>
         </p:nvSpPr>
         <p:spPr>
@@ -5420,7 +5539,7 @@
           </a:prstGeom>
         </p:spPr>
         <p:txBody>
-          <a:bodyPr anchorCtr="0" anchor="t" bIns="91425" lIns="91425" spcFirstLastPara="1" rIns="91425" wrap="square" tIns="91425">
+          <a:bodyPr spcFirstLastPara="1" wrap="square" lIns="91425" tIns="91425" rIns="91425" bIns="91425" anchor="t" anchorCtr="0">
             <a:noAutofit/>
           </a:bodyPr>
           <a:lstStyle>
@@ -5551,15 +5670,19 @@
               <a:defRPr sz="2100"/>
             </a:lvl9pPr>
           </a:lstStyle>
-          <a:p/>
+          <a:p>
+            <a:endParaRPr/>
+          </a:p>
         </p:txBody>
       </p:sp>
       <p:sp>
         <p:nvSpPr>
           <p:cNvPr id="50" name="Google Shape;50;p9"/>
-          <p:cNvSpPr txBox="1"/>
+          <p:cNvSpPr txBox="1">
+            <a:spLocks noGrp="1"/>
+          </p:cNvSpPr>
           <p:nvPr>
-            <p:ph idx="2" type="body"/>
+            <p:ph type="body" idx="2"/>
           </p:nvPr>
         </p:nvSpPr>
         <p:spPr>
@@ -5572,11 +5695,11 @@
           </a:prstGeom>
         </p:spPr>
         <p:txBody>
-          <a:bodyPr anchorCtr="0" anchor="ctr" bIns="91425" lIns="91425" spcFirstLastPara="1" rIns="91425" wrap="square" tIns="91425">
+          <a:bodyPr spcFirstLastPara="1" wrap="square" lIns="91425" tIns="91425" rIns="91425" bIns="91425" anchor="ctr" anchorCtr="0">
             <a:noAutofit/>
           </a:bodyPr>
           <a:lstStyle>
-            <a:lvl1pPr indent="-342900" lvl="0" marL="457200">
+            <a:lvl1pPr marL="457200" lvl="0" indent="-342900">
               <a:spcBef>
                 <a:spcPts val="0"/>
               </a:spcBef>
@@ -5594,7 +5717,7 @@
                 </a:solidFill>
               </a:defRPr>
             </a:lvl1pPr>
-            <a:lvl2pPr indent="-317500" lvl="1" marL="914400">
+            <a:lvl2pPr marL="914400" lvl="1" indent="-317500">
               <a:spcBef>
                 <a:spcPts val="1600"/>
               </a:spcBef>
@@ -5612,7 +5735,7 @@
                 </a:solidFill>
               </a:defRPr>
             </a:lvl2pPr>
-            <a:lvl3pPr indent="-317500" lvl="2" marL="1371600">
+            <a:lvl3pPr marL="1371600" lvl="2" indent="-317500">
               <a:spcBef>
                 <a:spcPts val="1600"/>
               </a:spcBef>
@@ -5630,7 +5753,7 @@
                 </a:solidFill>
               </a:defRPr>
             </a:lvl3pPr>
-            <a:lvl4pPr indent="-317500" lvl="3" marL="1828800">
+            <a:lvl4pPr marL="1828800" lvl="3" indent="-317500">
               <a:spcBef>
                 <a:spcPts val="1600"/>
               </a:spcBef>
@@ -5648,7 +5771,7 @@
                 </a:solidFill>
               </a:defRPr>
             </a:lvl4pPr>
-            <a:lvl5pPr indent="-317500" lvl="4" marL="2286000">
+            <a:lvl5pPr marL="2286000" lvl="4" indent="-317500">
               <a:spcBef>
                 <a:spcPts val="1600"/>
               </a:spcBef>
@@ -5666,7 +5789,7 @@
                 </a:solidFill>
               </a:defRPr>
             </a:lvl5pPr>
-            <a:lvl6pPr indent="-317500" lvl="5" marL="2743200">
+            <a:lvl6pPr marL="2743200" lvl="5" indent="-317500">
               <a:spcBef>
                 <a:spcPts val="1600"/>
               </a:spcBef>
@@ -5684,7 +5807,7 @@
                 </a:solidFill>
               </a:defRPr>
             </a:lvl6pPr>
-            <a:lvl7pPr indent="-317500" lvl="6" marL="3200400">
+            <a:lvl7pPr marL="3200400" lvl="6" indent="-317500">
               <a:spcBef>
                 <a:spcPts val="1600"/>
               </a:spcBef>
@@ -5702,7 +5825,7 @@
                 </a:solidFill>
               </a:defRPr>
             </a:lvl7pPr>
-            <a:lvl8pPr indent="-317500" lvl="7" marL="3657600">
+            <a:lvl8pPr marL="3657600" lvl="7" indent="-317500">
               <a:spcBef>
                 <a:spcPts val="1600"/>
               </a:spcBef>
@@ -5720,7 +5843,7 @@
                 </a:solidFill>
               </a:defRPr>
             </a:lvl8pPr>
-            <a:lvl9pPr indent="-317500" lvl="8" marL="4114800">
+            <a:lvl9pPr marL="4114800" lvl="8" indent="-317500">
               <a:spcBef>
                 <a:spcPts val="1600"/>
               </a:spcBef>
@@ -5739,15 +5862,19 @@
               </a:defRPr>
             </a:lvl9pPr>
           </a:lstStyle>
-          <a:p/>
+          <a:p>
+            <a:endParaRPr/>
+          </a:p>
         </p:txBody>
       </p:sp>
       <p:sp>
         <p:nvSpPr>
           <p:cNvPr id="51" name="Google Shape;51;p9"/>
-          <p:cNvSpPr txBox="1"/>
+          <p:cNvSpPr txBox="1">
+            <a:spLocks noGrp="1"/>
+          </p:cNvSpPr>
           <p:nvPr>
-            <p:ph idx="12" type="sldNum"/>
+            <p:ph type="sldNum" idx="12"/>
           </p:nvPr>
         </p:nvSpPr>
         <p:spPr>
@@ -5760,7 +5887,7 @@
           </a:prstGeom>
         </p:spPr>
         <p:txBody>
-          <a:bodyPr anchorCtr="0" anchor="ctr" bIns="91425" lIns="91425" spcFirstLastPara="1" rIns="91425" wrap="square" tIns="91425">
+          <a:bodyPr spcFirstLastPara="1" wrap="square" lIns="91425" tIns="91425" rIns="91425" bIns="91425" anchor="ctr" anchorCtr="0">
             <a:noAutofit/>
           </a:bodyPr>
           <a:lstStyle>
@@ -5838,7 +5965,7 @@
             </a:lvl9pPr>
           </a:lstStyle>
           <a:p>
-            <a:pPr indent="0" lvl="0" marL="0" rtl="0" algn="r">
+            <a:pPr marL="0" lvl="0" indent="0" algn="r" rtl="0">
               <a:spcBef>
                 <a:spcPts val="0"/>
               </a:spcBef>
@@ -5849,6 +5976,15 @@
             </a:pPr>
             <a:fld id="{00000000-1234-1234-1234-123412341234}" type="slidenum">
               <a:rPr lang="en"/>
+              <a:pPr marL="0" lvl="0" indent="0" algn="r" rtl="0">
+                <a:spcBef>
+                  <a:spcPts val="0"/>
+                </a:spcBef>
+                <a:spcAft>
+                  <a:spcPts val="0"/>
+                </a:spcAft>
+                <a:buNone/>
+              </a:pPr>
               <a:t>‹#›</a:t>
             </a:fld>
             <a:endParaRPr/>
@@ -5864,11 +6000,11 @@
 </file>
 
 <file path=ppt/slideLayouts/slideLayout9.xml><?xml version="1.0" encoding="utf-8"?>
-<p:sldLayout xmlns:a="http://schemas.openxmlformats.org/drawingml/2006/main" xmlns:r="http://schemas.openxmlformats.org/officeDocument/2006/relationships" xmlns:mc="http://schemas.openxmlformats.org/markup-compatibility/2006" xmlns:mv="urn:schemas-microsoft-com:mac:vml" xmlns:p="http://schemas.openxmlformats.org/presentationml/2006/main" xmlns:c="http://schemas.openxmlformats.org/drawingml/2006/chart" xmlns:dgm="http://schemas.openxmlformats.org/drawingml/2006/diagram" xmlns:o="urn:schemas-microsoft-com:office:office" xmlns:v="urn:schemas-microsoft-com:vml" xmlns:pvml="urn:schemas-microsoft-com:office:powerpoint" xmlns:com="http://schemas.openxmlformats.org/drawingml/2006/compatibility" xmlns:p14="http://schemas.microsoft.com/office/powerpoint/2010/main" xmlns:p15="http://schemas.microsoft.com/office/powerpoint/2012/main" matchingName="Caption">
+<p:sldLayout xmlns:a="http://schemas.openxmlformats.org/drawingml/2006/main" xmlns:r="http://schemas.openxmlformats.org/officeDocument/2006/relationships" xmlns:p="http://schemas.openxmlformats.org/presentationml/2006/main" matchingName="Caption">
   <p:cSld name="CAPTION_ONLY">
     <p:spTree>
       <p:nvGrpSpPr>
-        <p:cNvPr id="52" name="Shape 52"/>
+        <p:cNvPr id="1" name="Shape 52"/>
         <p:cNvGrpSpPr/>
         <p:nvPr/>
       </p:nvGrpSpPr>
@@ -5883,9 +6019,11 @@
       <p:sp>
         <p:nvSpPr>
           <p:cNvPr id="53" name="Google Shape;53;p10"/>
-          <p:cNvSpPr txBox="1"/>
+          <p:cNvSpPr txBox="1">
+            <a:spLocks noGrp="1"/>
+          </p:cNvSpPr>
           <p:nvPr>
-            <p:ph idx="1" type="body"/>
+            <p:ph type="body" idx="1"/>
           </p:nvPr>
         </p:nvSpPr>
         <p:spPr>
@@ -5898,11 +6036,11 @@
           </a:prstGeom>
         </p:spPr>
         <p:txBody>
-          <a:bodyPr anchorCtr="0" anchor="ctr" bIns="91425" lIns="91425" spcFirstLastPara="1" rIns="91425" wrap="square" tIns="91425">
+          <a:bodyPr spcFirstLastPara="1" wrap="square" lIns="91425" tIns="91425" rIns="91425" bIns="91425" anchor="ctr" anchorCtr="0">
             <a:noAutofit/>
           </a:bodyPr>
           <a:lstStyle>
-            <a:lvl1pPr indent="-228600" lvl="0" marL="457200">
+            <a:lvl1pPr marL="457200" lvl="0" indent="-228600">
               <a:lnSpc>
                 <a:spcPct val="100000"/>
               </a:lnSpc>
@@ -5923,15 +6061,19 @@
               </a:defRPr>
             </a:lvl1pPr>
           </a:lstStyle>
-          <a:p/>
+          <a:p>
+            <a:endParaRPr/>
+          </a:p>
         </p:txBody>
       </p:sp>
       <p:sp>
         <p:nvSpPr>
           <p:cNvPr id="54" name="Google Shape;54;p10"/>
-          <p:cNvSpPr txBox="1"/>
+          <p:cNvSpPr txBox="1">
+            <a:spLocks noGrp="1"/>
+          </p:cNvSpPr>
           <p:nvPr>
-            <p:ph idx="12" type="sldNum"/>
+            <p:ph type="sldNum" idx="12"/>
           </p:nvPr>
         </p:nvSpPr>
         <p:spPr>
@@ -5944,7 +6086,7 @@
           </a:prstGeom>
         </p:spPr>
         <p:txBody>
-          <a:bodyPr anchorCtr="0" anchor="ctr" bIns="91425" lIns="91425" spcFirstLastPara="1" rIns="91425" wrap="square" tIns="91425">
+          <a:bodyPr spcFirstLastPara="1" wrap="square" lIns="91425" tIns="91425" rIns="91425" bIns="91425" anchor="ctr" anchorCtr="0">
             <a:noAutofit/>
           </a:bodyPr>
           <a:lstStyle>
@@ -5986,7 +6128,7 @@
             </a:lvl9pPr>
           </a:lstStyle>
           <a:p>
-            <a:pPr indent="0" lvl="0" marL="0" rtl="0" algn="r">
+            <a:pPr marL="0" lvl="0" indent="0" algn="r" rtl="0">
               <a:spcBef>
                 <a:spcPts val="0"/>
               </a:spcBef>
@@ -5997,6 +6139,15 @@
             </a:pPr>
             <a:fld id="{00000000-1234-1234-1234-123412341234}" type="slidenum">
               <a:rPr lang="en"/>
+              <a:pPr marL="0" lvl="0" indent="0" algn="r" rtl="0">
+                <a:spcBef>
+                  <a:spcPts val="0"/>
+                </a:spcBef>
+                <a:spcAft>
+                  <a:spcPts val="0"/>
+                </a:spcAft>
+                <a:buNone/>
+              </a:pPr>
               <a:t>‹#›</a:t>
             </a:fld>
             <a:endParaRPr/>
@@ -6012,18 +6163,19 @@
 </file>
 
 <file path=ppt/slideMasters/slideMaster1.xml><?xml version="1.0" encoding="utf-8"?>
-<p:sldMaster xmlns:a="http://schemas.openxmlformats.org/drawingml/2006/main" xmlns:r="http://schemas.openxmlformats.org/officeDocument/2006/relationships" xmlns:mc="http://schemas.openxmlformats.org/markup-compatibility/2006" xmlns:mv="urn:schemas-microsoft-com:mac:vml" xmlns:p="http://schemas.openxmlformats.org/presentationml/2006/main" xmlns:c="http://schemas.openxmlformats.org/drawingml/2006/chart" xmlns:dgm="http://schemas.openxmlformats.org/drawingml/2006/diagram" xmlns:o="urn:schemas-microsoft-com:office:office" xmlns:v="urn:schemas-microsoft-com:vml" xmlns:pvml="urn:schemas-microsoft-com:office:powerpoint" xmlns:com="http://schemas.openxmlformats.org/drawingml/2006/compatibility" xmlns:p14="http://schemas.microsoft.com/office/powerpoint/2010/main" xmlns:p15="http://schemas.microsoft.com/office/powerpoint/2012/main">
+<p:sldMaster xmlns:a="http://schemas.openxmlformats.org/drawingml/2006/main" xmlns:r="http://schemas.openxmlformats.org/officeDocument/2006/relationships" xmlns:p="http://schemas.openxmlformats.org/presentationml/2006/main">
   <p:cSld name="tropic">
     <p:bg>
       <p:bgPr>
         <a:solidFill>
           <a:schemeClr val="lt1"/>
         </a:solidFill>
+        <a:effectLst/>
       </p:bgPr>
     </p:bg>
     <p:spTree>
       <p:nvGrpSpPr>
-        <p:cNvPr id="5" name="Shape 5"/>
+        <p:cNvPr id="1" name="Shape 5"/>
         <p:cNvGrpSpPr/>
         <p:nvPr/>
       </p:nvGrpSpPr>
@@ -6038,7 +6190,9 @@
       <p:sp>
         <p:nvSpPr>
           <p:cNvPr id="6" name="Google Shape;6;p1"/>
-          <p:cNvSpPr txBox="1"/>
+          <p:cNvSpPr txBox="1">
+            <a:spLocks noGrp="1"/>
+          </p:cNvSpPr>
           <p:nvPr>
             <p:ph type="title"/>
           </p:nvPr>
@@ -6057,7 +6211,7 @@
           </a:ln>
         </p:spPr>
         <p:txBody>
-          <a:bodyPr anchorCtr="0" anchor="t" bIns="91425" lIns="91425" spcFirstLastPara="1" rIns="91425" wrap="square" tIns="91425">
+          <a:bodyPr spcFirstLastPara="1" wrap="square" lIns="91425" tIns="91425" rIns="91425" bIns="91425" anchor="t" anchorCtr="0">
             <a:noAutofit/>
           </a:bodyPr>
           <a:lstStyle>
@@ -6074,7 +6228,7 @@
               <a:buSzPts val="3600"/>
               <a:buFont typeface="PT Sans Narrow"/>
               <a:buNone/>
-              <a:defRPr b="1" sz="3600">
+              <a:defRPr sz="3600" b="1">
                 <a:solidFill>
                   <a:schemeClr val="accent1"/>
                 </a:solidFill>
@@ -6097,7 +6251,7 @@
               <a:buSzPts val="3600"/>
               <a:buFont typeface="PT Sans Narrow"/>
               <a:buNone/>
-              <a:defRPr b="1" sz="3600">
+              <a:defRPr sz="3600" b="1">
                 <a:solidFill>
                   <a:schemeClr val="accent1"/>
                 </a:solidFill>
@@ -6120,7 +6274,7 @@
               <a:buSzPts val="3600"/>
               <a:buFont typeface="PT Sans Narrow"/>
               <a:buNone/>
-              <a:defRPr b="1" sz="3600">
+              <a:defRPr sz="3600" b="1">
                 <a:solidFill>
                   <a:schemeClr val="accent1"/>
                 </a:solidFill>
@@ -6143,7 +6297,7 @@
               <a:buSzPts val="3600"/>
               <a:buFont typeface="PT Sans Narrow"/>
               <a:buNone/>
-              <a:defRPr b="1" sz="3600">
+              <a:defRPr sz="3600" b="1">
                 <a:solidFill>
                   <a:schemeClr val="accent1"/>
                 </a:solidFill>
@@ -6166,7 +6320,7 @@
               <a:buSzPts val="3600"/>
               <a:buFont typeface="PT Sans Narrow"/>
               <a:buNone/>
-              <a:defRPr b="1" sz="3600">
+              <a:defRPr sz="3600" b="1">
                 <a:solidFill>
                   <a:schemeClr val="accent1"/>
                 </a:solidFill>
@@ -6189,7 +6343,7 @@
               <a:buSzPts val="3600"/>
               <a:buFont typeface="PT Sans Narrow"/>
               <a:buNone/>
-              <a:defRPr b="1" sz="3600">
+              <a:defRPr sz="3600" b="1">
                 <a:solidFill>
                   <a:schemeClr val="accent1"/>
                 </a:solidFill>
@@ -6212,7 +6366,7 @@
               <a:buSzPts val="3600"/>
               <a:buFont typeface="PT Sans Narrow"/>
               <a:buNone/>
-              <a:defRPr b="1" sz="3600">
+              <a:defRPr sz="3600" b="1">
                 <a:solidFill>
                   <a:schemeClr val="accent1"/>
                 </a:solidFill>
@@ -6235,7 +6389,7 @@
               <a:buSzPts val="3600"/>
               <a:buFont typeface="PT Sans Narrow"/>
               <a:buNone/>
-              <a:defRPr b="1" sz="3600">
+              <a:defRPr sz="3600" b="1">
                 <a:solidFill>
                   <a:schemeClr val="accent1"/>
                 </a:solidFill>
@@ -6258,7 +6412,7 @@
               <a:buSzPts val="3600"/>
               <a:buFont typeface="PT Sans Narrow"/>
               <a:buNone/>
-              <a:defRPr b="1" sz="3600">
+              <a:defRPr sz="3600" b="1">
                 <a:solidFill>
                   <a:schemeClr val="accent1"/>
                 </a:solidFill>
@@ -6269,15 +6423,19 @@
               </a:defRPr>
             </a:lvl9pPr>
           </a:lstStyle>
-          <a:p/>
+          <a:p>
+            <a:endParaRPr/>
+          </a:p>
         </p:txBody>
       </p:sp>
       <p:sp>
         <p:nvSpPr>
           <p:cNvPr id="7" name="Google Shape;7;p1"/>
-          <p:cNvSpPr txBox="1"/>
+          <p:cNvSpPr txBox="1">
+            <a:spLocks noGrp="1"/>
+          </p:cNvSpPr>
           <p:nvPr>
-            <p:ph idx="1" type="body"/>
+            <p:ph type="body" idx="1"/>
           </p:nvPr>
         </p:nvSpPr>
         <p:spPr>
@@ -6294,11 +6452,11 @@
           </a:ln>
         </p:spPr>
         <p:txBody>
-          <a:bodyPr anchorCtr="0" anchor="t" bIns="91425" lIns="91425" spcFirstLastPara="1" rIns="91425" wrap="square" tIns="91425">
+          <a:bodyPr spcFirstLastPara="1" wrap="square" lIns="91425" tIns="91425" rIns="91425" bIns="91425" anchor="t" anchorCtr="0">
             <a:noAutofit/>
           </a:bodyPr>
           <a:lstStyle>
-            <a:lvl1pPr indent="-342900" lvl="0" marL="457200">
+            <a:lvl1pPr marL="457200" lvl="0" indent="-342900">
               <a:lnSpc>
                 <a:spcPct val="115000"/>
               </a:lnSpc>
@@ -6324,7 +6482,7 @@
                 <a:sym typeface="Open Sans"/>
               </a:defRPr>
             </a:lvl1pPr>
-            <a:lvl2pPr indent="-317500" lvl="1" marL="914400">
+            <a:lvl2pPr marL="914400" lvl="1" indent="-317500">
               <a:lnSpc>
                 <a:spcPct val="115000"/>
               </a:lnSpc>
@@ -6350,7 +6508,7 @@
                 <a:sym typeface="Open Sans"/>
               </a:defRPr>
             </a:lvl2pPr>
-            <a:lvl3pPr indent="-317500" lvl="2" marL="1371600">
+            <a:lvl3pPr marL="1371600" lvl="2" indent="-317500">
               <a:lnSpc>
                 <a:spcPct val="115000"/>
               </a:lnSpc>
@@ -6376,7 +6534,7 @@
                 <a:sym typeface="Open Sans"/>
               </a:defRPr>
             </a:lvl3pPr>
-            <a:lvl4pPr indent="-317500" lvl="3" marL="1828800">
+            <a:lvl4pPr marL="1828800" lvl="3" indent="-317500">
               <a:lnSpc>
                 <a:spcPct val="115000"/>
               </a:lnSpc>
@@ -6402,7 +6560,7 @@
                 <a:sym typeface="Open Sans"/>
               </a:defRPr>
             </a:lvl4pPr>
-            <a:lvl5pPr indent="-317500" lvl="4" marL="2286000">
+            <a:lvl5pPr marL="2286000" lvl="4" indent="-317500">
               <a:lnSpc>
                 <a:spcPct val="115000"/>
               </a:lnSpc>
@@ -6428,7 +6586,7 @@
                 <a:sym typeface="Open Sans"/>
               </a:defRPr>
             </a:lvl5pPr>
-            <a:lvl6pPr indent="-317500" lvl="5" marL="2743200">
+            <a:lvl6pPr marL="2743200" lvl="5" indent="-317500">
               <a:lnSpc>
                 <a:spcPct val="115000"/>
               </a:lnSpc>
@@ -6454,7 +6612,7 @@
                 <a:sym typeface="Open Sans"/>
               </a:defRPr>
             </a:lvl6pPr>
-            <a:lvl7pPr indent="-317500" lvl="6" marL="3200400">
+            <a:lvl7pPr marL="3200400" lvl="6" indent="-317500">
               <a:lnSpc>
                 <a:spcPct val="115000"/>
               </a:lnSpc>
@@ -6480,7 +6638,7 @@
                 <a:sym typeface="Open Sans"/>
               </a:defRPr>
             </a:lvl7pPr>
-            <a:lvl8pPr indent="-317500" lvl="7" marL="3657600">
+            <a:lvl8pPr marL="3657600" lvl="7" indent="-317500">
               <a:lnSpc>
                 <a:spcPct val="115000"/>
               </a:lnSpc>
@@ -6506,7 +6664,7 @@
                 <a:sym typeface="Open Sans"/>
               </a:defRPr>
             </a:lvl8pPr>
-            <a:lvl9pPr indent="-317500" lvl="8" marL="4114800">
+            <a:lvl9pPr marL="4114800" lvl="8" indent="-317500">
               <a:lnSpc>
                 <a:spcPct val="115000"/>
               </a:lnSpc>
@@ -6533,15 +6691,19 @@
               </a:defRPr>
             </a:lvl9pPr>
           </a:lstStyle>
-          <a:p/>
+          <a:p>
+            <a:endParaRPr/>
+          </a:p>
         </p:txBody>
       </p:sp>
       <p:sp>
         <p:nvSpPr>
           <p:cNvPr id="8" name="Google Shape;8;p1"/>
-          <p:cNvSpPr txBox="1"/>
+          <p:cNvSpPr txBox="1">
+            <a:spLocks noGrp="1"/>
+          </p:cNvSpPr>
           <p:nvPr>
-            <p:ph idx="12" type="sldNum"/>
+            <p:ph type="sldNum" idx="12"/>
           </p:nvPr>
         </p:nvSpPr>
         <p:spPr>
@@ -6558,7 +6720,7 @@
           </a:ln>
         </p:spPr>
         <p:txBody>
-          <a:bodyPr anchorCtr="0" anchor="ctr" bIns="91425" lIns="91425" spcFirstLastPara="1" rIns="91425" wrap="square" tIns="91425">
+          <a:bodyPr spcFirstLastPara="1" wrap="square" lIns="91425" tIns="91425" rIns="91425" bIns="91425" anchor="ctr" anchorCtr="0">
             <a:noAutofit/>
           </a:bodyPr>
           <a:lstStyle>
@@ -6672,7 +6834,7 @@
             </a:lvl9pPr>
           </a:lstStyle>
           <a:p>
-            <a:pPr indent="0" lvl="0" marL="0" rtl="0" algn="r">
+            <a:pPr marL="0" lvl="0" indent="0" algn="r" rtl="0">
               <a:spcBef>
                 <a:spcPts val="0"/>
               </a:spcBef>
@@ -6683,6 +6845,15 @@
             </a:pPr>
             <a:fld id="{00000000-1234-1234-1234-123412341234}" type="slidenum">
               <a:rPr lang="en"/>
+              <a:pPr marL="0" lvl="0" indent="0" algn="r" rtl="0">
+                <a:spcBef>
+                  <a:spcPts val="0"/>
+                </a:spcBef>
+                <a:spcAft>
+                  <a:spcPts val="0"/>
+                </a:spcAft>
+                <a:buNone/>
+              </a:pPr>
               <a:t>‹#›</a:t>
             </a:fld>
             <a:endParaRPr/>
@@ -6691,7 +6862,7 @@
       </p:sp>
     </p:spTree>
   </p:cSld>
-  <p:clrMap accent1="accent1" accent2="accent2" accent3="accent3" accent4="accent4" accent5="accent5" accent6="accent6" bg1="lt1" bg2="dk2" tx1="dk1" tx2="lt2" folHlink="folHlink" hlink="hlink"/>
+  <p:clrMap bg1="lt1" tx1="dk1" bg2="dk2" tx2="lt2" accent1="accent1" accent2="accent2" accent3="accent3" accent4="accent4" accent5="accent5" accent6="accent6" hlink="hlink" folHlink="folHlink"/>
   <p:sldLayoutIdLst>
     <p:sldLayoutId id="2147483648" r:id="rId1"/>
     <p:sldLayoutId id="2147483649" r:id="rId2"/>
@@ -6705,10 +6876,10 @@
     <p:sldLayoutId id="2147483657" r:id="rId10"/>
     <p:sldLayoutId id="2147483658" r:id="rId11"/>
   </p:sldLayoutIdLst>
-  <p:hf dt="0" ftr="0" hdr="0"/>
+  <p:hf hdr="0" ftr="0" dt="0"/>
   <p:txStyles>
     <p:titleStyle>
-      <a:defPPr lvl="0" marR="0" rtl="0" algn="l">
+      <a:defPPr marR="0" lvl="0" algn="l" rtl="0">
         <a:lnSpc>
           <a:spcPct val="100000"/>
         </a:lnSpc>
@@ -6719,7 +6890,7 @@
           <a:spcPts val="0"/>
         </a:spcAft>
       </a:defPPr>
-      <a:lvl1pPr lvl="0" marR="0" rtl="0" algn="l">
+      <a:lvl1pPr marR="0" lvl="0" algn="l" rtl="0">
         <a:lnSpc>
           <a:spcPct val="100000"/>
         </a:lnSpc>
@@ -6733,7 +6904,7 @@
           <a:srgbClr val="000000"/>
         </a:buClr>
         <a:buFont typeface="Arial"/>
-        <a:defRPr b="0" i="0" sz="1400" u="none" cap="none" strike="noStrike">
+        <a:defRPr sz="1400" b="0" i="0" u="none" strike="noStrike" cap="none">
           <a:solidFill>
             <a:srgbClr val="000000"/>
           </a:solidFill>
@@ -6743,7 +6914,7 @@
           <a:sym typeface="Arial"/>
         </a:defRPr>
       </a:lvl1pPr>
-      <a:lvl2pPr lvl="1" marR="0" rtl="0" algn="l">
+      <a:lvl2pPr marR="0" lvl="1" algn="l" rtl="0">
         <a:lnSpc>
           <a:spcPct val="100000"/>
         </a:lnSpc>
@@ -6757,7 +6928,7 @@
           <a:srgbClr val="000000"/>
         </a:buClr>
         <a:buFont typeface="Arial"/>
-        <a:defRPr b="0" i="0" sz="1400" u="none" cap="none" strike="noStrike">
+        <a:defRPr sz="1400" b="0" i="0" u="none" strike="noStrike" cap="none">
           <a:solidFill>
             <a:srgbClr val="000000"/>
           </a:solidFill>
@@ -6767,7 +6938,7 @@
           <a:sym typeface="Arial"/>
         </a:defRPr>
       </a:lvl2pPr>
-      <a:lvl3pPr lvl="2" marR="0" rtl="0" algn="l">
+      <a:lvl3pPr marR="0" lvl="2" algn="l" rtl="0">
         <a:lnSpc>
           <a:spcPct val="100000"/>
         </a:lnSpc>
@@ -6781,7 +6952,7 @@
           <a:srgbClr val="000000"/>
         </a:buClr>
         <a:buFont typeface="Arial"/>
-        <a:defRPr b="0" i="0" sz="1400" u="none" cap="none" strike="noStrike">
+        <a:defRPr sz="1400" b="0" i="0" u="none" strike="noStrike" cap="none">
           <a:solidFill>
             <a:srgbClr val="000000"/>
           </a:solidFill>
@@ -6791,7 +6962,7 @@
           <a:sym typeface="Arial"/>
         </a:defRPr>
       </a:lvl3pPr>
-      <a:lvl4pPr lvl="3" marR="0" rtl="0" algn="l">
+      <a:lvl4pPr marR="0" lvl="3" algn="l" rtl="0">
         <a:lnSpc>
           <a:spcPct val="100000"/>
         </a:lnSpc>
@@ -6805,7 +6976,7 @@
           <a:srgbClr val="000000"/>
         </a:buClr>
         <a:buFont typeface="Arial"/>
-        <a:defRPr b="0" i="0" sz="1400" u="none" cap="none" strike="noStrike">
+        <a:defRPr sz="1400" b="0" i="0" u="none" strike="noStrike" cap="none">
           <a:solidFill>
             <a:srgbClr val="000000"/>
           </a:solidFill>
@@ -6815,7 +6986,7 @@
           <a:sym typeface="Arial"/>
         </a:defRPr>
       </a:lvl4pPr>
-      <a:lvl5pPr lvl="4" marR="0" rtl="0" algn="l">
+      <a:lvl5pPr marR="0" lvl="4" algn="l" rtl="0">
         <a:lnSpc>
           <a:spcPct val="100000"/>
         </a:lnSpc>
@@ -6829,7 +7000,7 @@
           <a:srgbClr val="000000"/>
         </a:buClr>
         <a:buFont typeface="Arial"/>
-        <a:defRPr b="0" i="0" sz="1400" u="none" cap="none" strike="noStrike">
+        <a:defRPr sz="1400" b="0" i="0" u="none" strike="noStrike" cap="none">
           <a:solidFill>
             <a:srgbClr val="000000"/>
           </a:solidFill>
@@ -6839,7 +7010,7 @@
           <a:sym typeface="Arial"/>
         </a:defRPr>
       </a:lvl5pPr>
-      <a:lvl6pPr lvl="5" marR="0" rtl="0" algn="l">
+      <a:lvl6pPr marR="0" lvl="5" algn="l" rtl="0">
         <a:lnSpc>
           <a:spcPct val="100000"/>
         </a:lnSpc>
@@ -6853,7 +7024,7 @@
           <a:srgbClr val="000000"/>
         </a:buClr>
         <a:buFont typeface="Arial"/>
-        <a:defRPr b="0" i="0" sz="1400" u="none" cap="none" strike="noStrike">
+        <a:defRPr sz="1400" b="0" i="0" u="none" strike="noStrike" cap="none">
           <a:solidFill>
             <a:srgbClr val="000000"/>
           </a:solidFill>
@@ -6863,7 +7034,7 @@
           <a:sym typeface="Arial"/>
         </a:defRPr>
       </a:lvl6pPr>
-      <a:lvl7pPr lvl="6" marR="0" rtl="0" algn="l">
+      <a:lvl7pPr marR="0" lvl="6" algn="l" rtl="0">
         <a:lnSpc>
           <a:spcPct val="100000"/>
         </a:lnSpc>
@@ -6877,7 +7048,7 @@
           <a:srgbClr val="000000"/>
         </a:buClr>
         <a:buFont typeface="Arial"/>
-        <a:defRPr b="0" i="0" sz="1400" u="none" cap="none" strike="noStrike">
+        <a:defRPr sz="1400" b="0" i="0" u="none" strike="noStrike" cap="none">
           <a:solidFill>
             <a:srgbClr val="000000"/>
           </a:solidFill>
@@ -6887,7 +7058,7 @@
           <a:sym typeface="Arial"/>
         </a:defRPr>
       </a:lvl7pPr>
-      <a:lvl8pPr lvl="7" marR="0" rtl="0" algn="l">
+      <a:lvl8pPr marR="0" lvl="7" algn="l" rtl="0">
         <a:lnSpc>
           <a:spcPct val="100000"/>
         </a:lnSpc>
@@ -6901,7 +7072,7 @@
           <a:srgbClr val="000000"/>
         </a:buClr>
         <a:buFont typeface="Arial"/>
-        <a:defRPr b="0" i="0" sz="1400" u="none" cap="none" strike="noStrike">
+        <a:defRPr sz="1400" b="0" i="0" u="none" strike="noStrike" cap="none">
           <a:solidFill>
             <a:srgbClr val="000000"/>
           </a:solidFill>
@@ -6911,7 +7082,7 @@
           <a:sym typeface="Arial"/>
         </a:defRPr>
       </a:lvl8pPr>
-      <a:lvl9pPr lvl="8" marR="0" rtl="0" algn="l">
+      <a:lvl9pPr marR="0" lvl="8" algn="l" rtl="0">
         <a:lnSpc>
           <a:spcPct val="100000"/>
         </a:lnSpc>
@@ -6925,7 +7096,7 @@
           <a:srgbClr val="000000"/>
         </a:buClr>
         <a:buFont typeface="Arial"/>
-        <a:defRPr b="0" i="0" sz="1400" u="none" cap="none" strike="noStrike">
+        <a:defRPr sz="1400" b="0" i="0" u="none" strike="noStrike" cap="none">
           <a:solidFill>
             <a:srgbClr val="000000"/>
           </a:solidFill>
@@ -6937,7 +7108,7 @@
       </a:lvl9pPr>
     </p:titleStyle>
     <p:bodyStyle>
-      <a:defPPr lvl="0" marR="0" rtl="0" algn="l">
+      <a:defPPr marR="0" lvl="0" algn="l" rtl="0">
         <a:lnSpc>
           <a:spcPct val="100000"/>
         </a:lnSpc>
@@ -6948,7 +7119,7 @@
           <a:spcPts val="0"/>
         </a:spcAft>
       </a:defPPr>
-      <a:lvl1pPr lvl="0" marR="0" rtl="0" algn="l">
+      <a:lvl1pPr marR="0" lvl="0" algn="l" rtl="0">
         <a:lnSpc>
           <a:spcPct val="100000"/>
         </a:lnSpc>
@@ -6962,7 +7133,7 @@
           <a:srgbClr val="000000"/>
         </a:buClr>
         <a:buFont typeface="Arial"/>
-        <a:defRPr b="0" i="0" sz="1400" u="none" cap="none" strike="noStrike">
+        <a:defRPr sz="1400" b="0" i="0" u="none" strike="noStrike" cap="none">
           <a:solidFill>
             <a:srgbClr val="000000"/>
           </a:solidFill>
@@ -6972,7 +7143,7 @@
           <a:sym typeface="Arial"/>
         </a:defRPr>
       </a:lvl1pPr>
-      <a:lvl2pPr lvl="1" marR="0" rtl="0" algn="l">
+      <a:lvl2pPr marR="0" lvl="1" algn="l" rtl="0">
         <a:lnSpc>
           <a:spcPct val="100000"/>
         </a:lnSpc>
@@ -6986,7 +7157,7 @@
           <a:srgbClr val="000000"/>
         </a:buClr>
         <a:buFont typeface="Arial"/>
-        <a:defRPr b="0" i="0" sz="1400" u="none" cap="none" strike="noStrike">
+        <a:defRPr sz="1400" b="0" i="0" u="none" strike="noStrike" cap="none">
           <a:solidFill>
             <a:srgbClr val="000000"/>
           </a:solidFill>
@@ -6996,7 +7167,7 @@
           <a:sym typeface="Arial"/>
         </a:defRPr>
       </a:lvl2pPr>
-      <a:lvl3pPr lvl="2" marR="0" rtl="0" algn="l">
+      <a:lvl3pPr marR="0" lvl="2" algn="l" rtl="0">
         <a:lnSpc>
           <a:spcPct val="100000"/>
         </a:lnSpc>
@@ -7010,7 +7181,7 @@
           <a:srgbClr val="000000"/>
         </a:buClr>
         <a:buFont typeface="Arial"/>
-        <a:defRPr b="0" i="0" sz="1400" u="none" cap="none" strike="noStrike">
+        <a:defRPr sz="1400" b="0" i="0" u="none" strike="noStrike" cap="none">
           <a:solidFill>
             <a:srgbClr val="000000"/>
           </a:solidFill>
@@ -7020,7 +7191,7 @@
           <a:sym typeface="Arial"/>
         </a:defRPr>
       </a:lvl3pPr>
-      <a:lvl4pPr lvl="3" marR="0" rtl="0" algn="l">
+      <a:lvl4pPr marR="0" lvl="3" algn="l" rtl="0">
         <a:lnSpc>
           <a:spcPct val="100000"/>
         </a:lnSpc>
@@ -7034,7 +7205,7 @@
           <a:srgbClr val="000000"/>
         </a:buClr>
         <a:buFont typeface="Arial"/>
-        <a:defRPr b="0" i="0" sz="1400" u="none" cap="none" strike="noStrike">
+        <a:defRPr sz="1400" b="0" i="0" u="none" strike="noStrike" cap="none">
           <a:solidFill>
             <a:srgbClr val="000000"/>
           </a:solidFill>
@@ -7044,7 +7215,7 @@
           <a:sym typeface="Arial"/>
         </a:defRPr>
       </a:lvl4pPr>
-      <a:lvl5pPr lvl="4" marR="0" rtl="0" algn="l">
+      <a:lvl5pPr marR="0" lvl="4" algn="l" rtl="0">
         <a:lnSpc>
           <a:spcPct val="100000"/>
         </a:lnSpc>
@@ -7058,7 +7229,7 @@
           <a:srgbClr val="000000"/>
         </a:buClr>
         <a:buFont typeface="Arial"/>
-        <a:defRPr b="0" i="0" sz="1400" u="none" cap="none" strike="noStrike">
+        <a:defRPr sz="1400" b="0" i="0" u="none" strike="noStrike" cap="none">
           <a:solidFill>
             <a:srgbClr val="000000"/>
           </a:solidFill>
@@ -7068,7 +7239,7 @@
           <a:sym typeface="Arial"/>
         </a:defRPr>
       </a:lvl5pPr>
-      <a:lvl6pPr lvl="5" marR="0" rtl="0" algn="l">
+      <a:lvl6pPr marR="0" lvl="5" algn="l" rtl="0">
         <a:lnSpc>
           <a:spcPct val="100000"/>
         </a:lnSpc>
@@ -7082,7 +7253,7 @@
           <a:srgbClr val="000000"/>
         </a:buClr>
         <a:buFont typeface="Arial"/>
-        <a:defRPr b="0" i="0" sz="1400" u="none" cap="none" strike="noStrike">
+        <a:defRPr sz="1400" b="0" i="0" u="none" strike="noStrike" cap="none">
           <a:solidFill>
             <a:srgbClr val="000000"/>
           </a:solidFill>
@@ -7092,7 +7263,7 @@
           <a:sym typeface="Arial"/>
         </a:defRPr>
       </a:lvl6pPr>
-      <a:lvl7pPr lvl="6" marR="0" rtl="0" algn="l">
+      <a:lvl7pPr marR="0" lvl="6" algn="l" rtl="0">
         <a:lnSpc>
           <a:spcPct val="100000"/>
         </a:lnSpc>
@@ -7106,7 +7277,7 @@
           <a:srgbClr val="000000"/>
         </a:buClr>
         <a:buFont typeface="Arial"/>
-        <a:defRPr b="0" i="0" sz="1400" u="none" cap="none" strike="noStrike">
+        <a:defRPr sz="1400" b="0" i="0" u="none" strike="noStrike" cap="none">
           <a:solidFill>
             <a:srgbClr val="000000"/>
           </a:solidFill>
@@ -7116,7 +7287,7 @@
           <a:sym typeface="Arial"/>
         </a:defRPr>
       </a:lvl7pPr>
-      <a:lvl8pPr lvl="7" marR="0" rtl="0" algn="l">
+      <a:lvl8pPr marR="0" lvl="7" algn="l" rtl="0">
         <a:lnSpc>
           <a:spcPct val="100000"/>
         </a:lnSpc>
@@ -7130,7 +7301,7 @@
           <a:srgbClr val="000000"/>
         </a:buClr>
         <a:buFont typeface="Arial"/>
-        <a:defRPr b="0" i="0" sz="1400" u="none" cap="none" strike="noStrike">
+        <a:defRPr sz="1400" b="0" i="0" u="none" strike="noStrike" cap="none">
           <a:solidFill>
             <a:srgbClr val="000000"/>
           </a:solidFill>
@@ -7140,7 +7311,7 @@
           <a:sym typeface="Arial"/>
         </a:defRPr>
       </a:lvl8pPr>
-      <a:lvl9pPr lvl="8" marR="0" rtl="0" algn="l">
+      <a:lvl9pPr marR="0" lvl="8" algn="l" rtl="0">
         <a:lnSpc>
           <a:spcPct val="100000"/>
         </a:lnSpc>
@@ -7154,7 +7325,7 @@
           <a:srgbClr val="000000"/>
         </a:buClr>
         <a:buFont typeface="Arial"/>
-        <a:defRPr b="0" i="0" sz="1400" u="none" cap="none" strike="noStrike">
+        <a:defRPr sz="1400" b="0" i="0" u="none" strike="noStrike" cap="none">
           <a:solidFill>
             <a:srgbClr val="000000"/>
           </a:solidFill>
@@ -7166,7 +7337,7 @@
       </a:lvl9pPr>
     </p:bodyStyle>
     <p:otherStyle>
-      <a:defPPr lvl="0" marR="0" rtl="0" algn="l">
+      <a:defPPr marR="0" lvl="0" algn="l" rtl="0">
         <a:lnSpc>
           <a:spcPct val="100000"/>
         </a:lnSpc>
@@ -7177,7 +7348,7 @@
           <a:spcPts val="0"/>
         </a:spcAft>
       </a:defPPr>
-      <a:lvl1pPr lvl="0" marR="0" rtl="0" algn="l">
+      <a:lvl1pPr marR="0" lvl="0" algn="l" rtl="0">
         <a:lnSpc>
           <a:spcPct val="100000"/>
         </a:lnSpc>
@@ -7191,7 +7362,7 @@
           <a:srgbClr val="000000"/>
         </a:buClr>
         <a:buFont typeface="Arial"/>
-        <a:defRPr b="0" i="0" sz="1400" u="none" cap="none" strike="noStrike">
+        <a:defRPr sz="1400" b="0" i="0" u="none" strike="noStrike" cap="none">
           <a:solidFill>
             <a:srgbClr val="000000"/>
           </a:solidFill>
@@ -7201,7 +7372,7 @@
           <a:sym typeface="Arial"/>
         </a:defRPr>
       </a:lvl1pPr>
-      <a:lvl2pPr lvl="1" marR="0" rtl="0" algn="l">
+      <a:lvl2pPr marR="0" lvl="1" algn="l" rtl="0">
         <a:lnSpc>
           <a:spcPct val="100000"/>
         </a:lnSpc>
@@ -7215,7 +7386,7 @@
           <a:srgbClr val="000000"/>
         </a:buClr>
         <a:buFont typeface="Arial"/>
-        <a:defRPr b="0" i="0" sz="1400" u="none" cap="none" strike="noStrike">
+        <a:defRPr sz="1400" b="0" i="0" u="none" strike="noStrike" cap="none">
           <a:solidFill>
             <a:srgbClr val="000000"/>
           </a:solidFill>
@@ -7225,7 +7396,7 @@
           <a:sym typeface="Arial"/>
         </a:defRPr>
       </a:lvl2pPr>
-      <a:lvl3pPr lvl="2" marR="0" rtl="0" algn="l">
+      <a:lvl3pPr marR="0" lvl="2" algn="l" rtl="0">
         <a:lnSpc>
           <a:spcPct val="100000"/>
         </a:lnSpc>
@@ -7239,7 +7410,7 @@
           <a:srgbClr val="000000"/>
         </a:buClr>
         <a:buFont typeface="Arial"/>
-        <a:defRPr b="0" i="0" sz="1400" u="none" cap="none" strike="noStrike">
+        <a:defRPr sz="1400" b="0" i="0" u="none" strike="noStrike" cap="none">
           <a:solidFill>
             <a:srgbClr val="000000"/>
           </a:solidFill>
@@ -7249,7 +7420,7 @@
           <a:sym typeface="Arial"/>
         </a:defRPr>
       </a:lvl3pPr>
-      <a:lvl4pPr lvl="3" marR="0" rtl="0" algn="l">
+      <a:lvl4pPr marR="0" lvl="3" algn="l" rtl="0">
         <a:lnSpc>
           <a:spcPct val="100000"/>
         </a:lnSpc>
@@ -7263,7 +7434,7 @@
           <a:srgbClr val="000000"/>
         </a:buClr>
         <a:buFont typeface="Arial"/>
-        <a:defRPr b="0" i="0" sz="1400" u="none" cap="none" strike="noStrike">
+        <a:defRPr sz="1400" b="0" i="0" u="none" strike="noStrike" cap="none">
           <a:solidFill>
             <a:srgbClr val="000000"/>
           </a:solidFill>
@@ -7273,7 +7444,7 @@
           <a:sym typeface="Arial"/>
         </a:defRPr>
       </a:lvl4pPr>
-      <a:lvl5pPr lvl="4" marR="0" rtl="0" algn="l">
+      <a:lvl5pPr marR="0" lvl="4" algn="l" rtl="0">
         <a:lnSpc>
           <a:spcPct val="100000"/>
         </a:lnSpc>
@@ -7287,7 +7458,7 @@
           <a:srgbClr val="000000"/>
         </a:buClr>
         <a:buFont typeface="Arial"/>
-        <a:defRPr b="0" i="0" sz="1400" u="none" cap="none" strike="noStrike">
+        <a:defRPr sz="1400" b="0" i="0" u="none" strike="noStrike" cap="none">
           <a:solidFill>
             <a:srgbClr val="000000"/>
           </a:solidFill>
@@ -7297,7 +7468,7 @@
           <a:sym typeface="Arial"/>
         </a:defRPr>
       </a:lvl5pPr>
-      <a:lvl6pPr lvl="5" marR="0" rtl="0" algn="l">
+      <a:lvl6pPr marR="0" lvl="5" algn="l" rtl="0">
         <a:lnSpc>
           <a:spcPct val="100000"/>
         </a:lnSpc>
@@ -7311,7 +7482,7 @@
           <a:srgbClr val="000000"/>
         </a:buClr>
         <a:buFont typeface="Arial"/>
-        <a:defRPr b="0" i="0" sz="1400" u="none" cap="none" strike="noStrike">
+        <a:defRPr sz="1400" b="0" i="0" u="none" strike="noStrike" cap="none">
           <a:solidFill>
             <a:srgbClr val="000000"/>
           </a:solidFill>
@@ -7321,7 +7492,7 @@
           <a:sym typeface="Arial"/>
         </a:defRPr>
       </a:lvl6pPr>
-      <a:lvl7pPr lvl="6" marR="0" rtl="0" algn="l">
+      <a:lvl7pPr marR="0" lvl="6" algn="l" rtl="0">
         <a:lnSpc>
           <a:spcPct val="100000"/>
         </a:lnSpc>
@@ -7335,7 +7506,7 @@
           <a:srgbClr val="000000"/>
         </a:buClr>
         <a:buFont typeface="Arial"/>
-        <a:defRPr b="0" i="0" sz="1400" u="none" cap="none" strike="noStrike">
+        <a:defRPr sz="1400" b="0" i="0" u="none" strike="noStrike" cap="none">
           <a:solidFill>
             <a:srgbClr val="000000"/>
           </a:solidFill>
@@ -7345,7 +7516,7 @@
           <a:sym typeface="Arial"/>
         </a:defRPr>
       </a:lvl7pPr>
-      <a:lvl8pPr lvl="7" marR="0" rtl="0" algn="l">
+      <a:lvl8pPr marR="0" lvl="7" algn="l" rtl="0">
         <a:lnSpc>
           <a:spcPct val="100000"/>
         </a:lnSpc>
@@ -7359,7 +7530,7 @@
           <a:srgbClr val="000000"/>
         </a:buClr>
         <a:buFont typeface="Arial"/>
-        <a:defRPr b="0" i="0" sz="1400" u="none" cap="none" strike="noStrike">
+        <a:defRPr sz="1400" b="0" i="0" u="none" strike="noStrike" cap="none">
           <a:solidFill>
             <a:srgbClr val="000000"/>
           </a:solidFill>
@@ -7369,7 +7540,7 @@
           <a:sym typeface="Arial"/>
         </a:defRPr>
       </a:lvl8pPr>
-      <a:lvl9pPr lvl="8" marR="0" rtl="0" algn="l">
+      <a:lvl9pPr marR="0" lvl="8" algn="l" rtl="0">
         <a:lnSpc>
           <a:spcPct val="100000"/>
         </a:lnSpc>
@@ -7383,7 +7554,7 @@
           <a:srgbClr val="000000"/>
         </a:buClr>
         <a:buFont typeface="Arial"/>
-        <a:defRPr b="0" i="0" sz="1400" u="none" cap="none" strike="noStrike">
+        <a:defRPr sz="1400" b="0" i="0" u="none" strike="noStrike" cap="none">
           <a:solidFill>
             <a:srgbClr val="000000"/>
           </a:solidFill>
@@ -7399,11 +7570,11 @@
 </file>
 
 <file path=ppt/slides/slide1.xml><?xml version="1.0" encoding="utf-8"?>
-<p:sld xmlns:a="http://schemas.openxmlformats.org/drawingml/2006/main" xmlns:r="http://schemas.openxmlformats.org/officeDocument/2006/relationships" xmlns:mc="http://schemas.openxmlformats.org/markup-compatibility/2006" xmlns:mv="urn:schemas-microsoft-com:mac:vml" xmlns:p="http://schemas.openxmlformats.org/presentationml/2006/main" xmlns:c="http://schemas.openxmlformats.org/drawingml/2006/chart" xmlns:dgm="http://schemas.openxmlformats.org/drawingml/2006/diagram" xmlns:o="urn:schemas-microsoft-com:office:office" xmlns:v="urn:schemas-microsoft-com:vml" xmlns:pvml="urn:schemas-microsoft-com:office:powerpoint" xmlns:com="http://schemas.openxmlformats.org/drawingml/2006/compatibility" xmlns:p14="http://schemas.microsoft.com/office/powerpoint/2010/main" xmlns:p15="http://schemas.microsoft.com/office/powerpoint/2012/main">
+<p:sld xmlns:a="http://schemas.openxmlformats.org/drawingml/2006/main" xmlns:r="http://schemas.openxmlformats.org/officeDocument/2006/relationships" xmlns:p="http://schemas.openxmlformats.org/presentationml/2006/main">
   <p:cSld>
     <p:spTree>
       <p:nvGrpSpPr>
-        <p:cNvPr id="65" name="Shape 65"/>
+        <p:cNvPr id="1" name="Shape 65"/>
         <p:cNvGrpSpPr/>
         <p:nvPr/>
       </p:nvGrpSpPr>
@@ -7418,7 +7589,9 @@
       <p:sp>
         <p:nvSpPr>
           <p:cNvPr id="66" name="Google Shape;66;p13"/>
-          <p:cNvSpPr txBox="1"/>
+          <p:cNvSpPr txBox="1">
+            <a:spLocks noGrp="1"/>
+          </p:cNvSpPr>
           <p:nvPr>
             <p:ph type="ctrTitle"/>
           </p:nvPr>
@@ -7433,12 +7606,12 @@
           </a:prstGeom>
         </p:spPr>
         <p:txBody>
-          <a:bodyPr anchorCtr="0" anchor="b" bIns="91425" lIns="91425" spcFirstLastPara="1" rIns="91425" wrap="square" tIns="91425">
+          <a:bodyPr spcFirstLastPara="1" wrap="square" lIns="91425" tIns="91425" rIns="91425" bIns="91425" anchor="b" anchorCtr="0">
             <a:noAutofit/>
           </a:bodyPr>
           <a:lstStyle/>
           <a:p>
-            <a:pPr indent="0" lvl="0" marL="0" rtl="0" algn="ctr">
+            <a:pPr marL="0" lvl="0" indent="0" algn="ctr" rtl="0">
               <a:spcBef>
                 <a:spcPts val="0"/>
               </a:spcBef>
@@ -7458,9 +7631,11 @@
       <p:sp>
         <p:nvSpPr>
           <p:cNvPr id="67" name="Google Shape;67;p13"/>
-          <p:cNvSpPr txBox="1"/>
+          <p:cNvSpPr txBox="1">
+            <a:spLocks noGrp="1"/>
+          </p:cNvSpPr>
           <p:nvPr>
-            <p:ph idx="1" type="subTitle"/>
+            <p:ph type="subTitle" idx="1"/>
           </p:nvPr>
         </p:nvSpPr>
         <p:spPr>
@@ -7473,12 +7648,12 @@
           </a:prstGeom>
         </p:spPr>
         <p:txBody>
-          <a:bodyPr anchorCtr="0" anchor="t" bIns="91425" lIns="91425" spcFirstLastPara="1" rIns="91425" wrap="square" tIns="91425">
+          <a:bodyPr spcFirstLastPara="1" wrap="square" lIns="91425" tIns="91425" rIns="91425" bIns="91425" anchor="t" anchorCtr="0">
             <a:noAutofit/>
           </a:bodyPr>
           <a:lstStyle/>
           <a:p>
-            <a:pPr indent="0" lvl="0" marL="0" rtl="0" algn="ctr">
+            <a:pPr marL="0" lvl="0" indent="0" algn="ctr" rtl="0">
               <a:spcBef>
                 <a:spcPts val="0"/>
               </a:spcBef>
@@ -7543,12 +7718,12 @@
           </a:ln>
         </p:spPr>
         <p:txBody>
-          <a:bodyPr anchorCtr="0" anchor="t" bIns="91425" lIns="91425" spcFirstLastPara="1" rIns="91425" wrap="square" tIns="91425">
+          <a:bodyPr spcFirstLastPara="1" wrap="square" lIns="91425" tIns="91425" rIns="91425" bIns="91425" anchor="t" anchorCtr="0">
             <a:noAutofit/>
           </a:bodyPr>
           <a:lstStyle/>
           <a:p>
-            <a:pPr indent="0" lvl="0" marL="0" rtl="0" algn="l">
+            <a:pPr marL="0" lvl="0" indent="0" algn="l" rtl="0">
               <a:spcBef>
                 <a:spcPts val="0"/>
               </a:spcBef>
@@ -7558,7 +7733,7 @@
               <a:buNone/>
             </a:pPr>
             <a:r>
-              <a:rPr b="1" lang="en">
+              <a:rPr lang="en" b="1">
                 <a:solidFill>
                   <a:schemeClr val="accent3"/>
                 </a:solidFill>
@@ -7567,19 +7742,7 @@
                 <a:cs typeface="Open Sans"/>
                 <a:sym typeface="Open Sans"/>
               </a:rPr>
-              <a:t> Jiawei XU        </a:t>
-            </a:r>
-            <a:r>
-              <a:rPr b="1" lang="en">
-                <a:solidFill>
-                  <a:schemeClr val="accent3"/>
-                </a:solidFill>
-                <a:latin typeface="Open Sans"/>
-                <a:ea typeface="Open Sans"/>
-                <a:cs typeface="Open Sans"/>
-                <a:sym typeface="Open Sans"/>
-              </a:rPr>
-              <a:t>Malshani R.G</a:t>
+              <a:t> Jiawei XU        Malshani R.G</a:t>
             </a:r>
             <a:endParaRPr b="1">
               <a:solidFill>
@@ -7602,11 +7765,11 @@
 </file>
 
 <file path=ppt/slides/slide10.xml><?xml version="1.0" encoding="utf-8"?>
-<p:sld xmlns:a="http://schemas.openxmlformats.org/drawingml/2006/main" xmlns:r="http://schemas.openxmlformats.org/officeDocument/2006/relationships" xmlns:mc="http://schemas.openxmlformats.org/markup-compatibility/2006" xmlns:mv="urn:schemas-microsoft-com:mac:vml" xmlns:p="http://schemas.openxmlformats.org/presentationml/2006/main" xmlns:c="http://schemas.openxmlformats.org/drawingml/2006/chart" xmlns:dgm="http://schemas.openxmlformats.org/drawingml/2006/diagram" xmlns:o="urn:schemas-microsoft-com:office:office" xmlns:v="urn:schemas-microsoft-com:vml" xmlns:pvml="urn:schemas-microsoft-com:office:powerpoint" xmlns:com="http://schemas.openxmlformats.org/drawingml/2006/compatibility" xmlns:p14="http://schemas.microsoft.com/office/powerpoint/2010/main" xmlns:p15="http://schemas.microsoft.com/office/powerpoint/2012/main" show="0">
+<p:sld xmlns:a="http://schemas.openxmlformats.org/drawingml/2006/main" xmlns:r="http://schemas.openxmlformats.org/officeDocument/2006/relationships" xmlns:p="http://schemas.openxmlformats.org/presentationml/2006/main" show="0">
   <p:cSld>
     <p:spTree>
       <p:nvGrpSpPr>
-        <p:cNvPr id="152" name="Shape 152"/>
+        <p:cNvPr id="1" name="Shape 152"/>
         <p:cNvGrpSpPr/>
         <p:nvPr/>
       </p:nvGrpSpPr>
@@ -7621,7 +7784,9 @@
       <p:sp>
         <p:nvSpPr>
           <p:cNvPr id="153" name="Google Shape;153;p22"/>
-          <p:cNvSpPr txBox="1"/>
+          <p:cNvSpPr txBox="1">
+            <a:spLocks noGrp="1"/>
+          </p:cNvSpPr>
           <p:nvPr>
             <p:ph type="title"/>
           </p:nvPr>
@@ -7636,12 +7801,12 @@
           </a:prstGeom>
         </p:spPr>
         <p:txBody>
-          <a:bodyPr anchorCtr="0" anchor="ctr" bIns="91425" lIns="91425" spcFirstLastPara="1" rIns="91425" wrap="square" tIns="91425">
+          <a:bodyPr spcFirstLastPara="1" wrap="square" lIns="91425" tIns="91425" rIns="91425" bIns="91425" anchor="ctr" anchorCtr="0">
             <a:noAutofit/>
           </a:bodyPr>
           <a:lstStyle/>
           <a:p>
-            <a:pPr indent="0" lvl="0" marL="0" rtl="0" algn="ctr">
+            <a:pPr marL="0" lvl="0" indent="0" algn="ctr" rtl="0">
               <a:spcBef>
                 <a:spcPts val="0"/>
               </a:spcBef>
@@ -7678,12 +7843,12 @@
           </a:ln>
         </p:spPr>
         <p:txBody>
-          <a:bodyPr anchorCtr="0" anchor="t" bIns="91425" lIns="91425" spcFirstLastPara="1" rIns="91425" wrap="square" tIns="91425">
+          <a:bodyPr spcFirstLastPara="1" wrap="square" lIns="91425" tIns="91425" rIns="91425" bIns="91425" anchor="t" anchorCtr="0">
             <a:noAutofit/>
           </a:bodyPr>
           <a:lstStyle/>
           <a:p>
-            <a:pPr indent="0" lvl="0" marL="0" rtl="0" algn="l">
+            <a:pPr marL="0" lvl="0" indent="0" algn="l" rtl="0">
               <a:spcBef>
                 <a:spcPts val="0"/>
               </a:spcBef>
@@ -7713,9 +7878,11 @@
       <p:sp>
         <p:nvSpPr>
           <p:cNvPr id="155" name="Google Shape;155;p22"/>
-          <p:cNvSpPr txBox="1"/>
+          <p:cNvSpPr txBox="1">
+            <a:spLocks noGrp="1"/>
+          </p:cNvSpPr>
           <p:nvPr>
-            <p:ph idx="12" type="sldNum"/>
+            <p:ph type="sldNum" idx="12"/>
           </p:nvPr>
         </p:nvSpPr>
         <p:spPr>
@@ -7728,12 +7895,12 @@
           </a:prstGeom>
         </p:spPr>
         <p:txBody>
-          <a:bodyPr anchorCtr="0" anchor="ctr" bIns="91425" lIns="91425" spcFirstLastPara="1" rIns="91425" wrap="square" tIns="91425">
+          <a:bodyPr spcFirstLastPara="1" wrap="square" lIns="91425" tIns="91425" rIns="91425" bIns="91425" anchor="ctr" anchorCtr="0">
             <a:noAutofit/>
           </a:bodyPr>
           <a:lstStyle/>
           <a:p>
-            <a:pPr indent="0" lvl="0" marL="0" rtl="0" algn="r">
+            <a:pPr marL="0" lvl="0" indent="0" algn="r" rtl="0">
               <a:spcBef>
                 <a:spcPts val="0"/>
               </a:spcBef>
@@ -7744,7 +7911,16 @@
             </a:pPr>
             <a:fld id="{00000000-1234-1234-1234-123412341234}" type="slidenum">
               <a:rPr lang="en"/>
-              <a:t>‹#›</a:t>
+              <a:pPr marL="0" lvl="0" indent="0" algn="r" rtl="0">
+                <a:spcBef>
+                  <a:spcPts val="0"/>
+                </a:spcBef>
+                <a:spcAft>
+                  <a:spcPts val="0"/>
+                </a:spcAft>
+                <a:buNone/>
+              </a:pPr>
+              <a:t>10</a:t>
             </a:fld>
             <a:endParaRPr/>
           </a:p>
@@ -7755,15 +7931,16 @@
   <p:clrMapOvr>
     <a:masterClrMapping/>
   </p:clrMapOvr>
+  <p:transition/>
 </p:sld>
 </file>
 
 <file path=ppt/slides/slide11.xml><?xml version="1.0" encoding="utf-8"?>
-<p:sld xmlns:a="http://schemas.openxmlformats.org/drawingml/2006/main" xmlns:r="http://schemas.openxmlformats.org/officeDocument/2006/relationships" xmlns:mc="http://schemas.openxmlformats.org/markup-compatibility/2006" xmlns:mv="urn:schemas-microsoft-com:mac:vml" xmlns:p="http://schemas.openxmlformats.org/presentationml/2006/main" xmlns:c="http://schemas.openxmlformats.org/drawingml/2006/chart" xmlns:dgm="http://schemas.openxmlformats.org/drawingml/2006/diagram" xmlns:o="urn:schemas-microsoft-com:office:office" xmlns:v="urn:schemas-microsoft-com:vml" xmlns:pvml="urn:schemas-microsoft-com:office:powerpoint" xmlns:com="http://schemas.openxmlformats.org/drawingml/2006/compatibility" xmlns:p14="http://schemas.microsoft.com/office/powerpoint/2010/main" xmlns:p15="http://schemas.microsoft.com/office/powerpoint/2012/main">
+<p:sld xmlns:a="http://schemas.openxmlformats.org/drawingml/2006/main" xmlns:r="http://schemas.openxmlformats.org/officeDocument/2006/relationships" xmlns:p="http://schemas.openxmlformats.org/presentationml/2006/main">
   <p:cSld>
     <p:spTree>
       <p:nvGrpSpPr>
-        <p:cNvPr id="159" name="Shape 159"/>
+        <p:cNvPr id="1" name="Shape 159"/>
         <p:cNvGrpSpPr/>
         <p:nvPr/>
       </p:nvGrpSpPr>
@@ -7778,9 +7955,11 @@
       <p:sp>
         <p:nvSpPr>
           <p:cNvPr id="160" name="Google Shape;160;p23"/>
-          <p:cNvSpPr txBox="1"/>
+          <p:cNvSpPr txBox="1">
+            <a:spLocks noGrp="1"/>
+          </p:cNvSpPr>
           <p:nvPr>
-            <p:ph idx="1" type="subTitle"/>
+            <p:ph type="subTitle" idx="1"/>
           </p:nvPr>
         </p:nvSpPr>
         <p:spPr>
@@ -7793,12 +7972,12 @@
           </a:prstGeom>
         </p:spPr>
         <p:txBody>
-          <a:bodyPr anchorCtr="0" anchor="t" bIns="91425" lIns="91425" spcFirstLastPara="1" rIns="91425" wrap="square" tIns="91425">
+          <a:bodyPr spcFirstLastPara="1" wrap="square" lIns="91425" tIns="91425" rIns="91425" bIns="91425" anchor="t" anchorCtr="0">
             <a:noAutofit/>
           </a:bodyPr>
           <a:lstStyle/>
           <a:p>
-            <a:pPr indent="457200" lvl="0" marL="0" rtl="0" algn="l">
+            <a:pPr marL="0" lvl="0" indent="457200" algn="l" rtl="0">
               <a:spcBef>
                 <a:spcPts val="0"/>
               </a:spcBef>
@@ -7809,35 +7988,23 @@
             </a:pPr>
             <a:r>
               <a:rPr lang="en"/>
-              <a:t>Easily </a:t>
+              <a:t>Easily extensible to new city and meet different data formats of cities’ public bicycle sharing website.</a:t>
             </a:r>
+            <a:endParaRPr/>
+          </a:p>
+          <a:p>
+            <a:pPr marL="0" lvl="0" indent="457200" algn="l" rtl="0">
+              <a:spcBef>
+                <a:spcPts val="0"/>
+              </a:spcBef>
+              <a:spcAft>
+                <a:spcPts val="0"/>
+              </a:spcAft>
+              <a:buNone/>
+            </a:pPr>
             <a:r>
               <a:rPr lang="en"/>
-              <a:t>extensible to new city and</a:t>
-            </a:r>
-            <a:r>
-              <a:rPr lang="en"/>
-              <a:t> meet different data formats of cities’ public bicycle sharing website.</a:t>
-            </a:r>
-            <a:endParaRPr/>
-          </a:p>
-          <a:p>
-            <a:pPr indent="457200" lvl="0" marL="0" rtl="0" algn="l">
-              <a:spcBef>
-                <a:spcPts val="0"/>
-              </a:spcBef>
-              <a:spcAft>
-                <a:spcPts val="0"/>
-              </a:spcAft>
-              <a:buNone/>
-            </a:pPr>
-            <a:r>
-              <a:rPr lang="en"/>
-              <a:t>More stable to face change of data for</a:t>
-            </a:r>
-            <a:r>
-              <a:rPr lang="en"/>
-              <a:t>mat compare with get data from JCDecaux API. In fact, a good solution should has both ways to get data.</a:t>
+              <a:t>More stable to face change of data format compare with get data from JCDecaux API. In fact, a good solution should has both ways to get data.</a:t>
             </a:r>
             <a:endParaRPr/>
           </a:p>
@@ -7846,7 +8013,9 @@
       <p:sp>
         <p:nvSpPr>
           <p:cNvPr id="161" name="Google Shape;161;p23"/>
-          <p:cNvSpPr txBox="1"/>
+          <p:cNvSpPr txBox="1">
+            <a:spLocks noGrp="1"/>
+          </p:cNvSpPr>
           <p:nvPr>
             <p:ph type="title"/>
           </p:nvPr>
@@ -7861,12 +8030,12 @@
           </a:prstGeom>
         </p:spPr>
         <p:txBody>
-          <a:bodyPr anchorCtr="0" anchor="b" bIns="91425" lIns="91425" spcFirstLastPara="1" rIns="91425" wrap="square" tIns="91425">
+          <a:bodyPr spcFirstLastPara="1" wrap="square" lIns="91425" tIns="91425" rIns="91425" bIns="91425" anchor="b" anchorCtr="0">
             <a:noAutofit/>
           </a:bodyPr>
           <a:lstStyle/>
           <a:p>
-            <a:pPr indent="0" lvl="0" marL="0" rtl="0" algn="ctr">
+            <a:pPr marL="0" lvl="0" indent="0" algn="ctr" rtl="0">
               <a:spcBef>
                 <a:spcPts val="0"/>
               </a:spcBef>
@@ -7886,9 +8055,11 @@
       <p:sp>
         <p:nvSpPr>
           <p:cNvPr id="162" name="Google Shape;162;p23"/>
-          <p:cNvSpPr txBox="1"/>
+          <p:cNvSpPr txBox="1">
+            <a:spLocks noGrp="1"/>
+          </p:cNvSpPr>
           <p:nvPr>
-            <p:ph idx="12" type="sldNum"/>
+            <p:ph type="sldNum" idx="12"/>
           </p:nvPr>
         </p:nvSpPr>
         <p:spPr>
@@ -7901,12 +8072,12 @@
           </a:prstGeom>
         </p:spPr>
         <p:txBody>
-          <a:bodyPr anchorCtr="0" anchor="ctr" bIns="91425" lIns="91425" spcFirstLastPara="1" rIns="91425" wrap="square" tIns="91425">
+          <a:bodyPr spcFirstLastPara="1" wrap="square" lIns="91425" tIns="91425" rIns="91425" bIns="91425" anchor="ctr" anchorCtr="0">
             <a:noAutofit/>
           </a:bodyPr>
           <a:lstStyle/>
           <a:p>
-            <a:pPr indent="0" lvl="0" marL="0" rtl="0" algn="r">
+            <a:pPr marL="0" lvl="0" indent="0" algn="r" rtl="0">
               <a:spcBef>
                 <a:spcPts val="0"/>
               </a:spcBef>
@@ -7917,7 +8088,16 @@
             </a:pPr>
             <a:fld id="{00000000-1234-1234-1234-123412341234}" type="slidenum">
               <a:rPr lang="en"/>
-              <a:t>‹#›</a:t>
+              <a:pPr marL="0" lvl="0" indent="0" algn="r" rtl="0">
+                <a:spcBef>
+                  <a:spcPts val="0"/>
+                </a:spcBef>
+                <a:spcAft>
+                  <a:spcPts val="0"/>
+                </a:spcAft>
+                <a:buNone/>
+              </a:pPr>
+              <a:t>11</a:t>
             </a:fld>
             <a:endParaRPr/>
           </a:p>
@@ -7933,7 +8113,7 @@
           <a:blip r:embed="rId3">
             <a:alphaModFix/>
           </a:blip>
-          <a:srcRect b="0" l="0" r="11637" t="0"/>
+          <a:srcRect r="11637"/>
           <a:stretch/>
         </p:blipFill>
         <p:spPr>
@@ -7963,41 +8143,38 @@
           </a:xfrm>
           <a:prstGeom prst="upArrow">
             <a:avLst>
-              <a:gd fmla="val 50000" name="adj1"/>
-              <a:gd fmla="val 50000" name="adj2"/>
+              <a:gd name="adj1" fmla="val 50000"/>
+              <a:gd name="adj2" fmla="val 50000"/>
             </a:avLst>
           </a:prstGeom>
           <a:solidFill>
             <a:srgbClr val="FF0000"/>
           </a:solidFill>
-          <a:ln cap="flat" cmpd="sng" w="9525">
+          <a:ln w="9525" cap="flat" cmpd="sng">
             <a:solidFill>
               <a:schemeClr val="dk2"/>
             </a:solidFill>
             <a:prstDash val="solid"/>
             <a:round/>
-            <a:headEnd len="sm" w="sm" type="none"/>
-            <a:tailEnd len="sm" w="sm" type="none"/>
+            <a:headEnd type="none" w="sm" len="sm"/>
+            <a:tailEnd type="none" w="sm" len="sm"/>
           </a:ln>
         </p:spPr>
         <p:txBody>
-          <a:bodyPr anchorCtr="0" anchor="ctr" bIns="91425" lIns="91425" spcFirstLastPara="1" rIns="91425" wrap="square" tIns="91425">
+          <a:bodyPr spcFirstLastPara="1" wrap="square" lIns="91425" tIns="91425" rIns="91425" bIns="91425" anchor="ctr" anchorCtr="0">
             <a:noAutofit/>
           </a:bodyPr>
           <a:lstStyle/>
           <a:p>
-            <a:pPr indent="0" lvl="0" marL="0" rtl="0" algn="l">
-              <a:spcBef>
-                <a:spcPts val="0"/>
-              </a:spcBef>
-              <a:spcAft>
-                <a:spcPts val="0"/>
-              </a:spcAft>
-              <a:buNone/>
-            </a:pPr>
-            <a:r>
-              <a:t/>
-            </a:r>
+            <a:pPr marL="0" lvl="0" indent="0" algn="l" rtl="0">
+              <a:spcBef>
+                <a:spcPts val="0"/>
+              </a:spcBef>
+              <a:spcAft>
+                <a:spcPts val="0"/>
+              </a:spcAft>
+              <a:buNone/>
+            </a:pPr>
             <a:endParaRPr/>
           </a:p>
         </p:txBody>
@@ -8011,11 +8188,11 @@
 </file>
 
 <file path=ppt/slides/slide12.xml><?xml version="1.0" encoding="utf-8"?>
-<p:sld xmlns:a="http://schemas.openxmlformats.org/drawingml/2006/main" xmlns:r="http://schemas.openxmlformats.org/officeDocument/2006/relationships" xmlns:mc="http://schemas.openxmlformats.org/markup-compatibility/2006" xmlns:mv="urn:schemas-microsoft-com:mac:vml" xmlns:p="http://schemas.openxmlformats.org/presentationml/2006/main" xmlns:c="http://schemas.openxmlformats.org/drawingml/2006/chart" xmlns:dgm="http://schemas.openxmlformats.org/drawingml/2006/diagram" xmlns:o="urn:schemas-microsoft-com:office:office" xmlns:v="urn:schemas-microsoft-com:vml" xmlns:pvml="urn:schemas-microsoft-com:office:powerpoint" xmlns:com="http://schemas.openxmlformats.org/drawingml/2006/compatibility" xmlns:p14="http://schemas.microsoft.com/office/powerpoint/2010/main" xmlns:p15="http://schemas.microsoft.com/office/powerpoint/2012/main">
+<p:sld xmlns:a="http://schemas.openxmlformats.org/drawingml/2006/main" xmlns:r="http://schemas.openxmlformats.org/officeDocument/2006/relationships" xmlns:p="http://schemas.openxmlformats.org/presentationml/2006/main">
   <p:cSld>
     <p:spTree>
       <p:nvGrpSpPr>
-        <p:cNvPr id="168" name="Shape 168"/>
+        <p:cNvPr id="1" name="Shape 168"/>
         <p:cNvGrpSpPr/>
         <p:nvPr/>
       </p:nvGrpSpPr>
@@ -8030,7 +8207,9 @@
       <p:sp>
         <p:nvSpPr>
           <p:cNvPr id="169" name="Google Shape;169;p24"/>
-          <p:cNvSpPr txBox="1"/>
+          <p:cNvSpPr txBox="1">
+            <a:spLocks noGrp="1"/>
+          </p:cNvSpPr>
           <p:nvPr>
             <p:ph type="title"/>
           </p:nvPr>
@@ -8045,12 +8224,12 @@
           </a:prstGeom>
         </p:spPr>
         <p:txBody>
-          <a:bodyPr anchorCtr="0" anchor="t" bIns="91425" lIns="91425" spcFirstLastPara="1" rIns="91425" wrap="square" tIns="91425">
+          <a:bodyPr spcFirstLastPara="1" wrap="square" lIns="91425" tIns="91425" rIns="91425" bIns="91425" anchor="t" anchorCtr="0">
             <a:noAutofit/>
           </a:bodyPr>
           <a:lstStyle/>
           <a:p>
-            <a:pPr indent="0" lvl="0" marL="0" rtl="0" algn="l">
+            <a:pPr marL="0" lvl="0" indent="0" algn="l" rtl="0">
               <a:spcBef>
                 <a:spcPts val="0"/>
               </a:spcBef>
@@ -8070,9 +8249,11 @@
       <p:sp>
         <p:nvSpPr>
           <p:cNvPr id="170" name="Google Shape;170;p24"/>
-          <p:cNvSpPr txBox="1"/>
+          <p:cNvSpPr txBox="1">
+            <a:spLocks noGrp="1"/>
+          </p:cNvSpPr>
           <p:nvPr>
-            <p:ph idx="1" type="body"/>
+            <p:ph type="body" idx="1"/>
           </p:nvPr>
         </p:nvSpPr>
         <p:spPr>
@@ -8085,12 +8266,12 @@
           </a:prstGeom>
         </p:spPr>
         <p:txBody>
-          <a:bodyPr anchorCtr="0" anchor="t" bIns="91425" lIns="91425" spcFirstLastPara="1" rIns="91425" wrap="square" tIns="91425">
+          <a:bodyPr spcFirstLastPara="1" wrap="square" lIns="91425" tIns="91425" rIns="91425" bIns="91425" anchor="t" anchorCtr="0">
             <a:noAutofit/>
           </a:bodyPr>
           <a:lstStyle/>
           <a:p>
-            <a:pPr indent="0" lvl="0" marL="0" rtl="0" algn="l">
+            <a:pPr marL="0" lvl="0" indent="0" algn="l" rtl="0">
               <a:spcBef>
                 <a:spcPts val="0"/>
               </a:spcBef>
@@ -8106,7 +8287,7 @@
             <a:endParaRPr/>
           </a:p>
           <a:p>
-            <a:pPr indent="-342900" lvl="0" marL="457200" rtl="0" algn="l">
+            <a:pPr marL="457200" lvl="0" indent="-342900" algn="l" rtl="0">
               <a:spcBef>
                 <a:spcPts val="1600"/>
               </a:spcBef>
@@ -8123,7 +8304,7 @@
             <a:endParaRPr/>
           </a:p>
           <a:p>
-            <a:pPr indent="-330200" lvl="1" marL="914400" rtl="0" algn="l">
+            <a:pPr marL="914400" lvl="1" indent="-330200" algn="l" rtl="0">
               <a:spcBef>
                 <a:spcPts val="0"/>
               </a:spcBef>
@@ -8140,7 +8321,7 @@
             <a:endParaRPr sz="1600"/>
           </a:p>
           <a:p>
-            <a:pPr indent="-330200" lvl="1" marL="914400" rtl="0" algn="l">
+            <a:pPr marL="914400" lvl="1" indent="-330200" algn="l" rtl="0">
               <a:spcBef>
                 <a:spcPts val="0"/>
               </a:spcBef>
@@ -8157,7 +8338,7 @@
             <a:endParaRPr sz="1600"/>
           </a:p>
           <a:p>
-            <a:pPr indent="-342900" lvl="0" marL="457200" rtl="0" algn="l">
+            <a:pPr marL="457200" lvl="0" indent="-342900" algn="l" rtl="0">
               <a:spcBef>
                 <a:spcPts val="0"/>
               </a:spcBef>
@@ -8174,7 +8355,7 @@
             <a:endParaRPr/>
           </a:p>
           <a:p>
-            <a:pPr indent="-342900" lvl="0" marL="457200" rtl="0" algn="l">
+            <a:pPr marL="457200" lvl="0" indent="-342900" algn="l" rtl="0">
               <a:spcBef>
                 <a:spcPts val="0"/>
               </a:spcBef>
@@ -8191,7 +8372,7 @@
             <a:endParaRPr/>
           </a:p>
           <a:p>
-            <a:pPr indent="-342900" lvl="0" marL="457200" rtl="0" algn="l">
+            <a:pPr marL="457200" lvl="0" indent="-342900" algn="l" rtl="0">
               <a:spcBef>
                 <a:spcPts val="0"/>
               </a:spcBef>
@@ -8208,7 +8389,7 @@
             <a:endParaRPr/>
           </a:p>
           <a:p>
-            <a:pPr indent="-342900" lvl="0" marL="457200" rtl="0" algn="l">
+            <a:pPr marL="457200" lvl="0" indent="-342900" algn="l" rtl="0">
               <a:spcBef>
                 <a:spcPts val="0"/>
               </a:spcBef>
@@ -8225,7 +8406,7 @@
             <a:endParaRPr/>
           </a:p>
           <a:p>
-            <a:pPr indent="0" lvl="0" marL="457200" rtl="0" algn="l">
+            <a:pPr marL="457200" lvl="0" indent="0" algn="l" rtl="0">
               <a:spcBef>
                 <a:spcPts val="1600"/>
               </a:spcBef>
@@ -8234,9 +8415,6 @@
               </a:spcAft>
               <a:buNone/>
             </a:pPr>
-            <a:r>
-              <a:t/>
-            </a:r>
             <a:endParaRPr/>
           </a:p>
         </p:txBody>
@@ -8244,9 +8422,11 @@
       <p:sp>
         <p:nvSpPr>
           <p:cNvPr id="171" name="Google Shape;171;p24"/>
-          <p:cNvSpPr txBox="1"/>
+          <p:cNvSpPr txBox="1">
+            <a:spLocks noGrp="1"/>
+          </p:cNvSpPr>
           <p:nvPr>
-            <p:ph idx="12" type="sldNum"/>
+            <p:ph type="sldNum" idx="12"/>
           </p:nvPr>
         </p:nvSpPr>
         <p:spPr>
@@ -8259,12 +8439,12 @@
           </a:prstGeom>
         </p:spPr>
         <p:txBody>
-          <a:bodyPr anchorCtr="0" anchor="ctr" bIns="91425" lIns="91425" spcFirstLastPara="1" rIns="91425" wrap="square" tIns="91425">
+          <a:bodyPr spcFirstLastPara="1" wrap="square" lIns="91425" tIns="91425" rIns="91425" bIns="91425" anchor="ctr" anchorCtr="0">
             <a:noAutofit/>
           </a:bodyPr>
           <a:lstStyle/>
           <a:p>
-            <a:pPr indent="0" lvl="0" marL="0" rtl="0" algn="r">
+            <a:pPr marL="0" lvl="0" indent="0" algn="r" rtl="0">
               <a:spcBef>
                 <a:spcPts val="0"/>
               </a:spcBef>
@@ -8275,7 +8455,16 @@
             </a:pPr>
             <a:fld id="{00000000-1234-1234-1234-123412341234}" type="slidenum">
               <a:rPr lang="en"/>
-              <a:t>‹#›</a:t>
+              <a:pPr marL="0" lvl="0" indent="0" algn="r" rtl="0">
+                <a:spcBef>
+                  <a:spcPts val="0"/>
+                </a:spcBef>
+                <a:spcAft>
+                  <a:spcPts val="0"/>
+                </a:spcAft>
+                <a:buNone/>
+              </a:pPr>
+              <a:t>12</a:t>
             </a:fld>
             <a:endParaRPr/>
           </a:p>
@@ -8322,41 +8511,38 @@
           </a:xfrm>
           <a:prstGeom prst="rightArrow">
             <a:avLst>
-              <a:gd fmla="val 50000" name="adj1"/>
-              <a:gd fmla="val 50000" name="adj2"/>
+              <a:gd name="adj1" fmla="val 50000"/>
+              <a:gd name="adj2" fmla="val 50000"/>
             </a:avLst>
           </a:prstGeom>
           <a:solidFill>
             <a:schemeClr val="accent3"/>
           </a:solidFill>
-          <a:ln cap="flat" cmpd="sng" w="9525">
+          <a:ln w="9525" cap="flat" cmpd="sng">
             <a:solidFill>
               <a:schemeClr val="dk2"/>
             </a:solidFill>
             <a:prstDash val="solid"/>
             <a:round/>
-            <a:headEnd len="sm" w="sm" type="none"/>
-            <a:tailEnd len="sm" w="sm" type="none"/>
+            <a:headEnd type="none" w="sm" len="sm"/>
+            <a:tailEnd type="none" w="sm" len="sm"/>
           </a:ln>
         </p:spPr>
         <p:txBody>
-          <a:bodyPr anchorCtr="0" anchor="ctr" bIns="91425" lIns="91425" spcFirstLastPara="1" rIns="91425" wrap="square" tIns="91425">
+          <a:bodyPr spcFirstLastPara="1" wrap="square" lIns="91425" tIns="91425" rIns="91425" bIns="91425" anchor="ctr" anchorCtr="0">
             <a:noAutofit/>
           </a:bodyPr>
           <a:lstStyle/>
           <a:p>
-            <a:pPr indent="0" lvl="0" marL="0" rtl="0" algn="l">
-              <a:spcBef>
-                <a:spcPts val="0"/>
-              </a:spcBef>
-              <a:spcAft>
-                <a:spcPts val="0"/>
-              </a:spcAft>
-              <a:buNone/>
-            </a:pPr>
-            <a:r>
-              <a:t/>
-            </a:r>
+            <a:pPr marL="0" lvl="0" indent="0" algn="l" rtl="0">
+              <a:spcBef>
+                <a:spcPts val="0"/>
+              </a:spcBef>
+              <a:spcAft>
+                <a:spcPts val="0"/>
+              </a:spcAft>
+              <a:buNone/>
+            </a:pPr>
             <a:endParaRPr/>
           </a:p>
         </p:txBody>
@@ -8370,11 +8556,11 @@
 </file>
 
 <file path=ppt/slides/slide13.xml><?xml version="1.0" encoding="utf-8"?>
-<p:sld xmlns:a="http://schemas.openxmlformats.org/drawingml/2006/main" xmlns:r="http://schemas.openxmlformats.org/officeDocument/2006/relationships" xmlns:mc="http://schemas.openxmlformats.org/markup-compatibility/2006" xmlns:mv="urn:schemas-microsoft-com:mac:vml" xmlns:p="http://schemas.openxmlformats.org/presentationml/2006/main" xmlns:c="http://schemas.openxmlformats.org/drawingml/2006/chart" xmlns:dgm="http://schemas.openxmlformats.org/drawingml/2006/diagram" xmlns:o="urn:schemas-microsoft-com:office:office" xmlns:v="urn:schemas-microsoft-com:vml" xmlns:pvml="urn:schemas-microsoft-com:office:powerpoint" xmlns:com="http://schemas.openxmlformats.org/drawingml/2006/compatibility" xmlns:p14="http://schemas.microsoft.com/office/powerpoint/2010/main" xmlns:p15="http://schemas.microsoft.com/office/powerpoint/2012/main">
+<p:sld xmlns:a="http://schemas.openxmlformats.org/drawingml/2006/main" xmlns:r="http://schemas.openxmlformats.org/officeDocument/2006/relationships" xmlns:p="http://schemas.openxmlformats.org/presentationml/2006/main">
   <p:cSld>
     <p:spTree>
       <p:nvGrpSpPr>
-        <p:cNvPr id="177" name="Shape 177"/>
+        <p:cNvPr id="1" name="Shape 177"/>
         <p:cNvGrpSpPr/>
         <p:nvPr/>
       </p:nvGrpSpPr>
@@ -8389,7 +8575,9 @@
       <p:sp>
         <p:nvSpPr>
           <p:cNvPr id="178" name="Google Shape;178;p25"/>
-          <p:cNvSpPr txBox="1"/>
+          <p:cNvSpPr txBox="1">
+            <a:spLocks noGrp="1"/>
+          </p:cNvSpPr>
           <p:nvPr>
             <p:ph type="title"/>
           </p:nvPr>
@@ -8404,12 +8592,12 @@
           </a:prstGeom>
         </p:spPr>
         <p:txBody>
-          <a:bodyPr anchorCtr="0" anchor="ctr" bIns="91425" lIns="91425" spcFirstLastPara="1" rIns="91425" wrap="square" tIns="91425">
+          <a:bodyPr spcFirstLastPara="1" wrap="square" lIns="91425" tIns="91425" rIns="91425" bIns="91425" anchor="ctr" anchorCtr="0">
             <a:noAutofit/>
           </a:bodyPr>
           <a:lstStyle/>
           <a:p>
-            <a:pPr indent="0" lvl="0" marL="0" rtl="0" algn="ctr">
+            <a:pPr marL="0" lvl="0" indent="0" algn="ctr" rtl="0">
               <a:spcBef>
                 <a:spcPts val="0"/>
               </a:spcBef>
@@ -8429,9 +8617,11 @@
       <p:sp>
         <p:nvSpPr>
           <p:cNvPr id="179" name="Google Shape;179;p25"/>
-          <p:cNvSpPr txBox="1"/>
+          <p:cNvSpPr txBox="1">
+            <a:spLocks noGrp="1"/>
+          </p:cNvSpPr>
           <p:nvPr>
-            <p:ph idx="12" type="sldNum"/>
+            <p:ph type="sldNum" idx="12"/>
           </p:nvPr>
         </p:nvSpPr>
         <p:spPr>
@@ -8444,12 +8634,12 @@
           </a:prstGeom>
         </p:spPr>
         <p:txBody>
-          <a:bodyPr anchorCtr="0" anchor="ctr" bIns="91425" lIns="91425" spcFirstLastPara="1" rIns="91425" wrap="square" tIns="91425">
+          <a:bodyPr spcFirstLastPara="1" wrap="square" lIns="91425" tIns="91425" rIns="91425" bIns="91425" anchor="ctr" anchorCtr="0">
             <a:noAutofit/>
           </a:bodyPr>
           <a:lstStyle/>
           <a:p>
-            <a:pPr indent="0" lvl="0" marL="0" rtl="0" algn="r">
+            <a:pPr marL="0" lvl="0" indent="0" algn="r" rtl="0">
               <a:spcBef>
                 <a:spcPts val="0"/>
               </a:spcBef>
@@ -8460,7 +8650,16 @@
             </a:pPr>
             <a:fld id="{00000000-1234-1234-1234-123412341234}" type="slidenum">
               <a:rPr lang="en"/>
-              <a:t>‹#›</a:t>
+              <a:pPr marL="0" lvl="0" indent="0" algn="r" rtl="0">
+                <a:spcBef>
+                  <a:spcPts val="0"/>
+                </a:spcBef>
+                <a:spcAft>
+                  <a:spcPts val="0"/>
+                </a:spcAft>
+                <a:buNone/>
+              </a:pPr>
+              <a:t>13</a:t>
             </a:fld>
             <a:endParaRPr/>
           </a:p>
@@ -8475,11 +8674,11 @@
 </file>
 
 <file path=ppt/slides/slide2.xml><?xml version="1.0" encoding="utf-8"?>
-<p:sld xmlns:a="http://schemas.openxmlformats.org/drawingml/2006/main" xmlns:r="http://schemas.openxmlformats.org/officeDocument/2006/relationships" xmlns:mc="http://schemas.openxmlformats.org/markup-compatibility/2006" xmlns:mv="urn:schemas-microsoft-com:mac:vml" xmlns:p="http://schemas.openxmlformats.org/presentationml/2006/main" xmlns:c="http://schemas.openxmlformats.org/drawingml/2006/chart" xmlns:dgm="http://schemas.openxmlformats.org/drawingml/2006/diagram" xmlns:o="urn:schemas-microsoft-com:office:office" xmlns:v="urn:schemas-microsoft-com:vml" xmlns:pvml="urn:schemas-microsoft-com:office:powerpoint" xmlns:com="http://schemas.openxmlformats.org/drawingml/2006/compatibility" xmlns:p14="http://schemas.microsoft.com/office/powerpoint/2010/main" xmlns:p15="http://schemas.microsoft.com/office/powerpoint/2012/main">
+<p:sld xmlns:a="http://schemas.openxmlformats.org/drawingml/2006/main" xmlns:r="http://schemas.openxmlformats.org/officeDocument/2006/relationships" xmlns:p="http://schemas.openxmlformats.org/presentationml/2006/main">
   <p:cSld>
     <p:spTree>
       <p:nvGrpSpPr>
-        <p:cNvPr id="73" name="Shape 73"/>
+        <p:cNvPr id="1" name="Shape 73"/>
         <p:cNvGrpSpPr/>
         <p:nvPr/>
       </p:nvGrpSpPr>
@@ -8494,7 +8693,9 @@
       <p:sp>
         <p:nvSpPr>
           <p:cNvPr id="74" name="Google Shape;74;p14"/>
-          <p:cNvSpPr txBox="1"/>
+          <p:cNvSpPr txBox="1">
+            <a:spLocks noGrp="1"/>
+          </p:cNvSpPr>
           <p:nvPr>
             <p:ph type="title"/>
           </p:nvPr>
@@ -8509,12 +8710,12 @@
           </a:prstGeom>
         </p:spPr>
         <p:txBody>
-          <a:bodyPr anchorCtr="0" anchor="t" bIns="91425" lIns="91425" spcFirstLastPara="1" rIns="91425" wrap="square" tIns="91425">
+          <a:bodyPr spcFirstLastPara="1" wrap="square" lIns="91425" tIns="91425" rIns="91425" bIns="91425" anchor="t" anchorCtr="0">
             <a:noAutofit/>
           </a:bodyPr>
           <a:lstStyle/>
           <a:p>
-            <a:pPr indent="0" lvl="0" marL="0" rtl="0" algn="l">
+            <a:pPr marL="0" lvl="0" indent="0" algn="l" rtl="0">
               <a:spcBef>
                 <a:spcPts val="0"/>
               </a:spcBef>
@@ -8534,9 +8735,11 @@
       <p:sp>
         <p:nvSpPr>
           <p:cNvPr id="75" name="Google Shape;75;p14"/>
-          <p:cNvSpPr txBox="1"/>
+          <p:cNvSpPr txBox="1">
+            <a:spLocks noGrp="1"/>
+          </p:cNvSpPr>
           <p:nvPr>
-            <p:ph idx="1" type="body"/>
+            <p:ph type="body" idx="1"/>
           </p:nvPr>
         </p:nvSpPr>
         <p:spPr>
@@ -8549,12 +8752,12 @@
           </a:prstGeom>
         </p:spPr>
         <p:txBody>
-          <a:bodyPr anchorCtr="0" anchor="t" bIns="91425" lIns="91425" spcFirstLastPara="1" rIns="91425" wrap="square" tIns="91425">
+          <a:bodyPr spcFirstLastPara="1" wrap="square" lIns="91425" tIns="91425" rIns="91425" bIns="91425" anchor="t" anchorCtr="0">
             <a:noAutofit/>
           </a:bodyPr>
           <a:lstStyle/>
           <a:p>
-            <a:pPr indent="0" lvl="0" marL="0" rtl="0" algn="l">
+            <a:pPr marL="0" lvl="0" indent="0" algn="l" rtl="0">
               <a:spcBef>
                 <a:spcPts val="0"/>
               </a:spcBef>
@@ -8570,7 +8773,7 @@
             <a:endParaRPr sz="1900"/>
           </a:p>
           <a:p>
-            <a:pPr indent="-349250" lvl="1" marL="914400" rtl="0" algn="l">
+            <a:pPr marL="914400" lvl="1" indent="-349250" algn="l" rtl="0">
               <a:spcBef>
                 <a:spcPts val="1600"/>
               </a:spcBef>
@@ -8587,7 +8790,7 @@
             <a:endParaRPr sz="1900"/>
           </a:p>
           <a:p>
-            <a:pPr indent="-349250" lvl="1" marL="914400" rtl="0" algn="l">
+            <a:pPr marL="914400" lvl="1" indent="-349250" algn="l" rtl="0">
               <a:spcBef>
                 <a:spcPts val="0"/>
               </a:spcBef>
@@ -8604,7 +8807,7 @@
             <a:endParaRPr sz="1900"/>
           </a:p>
           <a:p>
-            <a:pPr indent="0" lvl="0" marL="0" rtl="0" algn="l">
+            <a:pPr marL="0" lvl="0" indent="0" algn="l" rtl="0">
               <a:spcBef>
                 <a:spcPts val="1600"/>
               </a:spcBef>
@@ -8620,7 +8823,7 @@
             <a:endParaRPr sz="1900"/>
           </a:p>
           <a:p>
-            <a:pPr indent="-349250" lvl="0" marL="457200" rtl="0" algn="l">
+            <a:pPr marL="457200" lvl="0" indent="-349250" algn="l" rtl="0">
               <a:spcBef>
                 <a:spcPts val="1600"/>
               </a:spcBef>
@@ -8637,7 +8840,7 @@
             <a:endParaRPr sz="1900"/>
           </a:p>
           <a:p>
-            <a:pPr indent="-349250" lvl="0" marL="457200" rtl="0" algn="l">
+            <a:pPr marL="457200" lvl="0" indent="-349250" algn="l" rtl="0">
               <a:spcBef>
                 <a:spcPts val="0"/>
               </a:spcBef>
@@ -8654,7 +8857,7 @@
             <a:endParaRPr sz="1900"/>
           </a:p>
           <a:p>
-            <a:pPr indent="-349250" lvl="0" marL="457200" rtl="0" algn="l">
+            <a:pPr marL="457200" lvl="0" indent="-349250" algn="l" rtl="0">
               <a:spcBef>
                 <a:spcPts val="0"/>
               </a:spcBef>
@@ -8675,9 +8878,11 @@
       <p:sp>
         <p:nvSpPr>
           <p:cNvPr id="76" name="Google Shape;76;p14"/>
-          <p:cNvSpPr txBox="1"/>
+          <p:cNvSpPr txBox="1">
+            <a:spLocks noGrp="1"/>
+          </p:cNvSpPr>
           <p:nvPr>
-            <p:ph idx="12" type="sldNum"/>
+            <p:ph type="sldNum" idx="12"/>
           </p:nvPr>
         </p:nvSpPr>
         <p:spPr>
@@ -8690,12 +8895,12 @@
           </a:prstGeom>
         </p:spPr>
         <p:txBody>
-          <a:bodyPr anchorCtr="0" anchor="ctr" bIns="91425" lIns="91425" spcFirstLastPara="1" rIns="91425" wrap="square" tIns="91425">
+          <a:bodyPr spcFirstLastPara="1" wrap="square" lIns="91425" tIns="91425" rIns="91425" bIns="91425" anchor="ctr" anchorCtr="0">
             <a:noAutofit/>
           </a:bodyPr>
           <a:lstStyle/>
           <a:p>
-            <a:pPr indent="0" lvl="0" marL="0" rtl="0" algn="r">
+            <a:pPr marL="0" lvl="0" indent="0" algn="r" rtl="0">
               <a:spcBef>
                 <a:spcPts val="0"/>
               </a:spcBef>
@@ -8706,7 +8911,16 @@
             </a:pPr>
             <a:fld id="{00000000-1234-1234-1234-123412341234}" type="slidenum">
               <a:rPr lang="en"/>
-              <a:t>‹#›</a:t>
+              <a:pPr marL="0" lvl="0" indent="0" algn="r" rtl="0">
+                <a:spcBef>
+                  <a:spcPts val="0"/>
+                </a:spcBef>
+                <a:spcAft>
+                  <a:spcPts val="0"/>
+                </a:spcAft>
+                <a:buNone/>
+              </a:pPr>
+              <a:t>2</a:t>
             </a:fld>
             <a:endParaRPr/>
           </a:p>
@@ -8721,11 +8935,11 @@
 </file>
 
 <file path=ppt/slides/slide3.xml><?xml version="1.0" encoding="utf-8"?>
-<p:sld xmlns:a="http://schemas.openxmlformats.org/drawingml/2006/main" xmlns:r="http://schemas.openxmlformats.org/officeDocument/2006/relationships" xmlns:mc="http://schemas.openxmlformats.org/markup-compatibility/2006" xmlns:mv="urn:schemas-microsoft-com:mac:vml" xmlns:p="http://schemas.openxmlformats.org/presentationml/2006/main" xmlns:c="http://schemas.openxmlformats.org/drawingml/2006/chart" xmlns:dgm="http://schemas.openxmlformats.org/drawingml/2006/diagram" xmlns:o="urn:schemas-microsoft-com:office:office" xmlns:v="urn:schemas-microsoft-com:vml" xmlns:pvml="urn:schemas-microsoft-com:office:powerpoint" xmlns:com="http://schemas.openxmlformats.org/drawingml/2006/compatibility" xmlns:p14="http://schemas.microsoft.com/office/powerpoint/2010/main" xmlns:p15="http://schemas.microsoft.com/office/powerpoint/2012/main">
+<p:sld xmlns:a="http://schemas.openxmlformats.org/drawingml/2006/main" xmlns:r="http://schemas.openxmlformats.org/officeDocument/2006/relationships" xmlns:p="http://schemas.openxmlformats.org/presentationml/2006/main">
   <p:cSld>
     <p:spTree>
       <p:nvGrpSpPr>
-        <p:cNvPr id="80" name="Shape 80"/>
+        <p:cNvPr id="1" name="Shape 80"/>
         <p:cNvGrpSpPr/>
         <p:nvPr/>
       </p:nvGrpSpPr>
@@ -8740,7 +8954,9 @@
       <p:sp>
         <p:nvSpPr>
           <p:cNvPr id="81" name="Google Shape;81;p15"/>
-          <p:cNvSpPr txBox="1"/>
+          <p:cNvSpPr txBox="1">
+            <a:spLocks noGrp="1"/>
+          </p:cNvSpPr>
           <p:nvPr>
             <p:ph type="title"/>
           </p:nvPr>
@@ -8755,12 +8971,12 @@
           </a:prstGeom>
         </p:spPr>
         <p:txBody>
-          <a:bodyPr anchorCtr="0" anchor="t" bIns="91425" lIns="91425" spcFirstLastPara="1" rIns="91425" wrap="square" tIns="91425">
+          <a:bodyPr spcFirstLastPara="1" wrap="square" lIns="91425" tIns="91425" rIns="91425" bIns="91425" anchor="t" anchorCtr="0">
             <a:noAutofit/>
           </a:bodyPr>
           <a:lstStyle/>
           <a:p>
-            <a:pPr indent="0" lvl="0" marL="0" rtl="0" algn="l">
+            <a:pPr marL="0" lvl="0" indent="0" algn="l" rtl="0">
               <a:spcBef>
                 <a:spcPts val="0"/>
               </a:spcBef>
@@ -8780,9 +8996,11 @@
       <p:sp>
         <p:nvSpPr>
           <p:cNvPr id="82" name="Google Shape;82;p15"/>
-          <p:cNvSpPr txBox="1"/>
+          <p:cNvSpPr txBox="1">
+            <a:spLocks noGrp="1"/>
+          </p:cNvSpPr>
           <p:nvPr>
-            <p:ph idx="1" type="body"/>
+            <p:ph type="body" idx="1"/>
           </p:nvPr>
         </p:nvSpPr>
         <p:spPr>
@@ -8795,12 +9013,12 @@
           </a:prstGeom>
         </p:spPr>
         <p:txBody>
-          <a:bodyPr anchorCtr="0" anchor="t" bIns="91425" lIns="91425" spcFirstLastPara="1" rIns="91425" wrap="square" tIns="91425">
+          <a:bodyPr spcFirstLastPara="1" wrap="square" lIns="91425" tIns="91425" rIns="91425" bIns="91425" anchor="t" anchorCtr="0">
             <a:noAutofit/>
           </a:bodyPr>
           <a:lstStyle/>
           <a:p>
-            <a:pPr indent="-349250" lvl="0" marL="457200" rtl="0" algn="l">
+            <a:pPr marL="457200" lvl="0" indent="-349250" algn="l" rtl="0">
               <a:spcBef>
                 <a:spcPts val="0"/>
               </a:spcBef>
@@ -8817,7 +9035,7 @@
             <a:endParaRPr sz="1900"/>
           </a:p>
           <a:p>
-            <a:pPr indent="-330200" lvl="1" marL="914400" rtl="0" algn="l">
+            <a:pPr marL="914400" lvl="1" indent="-330200" algn="l" rtl="0">
               <a:spcBef>
                 <a:spcPts val="0"/>
               </a:spcBef>
@@ -8834,7 +9052,7 @@
             <a:endParaRPr sz="1600"/>
           </a:p>
           <a:p>
-            <a:pPr indent="-330200" lvl="1" marL="914400" rtl="0" algn="l">
+            <a:pPr marL="914400" lvl="1" indent="-330200" algn="l" rtl="0">
               <a:spcBef>
                 <a:spcPts val="0"/>
               </a:spcBef>
@@ -8851,7 +9069,7 @@
             <a:endParaRPr sz="1600"/>
           </a:p>
           <a:p>
-            <a:pPr indent="-330200" lvl="1" marL="914400" rtl="0" algn="l">
+            <a:pPr marL="914400" lvl="1" indent="-330200" algn="l" rtl="0">
               <a:spcBef>
                 <a:spcPts val="0"/>
               </a:spcBef>
@@ -8868,7 +9086,7 @@
             <a:endParaRPr sz="1600"/>
           </a:p>
           <a:p>
-            <a:pPr indent="-330200" lvl="1" marL="914400" rtl="0" algn="l">
+            <a:pPr marL="914400" lvl="1" indent="-330200" algn="l" rtl="0">
               <a:spcBef>
                 <a:spcPts val="0"/>
               </a:spcBef>
@@ -8889,9 +9107,11 @@
       <p:sp>
         <p:nvSpPr>
           <p:cNvPr id="83" name="Google Shape;83;p15"/>
-          <p:cNvSpPr txBox="1"/>
+          <p:cNvSpPr txBox="1">
+            <a:spLocks noGrp="1"/>
+          </p:cNvSpPr>
           <p:nvPr>
-            <p:ph idx="12" type="sldNum"/>
+            <p:ph type="sldNum" idx="12"/>
           </p:nvPr>
         </p:nvSpPr>
         <p:spPr>
@@ -8904,12 +9124,12 @@
           </a:prstGeom>
         </p:spPr>
         <p:txBody>
-          <a:bodyPr anchorCtr="0" anchor="ctr" bIns="91425" lIns="91425" spcFirstLastPara="1" rIns="91425" wrap="square" tIns="91425">
+          <a:bodyPr spcFirstLastPara="1" wrap="square" lIns="91425" tIns="91425" rIns="91425" bIns="91425" anchor="ctr" anchorCtr="0">
             <a:noAutofit/>
           </a:bodyPr>
           <a:lstStyle/>
           <a:p>
-            <a:pPr indent="0" lvl="0" marL="0" rtl="0" algn="r">
+            <a:pPr marL="0" lvl="0" indent="0" algn="r" rtl="0">
               <a:spcBef>
                 <a:spcPts val="0"/>
               </a:spcBef>
@@ -8920,7 +9140,16 @@
             </a:pPr>
             <a:fld id="{00000000-1234-1234-1234-123412341234}" type="slidenum">
               <a:rPr lang="en"/>
-              <a:t>‹#›</a:t>
+              <a:pPr marL="0" lvl="0" indent="0" algn="r" rtl="0">
+                <a:spcBef>
+                  <a:spcPts val="0"/>
+                </a:spcBef>
+                <a:spcAft>
+                  <a:spcPts val="0"/>
+                </a:spcAft>
+                <a:buNone/>
+              </a:pPr>
+              <a:t>3</a:t>
             </a:fld>
             <a:endParaRPr/>
           </a:p>
@@ -8946,12 +9175,12 @@
           </a:ln>
         </p:spPr>
         <p:txBody>
-          <a:bodyPr anchorCtr="0" anchor="t" bIns="91425" lIns="91425" spcFirstLastPara="1" rIns="91425" wrap="square" tIns="91425">
+          <a:bodyPr spcFirstLastPara="1" wrap="square" lIns="91425" tIns="91425" rIns="91425" bIns="91425" anchor="t" anchorCtr="0">
             <a:noAutofit/>
           </a:bodyPr>
           <a:lstStyle/>
           <a:p>
-            <a:pPr indent="-349250" lvl="0" marL="457200" rtl="0" algn="l">
+            <a:pPr marL="457200" lvl="0" indent="-349250" algn="l" rtl="0">
               <a:lnSpc>
                 <a:spcPct val="115000"/>
               </a:lnSpc>
@@ -9015,7 +9244,7 @@
             </a:endParaRPr>
           </a:p>
           <a:p>
-            <a:pPr indent="-317500" lvl="1" marL="914400" rtl="0" algn="l">
+            <a:pPr marL="914400" lvl="1" indent="-317500" algn="l" rtl="0">
               <a:lnSpc>
                 <a:spcPct val="115000"/>
               </a:lnSpc>
@@ -9033,7 +9262,7 @@
               <a:buChar char="➢"/>
             </a:pPr>
             <a:r>
-              <a:rPr b="1" lang="en" sz="1600">
+              <a:rPr lang="en" sz="1600" b="1">
                 <a:solidFill>
                   <a:srgbClr val="CC0000"/>
                 </a:solidFill>
@@ -9044,7 +9273,7 @@
               </a:rPr>
               <a:t>Website to search available bicycles at bicycle stations</a:t>
             </a:r>
-            <a:endParaRPr b="1" sz="1600">
+            <a:endParaRPr sz="1600" b="1">
               <a:solidFill>
                 <a:srgbClr val="CC0000"/>
               </a:solidFill>
@@ -9055,7 +9284,7 @@
             </a:endParaRPr>
           </a:p>
           <a:p>
-            <a:pPr indent="-317500" lvl="1" marL="914400" rtl="0" algn="l">
+            <a:pPr marL="914400" lvl="1" indent="-317500" algn="l" rtl="0">
               <a:lnSpc>
                 <a:spcPct val="115000"/>
               </a:lnSpc>
@@ -9095,7 +9324,7 @@
             </a:endParaRPr>
           </a:p>
           <a:p>
-            <a:pPr indent="-317500" lvl="1" marL="914400" rtl="0" algn="l">
+            <a:pPr marL="914400" lvl="1" indent="-317500" algn="l" rtl="0">
               <a:lnSpc>
                 <a:spcPct val="115000"/>
               </a:lnSpc>
@@ -9142,11 +9371,11 @@
 </file>
 
 <file path=ppt/slides/slide4.xml><?xml version="1.0" encoding="utf-8"?>
-<p:sld xmlns:a="http://schemas.openxmlformats.org/drawingml/2006/main" xmlns:r="http://schemas.openxmlformats.org/officeDocument/2006/relationships" xmlns:mc="http://schemas.openxmlformats.org/markup-compatibility/2006" xmlns:mv="urn:schemas-microsoft-com:mac:vml" xmlns:p="http://schemas.openxmlformats.org/presentationml/2006/main" xmlns:c="http://schemas.openxmlformats.org/drawingml/2006/chart" xmlns:dgm="http://schemas.openxmlformats.org/drawingml/2006/diagram" xmlns:o="urn:schemas-microsoft-com:office:office" xmlns:v="urn:schemas-microsoft-com:vml" xmlns:pvml="urn:schemas-microsoft-com:office:powerpoint" xmlns:com="http://schemas.openxmlformats.org/drawingml/2006/compatibility" xmlns:p14="http://schemas.microsoft.com/office/powerpoint/2010/main" xmlns:p15="http://schemas.microsoft.com/office/powerpoint/2012/main">
+<p:sld xmlns:a="http://schemas.openxmlformats.org/drawingml/2006/main" xmlns:r="http://schemas.openxmlformats.org/officeDocument/2006/relationships" xmlns:p="http://schemas.openxmlformats.org/presentationml/2006/main">
   <p:cSld>
     <p:spTree>
       <p:nvGrpSpPr>
-        <p:cNvPr id="88" name="Shape 88"/>
+        <p:cNvPr id="1" name="Shape 88"/>
         <p:cNvGrpSpPr/>
         <p:nvPr/>
       </p:nvGrpSpPr>
@@ -9161,7 +9390,9 @@
       <p:sp>
         <p:nvSpPr>
           <p:cNvPr id="89" name="Google Shape;89;p16"/>
-          <p:cNvSpPr txBox="1"/>
+          <p:cNvSpPr txBox="1">
+            <a:spLocks noGrp="1"/>
+          </p:cNvSpPr>
           <p:nvPr>
             <p:ph type="title"/>
           </p:nvPr>
@@ -9176,12 +9407,12 @@
           </a:prstGeom>
         </p:spPr>
         <p:txBody>
-          <a:bodyPr anchorCtr="0" anchor="t" bIns="91425" lIns="91425" spcFirstLastPara="1" rIns="91425" wrap="square" tIns="91425">
+          <a:bodyPr spcFirstLastPara="1" wrap="square" lIns="91425" tIns="91425" rIns="91425" bIns="91425" anchor="t" anchorCtr="0">
             <a:noAutofit/>
           </a:bodyPr>
           <a:lstStyle/>
           <a:p>
-            <a:pPr indent="0" lvl="0" marL="0" rtl="0" algn="l">
+            <a:pPr marL="0" lvl="0" indent="0" algn="l" rtl="0">
               <a:spcBef>
                 <a:spcPts val="0"/>
               </a:spcBef>
@@ -9379,41 +9610,38 @@
           </a:xfrm>
           <a:prstGeom prst="rightArrow">
             <a:avLst>
-              <a:gd fmla="val 50000" name="adj1"/>
-              <a:gd fmla="val 50000" name="adj2"/>
+              <a:gd name="adj1" fmla="val 50000"/>
+              <a:gd name="adj2" fmla="val 50000"/>
             </a:avLst>
           </a:prstGeom>
           <a:solidFill>
             <a:srgbClr val="0000FF"/>
           </a:solidFill>
-          <a:ln cap="flat" cmpd="sng" w="9525">
+          <a:ln w="9525" cap="flat" cmpd="sng">
             <a:solidFill>
               <a:srgbClr val="4A86E8"/>
             </a:solidFill>
             <a:prstDash val="solid"/>
             <a:round/>
-            <a:headEnd len="sm" w="sm" type="none"/>
-            <a:tailEnd len="sm" w="sm" type="none"/>
+            <a:headEnd type="none" w="sm" len="sm"/>
+            <a:tailEnd type="none" w="sm" len="sm"/>
           </a:ln>
         </p:spPr>
         <p:txBody>
-          <a:bodyPr anchorCtr="0" anchor="ctr" bIns="91425" lIns="91425" spcFirstLastPara="1" rIns="91425" wrap="square" tIns="91425">
+          <a:bodyPr spcFirstLastPara="1" wrap="square" lIns="91425" tIns="91425" rIns="91425" bIns="91425" anchor="ctr" anchorCtr="0">
             <a:noAutofit/>
           </a:bodyPr>
           <a:lstStyle/>
           <a:p>
-            <a:pPr indent="0" lvl="0" marL="0" rtl="0" algn="l">
-              <a:spcBef>
-                <a:spcPts val="0"/>
-              </a:spcBef>
-              <a:spcAft>
-                <a:spcPts val="0"/>
-              </a:spcAft>
-              <a:buNone/>
-            </a:pPr>
-            <a:r>
-              <a:t/>
-            </a:r>
+            <a:pPr marL="0" lvl="0" indent="0" algn="l" rtl="0">
+              <a:spcBef>
+                <a:spcPts val="0"/>
+              </a:spcBef>
+              <a:spcAft>
+                <a:spcPts val="0"/>
+              </a:spcAft>
+              <a:buNone/>
+            </a:pPr>
             <a:endParaRPr/>
           </a:p>
         </p:txBody>
@@ -9459,41 +9687,38 @@
           </a:xfrm>
           <a:prstGeom prst="rightArrow">
             <a:avLst>
-              <a:gd fmla="val 50000" name="adj1"/>
-              <a:gd fmla="val 50000" name="adj2"/>
+              <a:gd name="adj1" fmla="val 50000"/>
+              <a:gd name="adj2" fmla="val 50000"/>
             </a:avLst>
           </a:prstGeom>
           <a:solidFill>
             <a:srgbClr val="0000FF"/>
           </a:solidFill>
-          <a:ln cap="flat" cmpd="sng" w="9525">
+          <a:ln w="9525" cap="flat" cmpd="sng">
             <a:solidFill>
               <a:srgbClr val="4A86E8"/>
             </a:solidFill>
             <a:prstDash val="solid"/>
             <a:round/>
-            <a:headEnd len="sm" w="sm" type="none"/>
-            <a:tailEnd len="sm" w="sm" type="none"/>
+            <a:headEnd type="none" w="sm" len="sm"/>
+            <a:tailEnd type="none" w="sm" len="sm"/>
           </a:ln>
         </p:spPr>
         <p:txBody>
-          <a:bodyPr anchorCtr="0" anchor="ctr" bIns="91425" lIns="91425" spcFirstLastPara="1" rIns="91425" wrap="square" tIns="91425">
+          <a:bodyPr spcFirstLastPara="1" wrap="square" lIns="91425" tIns="91425" rIns="91425" bIns="91425" anchor="ctr" anchorCtr="0">
             <a:noAutofit/>
           </a:bodyPr>
           <a:lstStyle/>
           <a:p>
-            <a:pPr indent="0" lvl="0" marL="0" rtl="0" algn="l">
-              <a:spcBef>
-                <a:spcPts val="0"/>
-              </a:spcBef>
-              <a:spcAft>
-                <a:spcPts val="0"/>
-              </a:spcAft>
-              <a:buNone/>
-            </a:pPr>
-            <a:r>
-              <a:t/>
-            </a:r>
+            <a:pPr marL="0" lvl="0" indent="0" algn="l" rtl="0">
+              <a:spcBef>
+                <a:spcPts val="0"/>
+              </a:spcBef>
+              <a:spcAft>
+                <a:spcPts val="0"/>
+              </a:spcAft>
+              <a:buNone/>
+            </a:pPr>
             <a:endParaRPr/>
           </a:p>
         </p:txBody>
@@ -9501,9 +9726,11 @@
       <p:sp>
         <p:nvSpPr>
           <p:cNvPr id="99" name="Google Shape;99;p16"/>
-          <p:cNvSpPr txBox="1"/>
+          <p:cNvSpPr txBox="1">
+            <a:spLocks noGrp="1"/>
+          </p:cNvSpPr>
           <p:nvPr>
-            <p:ph idx="12" type="sldNum"/>
+            <p:ph type="sldNum" idx="12"/>
           </p:nvPr>
         </p:nvSpPr>
         <p:spPr>
@@ -9516,12 +9743,12 @@
           </a:prstGeom>
         </p:spPr>
         <p:txBody>
-          <a:bodyPr anchorCtr="0" anchor="ctr" bIns="91425" lIns="91425" spcFirstLastPara="1" rIns="91425" wrap="square" tIns="91425">
+          <a:bodyPr spcFirstLastPara="1" wrap="square" lIns="91425" tIns="91425" rIns="91425" bIns="91425" anchor="ctr" anchorCtr="0">
             <a:noAutofit/>
           </a:bodyPr>
           <a:lstStyle/>
           <a:p>
-            <a:pPr indent="0" lvl="0" marL="0" rtl="0" algn="r">
+            <a:pPr marL="0" lvl="0" indent="0" algn="r" rtl="0">
               <a:spcBef>
                 <a:spcPts val="0"/>
               </a:spcBef>
@@ -9532,7 +9759,16 @@
             </a:pPr>
             <a:fld id="{00000000-1234-1234-1234-123412341234}" type="slidenum">
               <a:rPr lang="en"/>
-              <a:t>‹#›</a:t>
+              <a:pPr marL="0" lvl="0" indent="0" algn="r" rtl="0">
+                <a:spcBef>
+                  <a:spcPts val="0"/>
+                </a:spcBef>
+                <a:spcAft>
+                  <a:spcPts val="0"/>
+                </a:spcAft>
+                <a:buNone/>
+              </a:pPr>
+              <a:t>4</a:t>
             </a:fld>
             <a:endParaRPr/>
           </a:p>
@@ -9551,41 +9787,38 @@
           </a:xfrm>
           <a:prstGeom prst="rightArrow">
             <a:avLst>
-              <a:gd fmla="val 50000" name="adj1"/>
-              <a:gd fmla="val 50000" name="adj2"/>
+              <a:gd name="adj1" fmla="val 50000"/>
+              <a:gd name="adj2" fmla="val 50000"/>
             </a:avLst>
           </a:prstGeom>
           <a:solidFill>
             <a:srgbClr val="0000FF"/>
           </a:solidFill>
-          <a:ln cap="flat" cmpd="sng" w="9525">
+          <a:ln w="9525" cap="flat" cmpd="sng">
             <a:solidFill>
               <a:srgbClr val="4A86E8"/>
             </a:solidFill>
             <a:prstDash val="solid"/>
             <a:round/>
-            <a:headEnd len="sm" w="sm" type="none"/>
-            <a:tailEnd len="sm" w="sm" type="none"/>
+            <a:headEnd type="none" w="sm" len="sm"/>
+            <a:tailEnd type="none" w="sm" len="sm"/>
           </a:ln>
         </p:spPr>
         <p:txBody>
-          <a:bodyPr anchorCtr="0" anchor="ctr" bIns="91425" lIns="91425" spcFirstLastPara="1" rIns="91425" wrap="square" tIns="91425">
+          <a:bodyPr spcFirstLastPara="1" wrap="square" lIns="91425" tIns="91425" rIns="91425" bIns="91425" anchor="ctr" anchorCtr="0">
             <a:noAutofit/>
           </a:bodyPr>
           <a:lstStyle/>
           <a:p>
-            <a:pPr indent="0" lvl="0" marL="0" rtl="0" algn="l">
-              <a:spcBef>
-                <a:spcPts val="0"/>
-              </a:spcBef>
-              <a:spcAft>
-                <a:spcPts val="0"/>
-              </a:spcAft>
-              <a:buNone/>
-            </a:pPr>
-            <a:r>
-              <a:t/>
-            </a:r>
+            <a:pPr marL="0" lvl="0" indent="0" algn="l" rtl="0">
+              <a:spcBef>
+                <a:spcPts val="0"/>
+              </a:spcBef>
+              <a:spcAft>
+                <a:spcPts val="0"/>
+              </a:spcAft>
+              <a:buNone/>
+            </a:pPr>
             <a:endParaRPr/>
           </a:p>
         </p:txBody>
@@ -9599,11 +9832,11 @@
 </file>
 
 <file path=ppt/slides/slide5.xml><?xml version="1.0" encoding="utf-8"?>
-<p:sld xmlns:a="http://schemas.openxmlformats.org/drawingml/2006/main" xmlns:r="http://schemas.openxmlformats.org/officeDocument/2006/relationships" xmlns:mc="http://schemas.openxmlformats.org/markup-compatibility/2006" xmlns:mv="urn:schemas-microsoft-com:mac:vml" xmlns:p="http://schemas.openxmlformats.org/presentationml/2006/main" xmlns:c="http://schemas.openxmlformats.org/drawingml/2006/chart" xmlns:dgm="http://schemas.openxmlformats.org/drawingml/2006/diagram" xmlns:o="urn:schemas-microsoft-com:office:office" xmlns:v="urn:schemas-microsoft-com:vml" xmlns:pvml="urn:schemas-microsoft-com:office:powerpoint" xmlns:com="http://schemas.openxmlformats.org/drawingml/2006/compatibility" xmlns:p14="http://schemas.microsoft.com/office/powerpoint/2010/main" xmlns:p15="http://schemas.microsoft.com/office/powerpoint/2012/main">
+<p:sld xmlns:a="http://schemas.openxmlformats.org/drawingml/2006/main" xmlns:r="http://schemas.openxmlformats.org/officeDocument/2006/relationships" xmlns:p="http://schemas.openxmlformats.org/presentationml/2006/main">
   <p:cSld>
     <p:spTree>
       <p:nvGrpSpPr>
-        <p:cNvPr id="104" name="Shape 104"/>
+        <p:cNvPr id="1" name="Shape 104"/>
         <p:cNvGrpSpPr/>
         <p:nvPr/>
       </p:nvGrpSpPr>
@@ -9618,7 +9851,9 @@
       <p:sp>
         <p:nvSpPr>
           <p:cNvPr id="105" name="Google Shape;105;p17"/>
-          <p:cNvSpPr txBox="1"/>
+          <p:cNvSpPr txBox="1">
+            <a:spLocks noGrp="1"/>
+          </p:cNvSpPr>
           <p:nvPr>
             <p:ph type="title"/>
           </p:nvPr>
@@ -9633,12 +9868,12 @@
           </a:prstGeom>
         </p:spPr>
         <p:txBody>
-          <a:bodyPr anchorCtr="0" anchor="t" bIns="91425" lIns="91425" spcFirstLastPara="1" rIns="91425" wrap="square" tIns="91425">
+          <a:bodyPr spcFirstLastPara="1" wrap="square" lIns="91425" tIns="91425" rIns="91425" bIns="91425" anchor="t" anchorCtr="0">
             <a:noAutofit/>
           </a:bodyPr>
           <a:lstStyle/>
           <a:p>
-            <a:pPr indent="0" lvl="0" marL="0" rtl="0" algn="l">
+            <a:pPr marL="0" lvl="0" indent="0" algn="l" rtl="0">
               <a:spcBef>
                 <a:spcPts val="0"/>
               </a:spcBef>
@@ -9658,9 +9893,11 @@
       <p:sp>
         <p:nvSpPr>
           <p:cNvPr id="106" name="Google Shape;106;p17"/>
-          <p:cNvSpPr txBox="1"/>
+          <p:cNvSpPr txBox="1">
+            <a:spLocks noGrp="1"/>
+          </p:cNvSpPr>
           <p:nvPr>
-            <p:ph idx="1" type="body"/>
+            <p:ph type="body" idx="1"/>
           </p:nvPr>
         </p:nvSpPr>
         <p:spPr>
@@ -9673,12 +9910,12 @@
           </a:prstGeom>
         </p:spPr>
         <p:txBody>
-          <a:bodyPr anchorCtr="0" anchor="t" bIns="91425" lIns="91425" spcFirstLastPara="1" rIns="91425" wrap="square" tIns="91425">
+          <a:bodyPr spcFirstLastPara="1" wrap="square" lIns="91425" tIns="91425" rIns="91425" bIns="91425" anchor="t" anchorCtr="0">
             <a:noAutofit/>
           </a:bodyPr>
           <a:lstStyle/>
           <a:p>
-            <a:pPr indent="-342900" lvl="0" marL="457200" rtl="0" algn="l">
+            <a:pPr marL="457200" lvl="0" indent="-342900" algn="l" rtl="0">
               <a:spcBef>
                 <a:spcPts val="0"/>
               </a:spcBef>
@@ -9695,7 +9932,7 @@
             <a:endParaRPr/>
           </a:p>
           <a:p>
-            <a:pPr indent="-330200" lvl="1" marL="914400" rtl="0" algn="l">
+            <a:pPr marL="914400" lvl="1" indent="-330200" algn="l" rtl="0">
               <a:spcBef>
                 <a:spcPts val="0"/>
               </a:spcBef>
@@ -9712,7 +9949,7 @@
             <a:endParaRPr sz="1600"/>
           </a:p>
           <a:p>
-            <a:pPr indent="-330200" lvl="2" marL="1371600" rtl="0" algn="l">
+            <a:pPr marL="1371600" lvl="2" indent="-330200" algn="l" rtl="0">
               <a:spcBef>
                 <a:spcPts val="0"/>
               </a:spcBef>
@@ -9729,7 +9966,7 @@
             <a:endParaRPr sz="1600"/>
           </a:p>
           <a:p>
-            <a:pPr indent="-330200" lvl="2" marL="1371600" rtl="0" algn="l">
+            <a:pPr marL="1371600" lvl="2" indent="-330200" algn="l" rtl="0">
               <a:spcBef>
                 <a:spcPts val="0"/>
               </a:spcBef>
@@ -9746,7 +9983,7 @@
             <a:endParaRPr sz="1600"/>
           </a:p>
           <a:p>
-            <a:pPr indent="-342900" lvl="0" marL="457200" rtl="0" algn="l">
+            <a:pPr marL="457200" lvl="0" indent="-342900" algn="l" rtl="0">
               <a:spcBef>
                 <a:spcPts val="0"/>
               </a:spcBef>
@@ -9763,7 +10000,7 @@
             <a:endParaRPr/>
           </a:p>
           <a:p>
-            <a:pPr indent="-342900" lvl="1" marL="914400" rtl="0" algn="l">
+            <a:pPr marL="914400" lvl="1" indent="-342900" algn="l" rtl="0">
               <a:spcBef>
                 <a:spcPts val="0"/>
               </a:spcBef>
@@ -9780,7 +10017,7 @@
             <a:endParaRPr sz="1800"/>
           </a:p>
           <a:p>
-            <a:pPr indent="0" lvl="0" marL="457200" rtl="0" algn="l">
+            <a:pPr marL="457200" lvl="0" indent="0" algn="l" rtl="0">
               <a:spcBef>
                 <a:spcPts val="1600"/>
               </a:spcBef>
@@ -9789,13 +10026,10 @@
               </a:spcAft>
               <a:buNone/>
             </a:pPr>
-            <a:r>
-              <a:t/>
-            </a:r>
             <a:endParaRPr/>
           </a:p>
           <a:p>
-            <a:pPr indent="0" lvl="0" marL="0" rtl="0" algn="l">
+            <a:pPr marL="0" lvl="0" indent="0" algn="l" rtl="0">
               <a:spcBef>
                 <a:spcPts val="1600"/>
               </a:spcBef>
@@ -9804,9 +10038,6 @@
               </a:spcAft>
               <a:buNone/>
             </a:pPr>
-            <a:r>
-              <a:t/>
-            </a:r>
             <a:endParaRPr/>
           </a:p>
         </p:txBody>
@@ -9814,9 +10045,11 @@
       <p:sp>
         <p:nvSpPr>
           <p:cNvPr id="107" name="Google Shape;107;p17"/>
-          <p:cNvSpPr txBox="1"/>
+          <p:cNvSpPr txBox="1">
+            <a:spLocks noGrp="1"/>
+          </p:cNvSpPr>
           <p:nvPr>
-            <p:ph idx="12" type="sldNum"/>
+            <p:ph type="sldNum" idx="12"/>
           </p:nvPr>
         </p:nvSpPr>
         <p:spPr>
@@ -9829,12 +10062,12 @@
           </a:prstGeom>
         </p:spPr>
         <p:txBody>
-          <a:bodyPr anchorCtr="0" anchor="ctr" bIns="91425" lIns="91425" spcFirstLastPara="1" rIns="91425" wrap="square" tIns="91425">
+          <a:bodyPr spcFirstLastPara="1" wrap="square" lIns="91425" tIns="91425" rIns="91425" bIns="91425" anchor="ctr" anchorCtr="0">
             <a:noAutofit/>
           </a:bodyPr>
           <a:lstStyle/>
           <a:p>
-            <a:pPr indent="0" lvl="0" marL="0" rtl="0" algn="r">
+            <a:pPr marL="0" lvl="0" indent="0" algn="r" rtl="0">
               <a:spcBef>
                 <a:spcPts val="0"/>
               </a:spcBef>
@@ -9845,7 +10078,16 @@
             </a:pPr>
             <a:fld id="{00000000-1234-1234-1234-123412341234}" type="slidenum">
               <a:rPr lang="en"/>
-              <a:t>‹#›</a:t>
+              <a:pPr marL="0" lvl="0" indent="0" algn="r" rtl="0">
+                <a:spcBef>
+                  <a:spcPts val="0"/>
+                </a:spcBef>
+                <a:spcAft>
+                  <a:spcPts val="0"/>
+                </a:spcAft>
+                <a:buNone/>
+              </a:pPr>
+              <a:t>5</a:t>
             </a:fld>
             <a:endParaRPr/>
           </a:p>
@@ -9860,11 +10102,11 @@
 </file>
 
 <file path=ppt/slides/slide6.xml><?xml version="1.0" encoding="utf-8"?>
-<p:sld xmlns:a="http://schemas.openxmlformats.org/drawingml/2006/main" xmlns:r="http://schemas.openxmlformats.org/officeDocument/2006/relationships" xmlns:mc="http://schemas.openxmlformats.org/markup-compatibility/2006" xmlns:mv="urn:schemas-microsoft-com:mac:vml" xmlns:p="http://schemas.openxmlformats.org/presentationml/2006/main" xmlns:c="http://schemas.openxmlformats.org/drawingml/2006/chart" xmlns:dgm="http://schemas.openxmlformats.org/drawingml/2006/diagram" xmlns:o="urn:schemas-microsoft-com:office:office" xmlns:v="urn:schemas-microsoft-com:vml" xmlns:pvml="urn:schemas-microsoft-com:office:powerpoint" xmlns:com="http://schemas.openxmlformats.org/drawingml/2006/compatibility" xmlns:p14="http://schemas.microsoft.com/office/powerpoint/2010/main" xmlns:p15="http://schemas.microsoft.com/office/powerpoint/2012/main">
+<p:sld xmlns:a="http://schemas.openxmlformats.org/drawingml/2006/main" xmlns:r="http://schemas.openxmlformats.org/officeDocument/2006/relationships" xmlns:p="http://schemas.openxmlformats.org/presentationml/2006/main">
   <p:cSld>
     <p:spTree>
       <p:nvGrpSpPr>
-        <p:cNvPr id="111" name="Shape 111"/>
+        <p:cNvPr id="1" name="Shape 111"/>
         <p:cNvGrpSpPr/>
         <p:nvPr/>
       </p:nvGrpSpPr>
@@ -9879,7 +10121,9 @@
       <p:sp>
         <p:nvSpPr>
           <p:cNvPr id="112" name="Google Shape;112;p18"/>
-          <p:cNvSpPr txBox="1"/>
+          <p:cNvSpPr txBox="1">
+            <a:spLocks noGrp="1"/>
+          </p:cNvSpPr>
           <p:nvPr>
             <p:ph type="title"/>
           </p:nvPr>
@@ -9894,12 +10138,12 @@
           </a:prstGeom>
         </p:spPr>
         <p:txBody>
-          <a:bodyPr anchorCtr="0" anchor="t" bIns="91425" lIns="91425" spcFirstLastPara="1" rIns="91425" wrap="square" tIns="91425">
+          <a:bodyPr spcFirstLastPara="1" wrap="square" lIns="91425" tIns="91425" rIns="91425" bIns="91425" anchor="t" anchorCtr="0">
             <a:noAutofit/>
           </a:bodyPr>
           <a:lstStyle/>
           <a:p>
-            <a:pPr indent="0" lvl="0" marL="0" rtl="0" algn="l">
+            <a:pPr marL="0" lvl="0" indent="0" algn="l" rtl="0">
               <a:spcBef>
                 <a:spcPts val="0"/>
               </a:spcBef>
@@ -9919,9 +10163,11 @@
       <p:sp>
         <p:nvSpPr>
           <p:cNvPr id="113" name="Google Shape;113;p18"/>
-          <p:cNvSpPr txBox="1"/>
+          <p:cNvSpPr txBox="1">
+            <a:spLocks noGrp="1"/>
+          </p:cNvSpPr>
           <p:nvPr>
-            <p:ph idx="1" type="body"/>
+            <p:ph type="body" idx="1"/>
           </p:nvPr>
         </p:nvSpPr>
         <p:spPr>
@@ -9934,12 +10180,12 @@
           </a:prstGeom>
         </p:spPr>
         <p:txBody>
-          <a:bodyPr anchorCtr="0" anchor="t" bIns="91425" lIns="91425" spcFirstLastPara="1" rIns="91425" wrap="square" tIns="91425">
+          <a:bodyPr spcFirstLastPara="1" wrap="square" lIns="91425" tIns="91425" rIns="91425" bIns="91425" anchor="t" anchorCtr="0">
             <a:noAutofit/>
           </a:bodyPr>
           <a:lstStyle/>
           <a:p>
-            <a:pPr indent="-342900" lvl="0" marL="457200" rtl="0" algn="l">
+            <a:pPr marL="457200" lvl="0" indent="-342900" algn="l" rtl="0">
               <a:spcBef>
                 <a:spcPts val="0"/>
               </a:spcBef>
@@ -9956,7 +10202,7 @@
             <a:endParaRPr/>
           </a:p>
           <a:p>
-            <a:pPr indent="-317500" lvl="1" marL="914400" rtl="0" algn="l">
+            <a:pPr marL="914400" lvl="1" indent="-317500" algn="l" rtl="0">
               <a:spcBef>
                 <a:spcPts val="0"/>
               </a:spcBef>
@@ -9973,7 +10219,7 @@
             <a:endParaRPr/>
           </a:p>
           <a:p>
-            <a:pPr indent="-317500" lvl="1" marL="914400" rtl="0" algn="l">
+            <a:pPr marL="914400" lvl="1" indent="-317500" algn="l" rtl="0">
               <a:spcBef>
                 <a:spcPts val="0"/>
               </a:spcBef>
@@ -9990,7 +10236,7 @@
             <a:endParaRPr/>
           </a:p>
           <a:p>
-            <a:pPr indent="-317500" lvl="1" marL="914400" rtl="0" algn="l">
+            <a:pPr marL="914400" lvl="1" indent="-317500" algn="l" rtl="0">
               <a:spcBef>
                 <a:spcPts val="0"/>
               </a:spcBef>
@@ -10007,7 +10253,7 @@
             <a:endParaRPr/>
           </a:p>
           <a:p>
-            <a:pPr indent="-317500" lvl="1" marL="914400" rtl="0" algn="l">
+            <a:pPr marL="914400" lvl="1" indent="-317500" algn="l" rtl="0">
               <a:spcBef>
                 <a:spcPts val="0"/>
               </a:spcBef>
@@ -10024,7 +10270,7 @@
             <a:endParaRPr/>
           </a:p>
           <a:p>
-            <a:pPr indent="-317500" lvl="1" marL="914400" rtl="0" algn="l">
+            <a:pPr marL="914400" lvl="1" indent="-317500" algn="l" rtl="0">
               <a:spcBef>
                 <a:spcPts val="0"/>
               </a:spcBef>
@@ -10041,7 +10287,7 @@
             <a:endParaRPr/>
           </a:p>
           <a:p>
-            <a:pPr indent="-317500" lvl="1" marL="914400" rtl="0" algn="l">
+            <a:pPr marL="914400" lvl="1" indent="-317500" algn="l" rtl="0">
               <a:spcBef>
                 <a:spcPts val="0"/>
               </a:spcBef>
@@ -10058,7 +10304,7 @@
             <a:endParaRPr/>
           </a:p>
           <a:p>
-            <a:pPr indent="-317500" lvl="1" marL="914400" rtl="0" algn="l">
+            <a:pPr marL="914400" lvl="1" indent="-317500" algn="l" rtl="0">
               <a:spcBef>
                 <a:spcPts val="0"/>
               </a:spcBef>
@@ -10075,7 +10321,7 @@
             <a:endParaRPr/>
           </a:p>
           <a:p>
-            <a:pPr indent="-342900" lvl="0" marL="457200" rtl="0" algn="l">
+            <a:pPr marL="457200" lvl="0" indent="-342900" algn="l" rtl="0">
               <a:spcBef>
                 <a:spcPts val="0"/>
               </a:spcBef>
@@ -10092,7 +10338,7 @@
             <a:endParaRPr/>
           </a:p>
           <a:p>
-            <a:pPr indent="-317500" lvl="1" marL="914400" rtl="0" algn="l">
+            <a:pPr marL="914400" lvl="1" indent="-317500" algn="l" rtl="0">
               <a:spcBef>
                 <a:spcPts val="0"/>
               </a:spcBef>
@@ -10109,7 +10355,7 @@
             <a:endParaRPr/>
           </a:p>
           <a:p>
-            <a:pPr indent="-317500" lvl="1" marL="914400" rtl="0" algn="l">
+            <a:pPr marL="914400" lvl="1" indent="-317500" algn="l" rtl="0">
               <a:spcBef>
                 <a:spcPts val="0"/>
               </a:spcBef>
@@ -10126,7 +10372,7 @@
             <a:endParaRPr/>
           </a:p>
           <a:p>
-            <a:pPr indent="-317500" lvl="1" marL="914400" rtl="0" algn="l">
+            <a:pPr marL="914400" lvl="1" indent="-317500" algn="l" rtl="0">
               <a:spcBef>
                 <a:spcPts val="0"/>
               </a:spcBef>
@@ -10143,7 +10389,7 @@
             <a:endParaRPr/>
           </a:p>
           <a:p>
-            <a:pPr indent="-317500" lvl="1" marL="914400" rtl="0" algn="l">
+            <a:pPr marL="914400" lvl="1" indent="-317500" algn="l" rtl="0">
               <a:spcBef>
                 <a:spcPts val="0"/>
               </a:spcBef>
@@ -10160,7 +10406,7 @@
             <a:endParaRPr/>
           </a:p>
           <a:p>
-            <a:pPr indent="0" lvl="0" marL="0" rtl="0" algn="l">
+            <a:pPr marL="0" lvl="0" indent="0" algn="l" rtl="0">
               <a:spcBef>
                 <a:spcPts val="1600"/>
               </a:spcBef>
@@ -10169,13 +10415,10 @@
               </a:spcAft>
               <a:buNone/>
             </a:pPr>
-            <a:r>
-              <a:t/>
-            </a:r>
             <a:endParaRPr/>
           </a:p>
           <a:p>
-            <a:pPr indent="0" lvl="0" marL="0" rtl="0" algn="l">
+            <a:pPr marL="0" lvl="0" indent="0" algn="l" rtl="0">
               <a:spcBef>
                 <a:spcPts val="1600"/>
               </a:spcBef>
@@ -10184,13 +10427,10 @@
               </a:spcAft>
               <a:buNone/>
             </a:pPr>
-            <a:r>
-              <a:t/>
-            </a:r>
             <a:endParaRPr/>
           </a:p>
           <a:p>
-            <a:pPr indent="0" lvl="0" marL="0" rtl="0" algn="l">
+            <a:pPr marL="0" lvl="0" indent="0" algn="l" rtl="0">
               <a:spcBef>
                 <a:spcPts val="1600"/>
               </a:spcBef>
@@ -10199,9 +10439,6 @@
               </a:spcAft>
               <a:buNone/>
             </a:pPr>
-            <a:r>
-              <a:t/>
-            </a:r>
             <a:endParaRPr/>
           </a:p>
         </p:txBody>
@@ -10209,9 +10446,11 @@
       <p:sp>
         <p:nvSpPr>
           <p:cNvPr id="114" name="Google Shape;114;p18"/>
-          <p:cNvSpPr txBox="1"/>
+          <p:cNvSpPr txBox="1">
+            <a:spLocks noGrp="1"/>
+          </p:cNvSpPr>
           <p:nvPr>
-            <p:ph idx="12" type="sldNum"/>
+            <p:ph type="sldNum" idx="12"/>
           </p:nvPr>
         </p:nvSpPr>
         <p:spPr>
@@ -10224,12 +10463,12 @@
           </a:prstGeom>
         </p:spPr>
         <p:txBody>
-          <a:bodyPr anchorCtr="0" anchor="ctr" bIns="91425" lIns="91425" spcFirstLastPara="1" rIns="91425" wrap="square" tIns="91425">
+          <a:bodyPr spcFirstLastPara="1" wrap="square" lIns="91425" tIns="91425" rIns="91425" bIns="91425" anchor="ctr" anchorCtr="0">
             <a:noAutofit/>
           </a:bodyPr>
           <a:lstStyle/>
           <a:p>
-            <a:pPr indent="0" lvl="0" marL="0" rtl="0" algn="r">
+            <a:pPr marL="0" lvl="0" indent="0" algn="r" rtl="0">
               <a:spcBef>
                 <a:spcPts val="0"/>
               </a:spcBef>
@@ -10240,7 +10479,16 @@
             </a:pPr>
             <a:fld id="{00000000-1234-1234-1234-123412341234}" type="slidenum">
               <a:rPr lang="en"/>
-              <a:t>‹#›</a:t>
+              <a:pPr marL="0" lvl="0" indent="0" algn="r" rtl="0">
+                <a:spcBef>
+                  <a:spcPts val="0"/>
+                </a:spcBef>
+                <a:spcAft>
+                  <a:spcPts val="0"/>
+                </a:spcAft>
+                <a:buNone/>
+              </a:pPr>
+              <a:t>6</a:t>
             </a:fld>
             <a:endParaRPr/>
           </a:p>
@@ -10259,27 +10507,27 @@
           </a:xfrm>
           <a:prstGeom prst="snip1Rect">
             <a:avLst>
-              <a:gd fmla="val 16667" name="adj"/>
+              <a:gd name="adj" fmla="val 16667"/>
             </a:avLst>
           </a:prstGeom>
           <a:noFill/>
-          <a:ln cap="flat" cmpd="sng" w="9525">
+          <a:ln w="9525" cap="flat" cmpd="sng">
             <a:solidFill>
               <a:schemeClr val="dk2"/>
             </a:solidFill>
             <a:prstDash val="solid"/>
             <a:round/>
-            <a:headEnd len="sm" w="sm" type="none"/>
-            <a:tailEnd len="sm" w="sm" type="none"/>
+            <a:headEnd type="none" w="sm" len="sm"/>
+            <a:tailEnd type="none" w="sm" len="sm"/>
           </a:ln>
         </p:spPr>
         <p:txBody>
-          <a:bodyPr anchorCtr="0" anchor="ctr" bIns="91425" lIns="91425" spcFirstLastPara="1" rIns="91425" wrap="square" tIns="91425">
+          <a:bodyPr spcFirstLastPara="1" wrap="square" lIns="91425" tIns="91425" rIns="91425" bIns="91425" anchor="ctr" anchorCtr="0">
             <a:noAutofit/>
           </a:bodyPr>
           <a:lstStyle/>
           <a:p>
-            <a:pPr indent="0" lvl="0" marL="0" rtl="0" algn="l">
+            <a:pPr marL="0" lvl="0" indent="0" algn="l" rtl="0">
               <a:spcBef>
                 <a:spcPts val="0"/>
               </a:spcBef>
@@ -10309,27 +10557,27 @@
           </a:xfrm>
           <a:prstGeom prst="can">
             <a:avLst>
-              <a:gd fmla="val 25000" name="adj"/>
+              <a:gd name="adj" fmla="val 25000"/>
             </a:avLst>
           </a:prstGeom>
           <a:noFill/>
-          <a:ln cap="flat" cmpd="sng" w="9525">
+          <a:ln w="9525" cap="flat" cmpd="sng">
             <a:solidFill>
               <a:schemeClr val="dk2"/>
             </a:solidFill>
             <a:prstDash val="solid"/>
             <a:round/>
-            <a:headEnd len="sm" w="sm" type="none"/>
-            <a:tailEnd len="sm" w="sm" type="none"/>
+            <a:headEnd type="none" w="sm" len="sm"/>
+            <a:tailEnd type="none" w="sm" len="sm"/>
           </a:ln>
         </p:spPr>
         <p:txBody>
-          <a:bodyPr anchorCtr="0" anchor="ctr" bIns="91425" lIns="91425" spcFirstLastPara="1" rIns="91425" wrap="square" tIns="91425">
+          <a:bodyPr spcFirstLastPara="1" wrap="square" lIns="91425" tIns="91425" rIns="91425" bIns="91425" anchor="ctr" anchorCtr="0">
             <a:noAutofit/>
           </a:bodyPr>
           <a:lstStyle/>
           <a:p>
-            <a:pPr indent="0" lvl="0" marL="0" rtl="0" algn="l">
+            <a:pPr marL="0" lvl="0" indent="0" algn="l" rtl="0">
               <a:spcBef>
                 <a:spcPts val="0"/>
               </a:spcBef>
@@ -10359,38 +10607,35 @@
           </a:xfrm>
           <a:prstGeom prst="snip1Rect">
             <a:avLst>
-              <a:gd fmla="val 16667" name="adj"/>
+              <a:gd name="adj" fmla="val 16667"/>
             </a:avLst>
           </a:prstGeom>
           <a:noFill/>
-          <a:ln cap="flat" cmpd="sng" w="9525">
+          <a:ln w="9525" cap="flat" cmpd="sng">
             <a:solidFill>
               <a:schemeClr val="dk2"/>
             </a:solidFill>
             <a:prstDash val="solid"/>
             <a:round/>
-            <a:headEnd len="sm" w="sm" type="none"/>
-            <a:tailEnd len="sm" w="sm" type="none"/>
+            <a:headEnd type="none" w="sm" len="sm"/>
+            <a:tailEnd type="none" w="sm" len="sm"/>
           </a:ln>
         </p:spPr>
         <p:txBody>
-          <a:bodyPr anchorCtr="0" anchor="ctr" bIns="91425" lIns="91425" spcFirstLastPara="1" rIns="91425" wrap="square" tIns="91425">
+          <a:bodyPr spcFirstLastPara="1" wrap="square" lIns="91425" tIns="91425" rIns="91425" bIns="91425" anchor="ctr" anchorCtr="0">
             <a:noAutofit/>
           </a:bodyPr>
           <a:lstStyle/>
           <a:p>
-            <a:pPr indent="0" lvl="0" marL="0" rtl="0" algn="l">
-              <a:spcBef>
-                <a:spcPts val="0"/>
-              </a:spcBef>
-              <a:spcAft>
-                <a:spcPts val="0"/>
-              </a:spcAft>
-              <a:buNone/>
-            </a:pPr>
-            <a:r>
-              <a:t/>
-            </a:r>
+            <a:pPr marL="0" lvl="0" indent="0" algn="l" rtl="0">
+              <a:spcBef>
+                <a:spcPts val="0"/>
+              </a:spcBef>
+              <a:spcAft>
+                <a:spcPts val="0"/>
+              </a:spcAft>
+              <a:buNone/>
+            </a:pPr>
             <a:endParaRPr/>
           </a:p>
         </p:txBody>
@@ -10408,38 +10653,35 @@
           </a:xfrm>
           <a:prstGeom prst="snip1Rect">
             <a:avLst>
-              <a:gd fmla="val 16667" name="adj"/>
+              <a:gd name="adj" fmla="val 16667"/>
             </a:avLst>
           </a:prstGeom>
           <a:noFill/>
-          <a:ln cap="flat" cmpd="sng" w="9525">
+          <a:ln w="9525" cap="flat" cmpd="sng">
             <a:solidFill>
               <a:schemeClr val="dk2"/>
             </a:solidFill>
             <a:prstDash val="solid"/>
             <a:round/>
-            <a:headEnd len="sm" w="sm" type="none"/>
-            <a:tailEnd len="sm" w="sm" type="none"/>
+            <a:headEnd type="none" w="sm" len="sm"/>
+            <a:tailEnd type="none" w="sm" len="sm"/>
           </a:ln>
         </p:spPr>
         <p:txBody>
-          <a:bodyPr anchorCtr="0" anchor="ctr" bIns="91425" lIns="91425" spcFirstLastPara="1" rIns="91425" wrap="square" tIns="91425">
+          <a:bodyPr spcFirstLastPara="1" wrap="square" lIns="91425" tIns="91425" rIns="91425" bIns="91425" anchor="ctr" anchorCtr="0">
             <a:noAutofit/>
           </a:bodyPr>
           <a:lstStyle/>
           <a:p>
-            <a:pPr indent="0" lvl="0" marL="0" rtl="0" algn="l">
-              <a:spcBef>
-                <a:spcPts val="0"/>
-              </a:spcBef>
-              <a:spcAft>
-                <a:spcPts val="0"/>
-              </a:spcAft>
-              <a:buNone/>
-            </a:pPr>
-            <a:r>
-              <a:t/>
-            </a:r>
+            <a:pPr marL="0" lvl="0" indent="0" algn="l" rtl="0">
+              <a:spcBef>
+                <a:spcPts val="0"/>
+              </a:spcBef>
+              <a:spcAft>
+                <a:spcPts val="0"/>
+              </a:spcAft>
+              <a:buNone/>
+            </a:pPr>
             <a:endParaRPr/>
           </a:p>
         </p:txBody>
@@ -10457,38 +10699,35 @@
           </a:xfrm>
           <a:prstGeom prst="snip1Rect">
             <a:avLst>
-              <a:gd fmla="val 16667" name="adj"/>
+              <a:gd name="adj" fmla="val 16667"/>
             </a:avLst>
           </a:prstGeom>
           <a:noFill/>
-          <a:ln cap="flat" cmpd="sng" w="9525">
+          <a:ln w="9525" cap="flat" cmpd="sng">
             <a:solidFill>
               <a:schemeClr val="dk2"/>
             </a:solidFill>
             <a:prstDash val="solid"/>
             <a:round/>
-            <a:headEnd len="sm" w="sm" type="none"/>
-            <a:tailEnd len="sm" w="sm" type="none"/>
+            <a:headEnd type="none" w="sm" len="sm"/>
+            <a:tailEnd type="none" w="sm" len="sm"/>
           </a:ln>
         </p:spPr>
         <p:txBody>
-          <a:bodyPr anchorCtr="0" anchor="ctr" bIns="91425" lIns="91425" spcFirstLastPara="1" rIns="91425" wrap="square" tIns="91425">
+          <a:bodyPr spcFirstLastPara="1" wrap="square" lIns="91425" tIns="91425" rIns="91425" bIns="91425" anchor="ctr" anchorCtr="0">
             <a:noAutofit/>
           </a:bodyPr>
           <a:lstStyle/>
           <a:p>
-            <a:pPr indent="0" lvl="0" marL="0" rtl="0" algn="l">
-              <a:spcBef>
-                <a:spcPts val="0"/>
-              </a:spcBef>
-              <a:spcAft>
-                <a:spcPts val="0"/>
-              </a:spcAft>
-              <a:buNone/>
-            </a:pPr>
-            <a:r>
-              <a:t/>
-            </a:r>
+            <a:pPr marL="0" lvl="0" indent="0" algn="l" rtl="0">
+              <a:spcBef>
+                <a:spcPts val="0"/>
+              </a:spcBef>
+              <a:spcAft>
+                <a:spcPts val="0"/>
+              </a:spcAft>
+              <a:buNone/>
+            </a:pPr>
             <a:endParaRPr/>
           </a:p>
         </p:txBody>
@@ -10506,39 +10745,36 @@
           </a:xfrm>
           <a:prstGeom prst="rightArrow">
             <a:avLst>
-              <a:gd fmla="val 50000" name="adj1"/>
-              <a:gd fmla="val 50000" name="adj2"/>
+              <a:gd name="adj1" fmla="val 50000"/>
+              <a:gd name="adj2" fmla="val 50000"/>
             </a:avLst>
           </a:prstGeom>
           <a:noFill/>
-          <a:ln cap="flat" cmpd="sng" w="9525">
+          <a:ln w="9525" cap="flat" cmpd="sng">
             <a:solidFill>
               <a:schemeClr val="dk2"/>
             </a:solidFill>
             <a:prstDash val="solid"/>
             <a:round/>
-            <a:headEnd len="sm" w="sm" type="none"/>
-            <a:tailEnd len="sm" w="sm" type="none"/>
+            <a:headEnd type="none" w="sm" len="sm"/>
+            <a:tailEnd type="none" w="sm" len="sm"/>
           </a:ln>
         </p:spPr>
         <p:txBody>
-          <a:bodyPr anchorCtr="0" anchor="ctr" bIns="91425" lIns="91425" spcFirstLastPara="1" rIns="91425" wrap="square" tIns="91425">
+          <a:bodyPr spcFirstLastPara="1" wrap="square" lIns="91425" tIns="91425" rIns="91425" bIns="91425" anchor="ctr" anchorCtr="0">
             <a:noAutofit/>
           </a:bodyPr>
           <a:lstStyle/>
           <a:p>
-            <a:pPr indent="0" lvl="0" marL="0" rtl="0" algn="l">
-              <a:spcBef>
-                <a:spcPts val="0"/>
-              </a:spcBef>
-              <a:spcAft>
-                <a:spcPts val="0"/>
-              </a:spcAft>
-              <a:buNone/>
-            </a:pPr>
-            <a:r>
-              <a:t/>
-            </a:r>
+            <a:pPr marL="0" lvl="0" indent="0" algn="l" rtl="0">
+              <a:spcBef>
+                <a:spcPts val="0"/>
+              </a:spcBef>
+              <a:spcAft>
+                <a:spcPts val="0"/>
+              </a:spcAft>
+              <a:buNone/>
+            </a:pPr>
             <a:endParaRPr/>
           </a:p>
         </p:txBody>
@@ -10556,39 +10792,36 @@
           </a:xfrm>
           <a:prstGeom prst="rightArrow">
             <a:avLst>
-              <a:gd fmla="val 50000" name="adj1"/>
-              <a:gd fmla="val 50000" name="adj2"/>
+              <a:gd name="adj1" fmla="val 50000"/>
+              <a:gd name="adj2" fmla="val 50000"/>
             </a:avLst>
           </a:prstGeom>
           <a:noFill/>
-          <a:ln cap="flat" cmpd="sng" w="9525">
+          <a:ln w="9525" cap="flat" cmpd="sng">
             <a:solidFill>
               <a:schemeClr val="dk2"/>
             </a:solidFill>
             <a:prstDash val="solid"/>
             <a:round/>
-            <a:headEnd len="sm" w="sm" type="none"/>
-            <a:tailEnd len="sm" w="sm" type="none"/>
+            <a:headEnd type="none" w="sm" len="sm"/>
+            <a:tailEnd type="none" w="sm" len="sm"/>
           </a:ln>
         </p:spPr>
         <p:txBody>
-          <a:bodyPr anchorCtr="0" anchor="ctr" bIns="91425" lIns="91425" spcFirstLastPara="1" rIns="91425" wrap="square" tIns="91425">
+          <a:bodyPr spcFirstLastPara="1" wrap="square" lIns="91425" tIns="91425" rIns="91425" bIns="91425" anchor="ctr" anchorCtr="0">
             <a:noAutofit/>
           </a:bodyPr>
           <a:lstStyle/>
           <a:p>
-            <a:pPr indent="0" lvl="0" marL="0" rtl="0" algn="l">
-              <a:spcBef>
-                <a:spcPts val="0"/>
-              </a:spcBef>
-              <a:spcAft>
-                <a:spcPts val="0"/>
-              </a:spcAft>
-              <a:buNone/>
-            </a:pPr>
-            <a:r>
-              <a:t/>
-            </a:r>
+            <a:pPr marL="0" lvl="0" indent="0" algn="l" rtl="0">
+              <a:spcBef>
+                <a:spcPts val="0"/>
+              </a:spcBef>
+              <a:spcAft>
+                <a:spcPts val="0"/>
+              </a:spcAft>
+              <a:buNone/>
+            </a:pPr>
             <a:endParaRPr/>
           </a:p>
         </p:txBody>
@@ -10613,12 +10846,12 @@
           </a:ln>
         </p:spPr>
         <p:txBody>
-          <a:bodyPr anchorCtr="0" anchor="t" bIns="91425" lIns="91425" spcFirstLastPara="1" rIns="91425" wrap="square" tIns="91425">
+          <a:bodyPr spcFirstLastPara="1" wrap="square" lIns="91425" tIns="91425" rIns="91425" bIns="91425" anchor="t" anchorCtr="0">
             <a:noAutofit/>
           </a:bodyPr>
           <a:lstStyle/>
           <a:p>
-            <a:pPr indent="0" lvl="0" marL="0" rtl="0" algn="l">
+            <a:pPr marL="0" lvl="0" indent="0" algn="l" rtl="0">
               <a:spcBef>
                 <a:spcPts val="0"/>
               </a:spcBef>
@@ -10665,12 +10898,12 @@
           </a:ln>
         </p:spPr>
         <p:txBody>
-          <a:bodyPr anchorCtr="0" anchor="t" bIns="91425" lIns="91425" spcFirstLastPara="1" rIns="91425" wrap="square" tIns="91425">
+          <a:bodyPr spcFirstLastPara="1" wrap="square" lIns="91425" tIns="91425" rIns="91425" bIns="91425" anchor="t" anchorCtr="0">
             <a:noAutofit/>
           </a:bodyPr>
           <a:lstStyle/>
           <a:p>
-            <a:pPr indent="0" lvl="0" marL="0" rtl="0" algn="l">
+            <a:pPr marL="0" lvl="0" indent="0" algn="l" rtl="0">
               <a:spcBef>
                 <a:spcPts val="0"/>
               </a:spcBef>
@@ -10717,12 +10950,12 @@
           </a:ln>
         </p:spPr>
         <p:txBody>
-          <a:bodyPr anchorCtr="0" anchor="t" bIns="91425" lIns="91425" spcFirstLastPara="1" rIns="91425" wrap="square" tIns="91425">
+          <a:bodyPr spcFirstLastPara="1" wrap="square" lIns="91425" tIns="91425" rIns="91425" bIns="91425" anchor="t" anchorCtr="0">
             <a:noAutofit/>
           </a:bodyPr>
           <a:lstStyle/>
           <a:p>
-            <a:pPr indent="0" lvl="0" marL="0" rtl="0" algn="l">
+            <a:pPr marL="0" lvl="0" indent="0" algn="l" rtl="0">
               <a:spcBef>
                 <a:spcPts val="0"/>
               </a:spcBef>
@@ -10762,27 +10995,27 @@
           </a:xfrm>
           <a:prstGeom prst="foldedCorner">
             <a:avLst>
-              <a:gd fmla="val 16667" name="adj"/>
+              <a:gd name="adj" fmla="val 16667"/>
             </a:avLst>
           </a:prstGeom>
           <a:noFill/>
-          <a:ln cap="flat" cmpd="sng" w="9525">
+          <a:ln w="9525" cap="flat" cmpd="sng">
             <a:solidFill>
               <a:schemeClr val="dk2"/>
             </a:solidFill>
             <a:prstDash val="solid"/>
             <a:round/>
-            <a:headEnd len="sm" w="sm" type="none"/>
-            <a:tailEnd len="sm" w="sm" type="none"/>
+            <a:headEnd type="none" w="sm" len="sm"/>
+            <a:tailEnd type="none" w="sm" len="sm"/>
           </a:ln>
         </p:spPr>
         <p:txBody>
-          <a:bodyPr anchorCtr="0" anchor="ctr" bIns="91425" lIns="91425" spcFirstLastPara="1" rIns="91425" wrap="square" tIns="91425">
+          <a:bodyPr spcFirstLastPara="1" wrap="square" lIns="91425" tIns="91425" rIns="91425" bIns="91425" anchor="ctr" anchorCtr="0">
             <a:noAutofit/>
           </a:bodyPr>
           <a:lstStyle/>
           <a:p>
-            <a:pPr indent="0" lvl="0" marL="0" rtl="0" algn="l">
+            <a:pPr marL="0" lvl="0" indent="0" algn="l" rtl="0">
               <a:spcBef>
                 <a:spcPts val="0"/>
               </a:spcBef>
@@ -10812,39 +11045,36 @@
           </a:xfrm>
           <a:prstGeom prst="rightArrow">
             <a:avLst>
-              <a:gd fmla="val 50000" name="adj1"/>
-              <a:gd fmla="val 50000" name="adj2"/>
+              <a:gd name="adj1" fmla="val 50000"/>
+              <a:gd name="adj2" fmla="val 50000"/>
             </a:avLst>
           </a:prstGeom>
           <a:noFill/>
-          <a:ln cap="flat" cmpd="sng" w="9525">
+          <a:ln w="9525" cap="flat" cmpd="sng">
             <a:solidFill>
               <a:schemeClr val="dk2"/>
             </a:solidFill>
             <a:prstDash val="solid"/>
             <a:round/>
-            <a:headEnd len="sm" w="sm" type="none"/>
-            <a:tailEnd len="sm" w="sm" type="none"/>
+            <a:headEnd type="none" w="sm" len="sm"/>
+            <a:tailEnd type="none" w="sm" len="sm"/>
           </a:ln>
         </p:spPr>
         <p:txBody>
-          <a:bodyPr anchorCtr="0" anchor="ctr" bIns="91425" lIns="91425" spcFirstLastPara="1" rIns="91425" wrap="square" tIns="91425">
+          <a:bodyPr spcFirstLastPara="1" wrap="square" lIns="91425" tIns="91425" rIns="91425" bIns="91425" anchor="ctr" anchorCtr="0">
             <a:noAutofit/>
           </a:bodyPr>
           <a:lstStyle/>
           <a:p>
-            <a:pPr indent="0" lvl="0" marL="0" rtl="0" algn="l">
-              <a:spcBef>
-                <a:spcPts val="0"/>
-              </a:spcBef>
-              <a:spcAft>
-                <a:spcPts val="0"/>
-              </a:spcAft>
-              <a:buNone/>
-            </a:pPr>
-            <a:r>
-              <a:t/>
-            </a:r>
+            <a:pPr marL="0" lvl="0" indent="0" algn="l" rtl="0">
+              <a:spcBef>
+                <a:spcPts val="0"/>
+              </a:spcBef>
+              <a:spcAft>
+                <a:spcPts val="0"/>
+              </a:spcAft>
+              <a:buNone/>
+            </a:pPr>
             <a:endParaRPr/>
           </a:p>
         </p:txBody>
@@ -10858,11 +11088,11 @@
 </file>
 
 <file path=ppt/slides/slide7.xml><?xml version="1.0" encoding="utf-8"?>
-<p:sld xmlns:a="http://schemas.openxmlformats.org/drawingml/2006/main" xmlns:r="http://schemas.openxmlformats.org/officeDocument/2006/relationships" xmlns:mc="http://schemas.openxmlformats.org/markup-compatibility/2006" xmlns:mv="urn:schemas-microsoft-com:mac:vml" xmlns:p="http://schemas.openxmlformats.org/presentationml/2006/main" xmlns:c="http://schemas.openxmlformats.org/drawingml/2006/chart" xmlns:dgm="http://schemas.openxmlformats.org/drawingml/2006/diagram" xmlns:o="urn:schemas-microsoft-com:office:office" xmlns:v="urn:schemas-microsoft-com:vml" xmlns:pvml="urn:schemas-microsoft-com:office:powerpoint" xmlns:com="http://schemas.openxmlformats.org/drawingml/2006/compatibility" xmlns:p14="http://schemas.microsoft.com/office/powerpoint/2010/main" xmlns:p15="http://schemas.microsoft.com/office/powerpoint/2012/main">
+<p:sld xmlns:a="http://schemas.openxmlformats.org/drawingml/2006/main" xmlns:r="http://schemas.openxmlformats.org/officeDocument/2006/relationships" xmlns:p="http://schemas.openxmlformats.org/presentationml/2006/main">
   <p:cSld>
     <p:spTree>
       <p:nvGrpSpPr>
-        <p:cNvPr id="130" name="Shape 130"/>
+        <p:cNvPr id="1" name="Shape 130"/>
         <p:cNvGrpSpPr/>
         <p:nvPr/>
       </p:nvGrpSpPr>
@@ -10877,7 +11107,9 @@
       <p:sp>
         <p:nvSpPr>
           <p:cNvPr id="131" name="Google Shape;131;p19"/>
-          <p:cNvSpPr txBox="1"/>
+          <p:cNvSpPr txBox="1">
+            <a:spLocks noGrp="1"/>
+          </p:cNvSpPr>
           <p:nvPr>
             <p:ph type="title"/>
           </p:nvPr>
@@ -10892,12 +11124,12 @@
           </a:prstGeom>
         </p:spPr>
         <p:txBody>
-          <a:bodyPr anchorCtr="0" anchor="t" bIns="91425" lIns="91425" spcFirstLastPara="1" rIns="91425" wrap="square" tIns="91425">
+          <a:bodyPr spcFirstLastPara="1" wrap="square" lIns="91425" tIns="91425" rIns="91425" bIns="91425" anchor="t" anchorCtr="0">
             <a:noAutofit/>
           </a:bodyPr>
           <a:lstStyle/>
           <a:p>
-            <a:pPr indent="0" lvl="0" marL="0" rtl="0" algn="l">
+            <a:pPr marL="0" lvl="0" indent="0" algn="l" rtl="0">
               <a:spcBef>
                 <a:spcPts val="0"/>
               </a:spcBef>
@@ -10907,8 +11139,19 @@
               <a:buNone/>
             </a:pPr>
             <a:r>
-              <a:rPr lang="en"/>
-              <a:t>Stations Ontology</a:t>
+              <a:rPr lang="en" dirty="0"/>
+              <a:t>Stations </a:t>
+            </a:r>
+            <a:r>
+              <a:rPr lang="en" dirty="0" smtClean="0"/>
+              <a:t/>
+            </a:r>
+            <a:br>
+              <a:rPr lang="en" dirty="0" smtClean="0"/>
+            </a:br>
+            <a:r>
+              <a:rPr lang="en" dirty="0" smtClean="0"/>
+              <a:t>Ontology</a:t>
             </a:r>
             <a:endParaRPr/>
           </a:p>
@@ -10917,9 +11160,11 @@
       <p:sp>
         <p:nvSpPr>
           <p:cNvPr id="132" name="Google Shape;132;p19"/>
-          <p:cNvSpPr txBox="1"/>
+          <p:cNvSpPr txBox="1">
+            <a:spLocks noGrp="1"/>
+          </p:cNvSpPr>
           <p:nvPr>
-            <p:ph idx="12" type="sldNum"/>
+            <p:ph type="sldNum" idx="12"/>
           </p:nvPr>
         </p:nvSpPr>
         <p:spPr>
@@ -10932,12 +11177,12 @@
           </a:prstGeom>
         </p:spPr>
         <p:txBody>
-          <a:bodyPr anchorCtr="0" anchor="ctr" bIns="91425" lIns="91425" spcFirstLastPara="1" rIns="91425" wrap="square" tIns="91425">
+          <a:bodyPr spcFirstLastPara="1" wrap="square" lIns="91425" tIns="91425" rIns="91425" bIns="91425" anchor="ctr" anchorCtr="0">
             <a:noAutofit/>
           </a:bodyPr>
           <a:lstStyle/>
           <a:p>
-            <a:pPr indent="0" lvl="0" marL="0" rtl="0" algn="r">
+            <a:pPr marL="0" lvl="0" indent="0" algn="r" rtl="0">
               <a:spcBef>
                 <a:spcPts val="0"/>
               </a:spcBef>
@@ -10948,7 +11193,16 @@
             </a:pPr>
             <a:fld id="{00000000-1234-1234-1234-123412341234}" type="slidenum">
               <a:rPr lang="en"/>
-              <a:t>‹#›</a:t>
+              <a:pPr marL="0" lvl="0" indent="0" algn="r" rtl="0">
+                <a:spcBef>
+                  <a:spcPts val="0"/>
+                </a:spcBef>
+                <a:spcAft>
+                  <a:spcPts val="0"/>
+                </a:spcAft>
+                <a:buNone/>
+              </a:pPr>
+              <a:t>7</a:t>
             </a:fld>
             <a:endParaRPr/>
           </a:p>
@@ -10956,30 +11210,35 @@
       </p:sp>
       <p:pic>
         <p:nvPicPr>
-          <p:cNvPr id="133" name="Google Shape;133;p19"/>
-          <p:cNvPicPr preferRelativeResize="0"/>
+          <p:cNvPr id="1026" name="Picture 2"/>
+          <p:cNvPicPr>
+            <a:picLocks noChangeAspect="1" noChangeArrowheads="1"/>
+          </p:cNvPicPr>
           <p:nvPr/>
         </p:nvPicPr>
         <p:blipFill>
-          <a:blip r:embed="rId3">
-            <a:alphaModFix/>
-          </a:blip>
+          <a:blip r:embed="rId3"/>
+          <a:srcRect l="14377" t="7614" r="10619" b="11330"/>
           <a:stretch>
             <a:fillRect/>
           </a:stretch>
         </p:blipFill>
-        <p:spPr>
-          <a:xfrm>
-            <a:off x="488175" y="1152425"/>
-            <a:ext cx="8167657" cy="3480325"/>
+        <p:spPr bwMode="auto">
+          <a:xfrm>
+            <a:off x="1925568" y="143550"/>
+            <a:ext cx="7565261" cy="4596616"/>
           </a:xfrm>
           <a:prstGeom prst="rect">
             <a:avLst/>
           </a:prstGeom>
           <a:noFill/>
-          <a:ln>
+          <a:ln w="9525">
             <a:noFill/>
+            <a:miter lim="800000"/>
+            <a:headEnd/>
+            <a:tailEnd/>
           </a:ln>
+          <a:effectLst/>
         </p:spPr>
       </p:pic>
     </p:spTree>
@@ -10991,11 +11250,11 @@
 </file>
 
 <file path=ppt/slides/slide8.xml><?xml version="1.0" encoding="utf-8"?>
-<p:sld xmlns:a="http://schemas.openxmlformats.org/drawingml/2006/main" xmlns:r="http://schemas.openxmlformats.org/officeDocument/2006/relationships" xmlns:mc="http://schemas.openxmlformats.org/markup-compatibility/2006" xmlns:mv="urn:schemas-microsoft-com:mac:vml" xmlns:p="http://schemas.openxmlformats.org/presentationml/2006/main" xmlns:c="http://schemas.openxmlformats.org/drawingml/2006/chart" xmlns:dgm="http://schemas.openxmlformats.org/drawingml/2006/diagram" xmlns:o="urn:schemas-microsoft-com:office:office" xmlns:v="urn:schemas-microsoft-com:vml" xmlns:pvml="urn:schemas-microsoft-com:office:powerpoint" xmlns:com="http://schemas.openxmlformats.org/drawingml/2006/compatibility" xmlns:p14="http://schemas.microsoft.com/office/powerpoint/2010/main" xmlns:p15="http://schemas.microsoft.com/office/powerpoint/2012/main">
+<p:sld xmlns:a="http://schemas.openxmlformats.org/drawingml/2006/main" xmlns:r="http://schemas.openxmlformats.org/officeDocument/2006/relationships" xmlns:p="http://schemas.openxmlformats.org/presentationml/2006/main">
   <p:cSld>
     <p:spTree>
       <p:nvGrpSpPr>
-        <p:cNvPr id="137" name="Shape 137"/>
+        <p:cNvPr id="1" name="Shape 137"/>
         <p:cNvGrpSpPr/>
         <p:nvPr/>
       </p:nvGrpSpPr>
@@ -11010,7 +11269,9 @@
       <p:sp>
         <p:nvSpPr>
           <p:cNvPr id="138" name="Google Shape;138;p20"/>
-          <p:cNvSpPr txBox="1"/>
+          <p:cNvSpPr txBox="1">
+            <a:spLocks noGrp="1"/>
+          </p:cNvSpPr>
           <p:nvPr>
             <p:ph type="title"/>
           </p:nvPr>
@@ -11025,12 +11286,12 @@
           </a:prstGeom>
         </p:spPr>
         <p:txBody>
-          <a:bodyPr anchorCtr="0" anchor="t" bIns="91425" lIns="91425" spcFirstLastPara="1" rIns="91425" wrap="square" tIns="91425">
+          <a:bodyPr spcFirstLastPara="1" wrap="square" lIns="91425" tIns="91425" rIns="91425" bIns="91425" anchor="t" anchorCtr="0">
             <a:noAutofit/>
           </a:bodyPr>
           <a:lstStyle/>
           <a:p>
-            <a:pPr indent="0" lvl="0" marL="0" rtl="0" algn="l">
+            <a:pPr marL="0" lvl="0" indent="0" algn="l" rtl="0">
               <a:spcBef>
                 <a:spcPts val="0"/>
               </a:spcBef>
@@ -11078,9 +11339,11 @@
       <p:sp>
         <p:nvSpPr>
           <p:cNvPr id="140" name="Google Shape;140;p20"/>
-          <p:cNvSpPr txBox="1"/>
+          <p:cNvSpPr txBox="1">
+            <a:spLocks noGrp="1"/>
+          </p:cNvSpPr>
           <p:nvPr>
-            <p:ph idx="12" type="sldNum"/>
+            <p:ph type="sldNum" idx="12"/>
           </p:nvPr>
         </p:nvSpPr>
         <p:spPr>
@@ -11093,12 +11356,12 @@
           </a:prstGeom>
         </p:spPr>
         <p:txBody>
-          <a:bodyPr anchorCtr="0" anchor="ctr" bIns="91425" lIns="91425" spcFirstLastPara="1" rIns="91425" wrap="square" tIns="91425">
+          <a:bodyPr spcFirstLastPara="1" wrap="square" lIns="91425" tIns="91425" rIns="91425" bIns="91425" anchor="ctr" anchorCtr="0">
             <a:noAutofit/>
           </a:bodyPr>
           <a:lstStyle/>
           <a:p>
-            <a:pPr indent="0" lvl="0" marL="0" rtl="0" algn="r">
+            <a:pPr marL="0" lvl="0" indent="0" algn="r" rtl="0">
               <a:spcBef>
                 <a:spcPts val="0"/>
               </a:spcBef>
@@ -11109,7 +11372,16 @@
             </a:pPr>
             <a:fld id="{00000000-1234-1234-1234-123412341234}" type="slidenum">
               <a:rPr lang="en"/>
-              <a:t>‹#›</a:t>
+              <a:pPr marL="0" lvl="0" indent="0" algn="r" rtl="0">
+                <a:spcBef>
+                  <a:spcPts val="0"/>
+                </a:spcBef>
+                <a:spcAft>
+                  <a:spcPts val="0"/>
+                </a:spcAft>
+                <a:buNone/>
+              </a:pPr>
+              <a:t>8</a:t>
             </a:fld>
             <a:endParaRPr/>
           </a:p>
@@ -11124,11 +11396,11 @@
 </file>
 
 <file path=ppt/slides/slide9.xml><?xml version="1.0" encoding="utf-8"?>
-<p:sld xmlns:a="http://schemas.openxmlformats.org/drawingml/2006/main" xmlns:r="http://schemas.openxmlformats.org/officeDocument/2006/relationships" xmlns:mc="http://schemas.openxmlformats.org/markup-compatibility/2006" xmlns:mv="urn:schemas-microsoft-com:mac:vml" xmlns:p="http://schemas.openxmlformats.org/presentationml/2006/main" xmlns:c="http://schemas.openxmlformats.org/drawingml/2006/chart" xmlns:dgm="http://schemas.openxmlformats.org/drawingml/2006/diagram" xmlns:o="urn:schemas-microsoft-com:office:office" xmlns:v="urn:schemas-microsoft-com:vml" xmlns:pvml="urn:schemas-microsoft-com:office:powerpoint" xmlns:com="http://schemas.openxmlformats.org/drawingml/2006/compatibility" xmlns:p14="http://schemas.microsoft.com/office/powerpoint/2010/main" xmlns:p15="http://schemas.microsoft.com/office/powerpoint/2012/main">
+<p:sld xmlns:a="http://schemas.openxmlformats.org/drawingml/2006/main" xmlns:r="http://schemas.openxmlformats.org/officeDocument/2006/relationships" xmlns:p="http://schemas.openxmlformats.org/presentationml/2006/main">
   <p:cSld>
     <p:spTree>
       <p:nvGrpSpPr>
-        <p:cNvPr id="144" name="Shape 144"/>
+        <p:cNvPr id="1" name=""/>
         <p:cNvGrpSpPr/>
         <p:nvPr/>
       </p:nvGrpSpPr>
@@ -11142,167 +11414,42 @@
       </p:grpSpPr>
       <p:sp>
         <p:nvSpPr>
-          <p:cNvPr id="145" name="Google Shape;145;p21"/>
-          <p:cNvSpPr txBox="1"/>
+          <p:cNvPr id="2" name="Title 1"/>
+          <p:cNvSpPr>
+            <a:spLocks noGrp="1"/>
+          </p:cNvSpPr>
           <p:nvPr>
-            <p:ph type="title"/>
+            <p:ph type="ctrTitle"/>
           </p:nvPr>
         </p:nvSpPr>
-        <p:spPr>
-          <a:xfrm>
-            <a:off x="311700" y="445025"/>
-            <a:ext cx="8520600" cy="707400"/>
-          </a:xfrm>
-          <a:prstGeom prst="rect">
-            <a:avLst/>
-          </a:prstGeom>
-        </p:spPr>
+        <p:spPr/>
         <p:txBody>
-          <a:bodyPr anchorCtr="0" anchor="t" bIns="91425" lIns="91425" spcFirstLastPara="1" rIns="91425" wrap="square" tIns="91425">
-            <a:noAutofit/>
-          </a:bodyPr>
+          <a:bodyPr/>
           <a:lstStyle/>
           <a:p>
-            <a:pPr indent="0" lvl="0" marL="0" rtl="0" algn="l">
-              <a:spcBef>
-                <a:spcPts val="0"/>
-              </a:spcBef>
-              <a:spcAft>
-                <a:spcPts val="0"/>
-              </a:spcAft>
-              <a:buNone/>
-            </a:pPr>
-            <a:r>
-              <a:rPr lang="en"/>
-              <a:t>Statistics: Historical Data of Station</a:t>
-            </a:r>
-            <a:r>
-              <a:rPr lang="en"/>
-              <a:t>s</a:t>
-            </a:r>
-            <a:endParaRPr/>
+            <a:endParaRPr lang="en-GB"/>
           </a:p>
         </p:txBody>
       </p:sp>
       <p:sp>
         <p:nvSpPr>
-          <p:cNvPr id="146" name="Google Shape;146;p21"/>
-          <p:cNvSpPr txBox="1"/>
+          <p:cNvPr id="3" name="Subtitle 2"/>
+          <p:cNvSpPr>
+            <a:spLocks noGrp="1"/>
+          </p:cNvSpPr>
           <p:nvPr>
-            <p:ph idx="1" type="body"/>
+            <p:ph type="subTitle" idx="1"/>
           </p:nvPr>
         </p:nvSpPr>
-        <p:spPr>
-          <a:xfrm>
-            <a:off x="500375" y="1633725"/>
-            <a:ext cx="3469200" cy="2548200"/>
-          </a:xfrm>
-          <a:prstGeom prst="rect">
-            <a:avLst/>
-          </a:prstGeom>
-        </p:spPr>
+        <p:spPr/>
         <p:txBody>
-          <a:bodyPr anchorCtr="0" anchor="t" bIns="91425" lIns="91425" spcFirstLastPara="1" rIns="91425" wrap="square" tIns="91425">
-            <a:noAutofit/>
-          </a:bodyPr>
+          <a:bodyPr/>
           <a:lstStyle/>
           <a:p>
-            <a:pPr indent="457200" lvl="0" marL="0" rtl="0" algn="l">
-              <a:spcBef>
-                <a:spcPts val="0"/>
-              </a:spcBef>
-              <a:spcAft>
-                <a:spcPts val="1600"/>
-              </a:spcAft>
-              <a:buNone/>
-            </a:pPr>
-            <a:r>
-              <a:rPr lang="en"/>
-              <a:t>Statistics graph </a:t>
-            </a:r>
-            <a:r>
-              <a:rPr lang="en"/>
-              <a:t>based on dynamic </a:t>
-            </a:r>
-            <a:r>
-              <a:rPr lang="en"/>
-              <a:t>data of stations is</a:t>
-            </a:r>
-            <a:r>
-              <a:rPr lang="en"/>
-              <a:t> interested by public bicycle sharing company. For example: transfer some bicycles to meet the need of Business zone of a city.</a:t>
-            </a:r>
-            <a:endParaRPr/>
+            <a:endParaRPr lang="en-GB"/>
           </a:p>
         </p:txBody>
       </p:sp>
-      <p:sp>
-        <p:nvSpPr>
-          <p:cNvPr id="147" name="Google Shape;147;p21"/>
-          <p:cNvSpPr txBox="1"/>
-          <p:nvPr>
-            <p:ph idx="12" type="sldNum"/>
-          </p:nvPr>
-        </p:nvSpPr>
-        <p:spPr>
-          <a:xfrm>
-            <a:off x="8472458" y="4663217"/>
-            <a:ext cx="548700" cy="393600"/>
-          </a:xfrm>
-          <a:prstGeom prst="rect">
-            <a:avLst/>
-          </a:prstGeom>
-        </p:spPr>
-        <p:txBody>
-          <a:bodyPr anchorCtr="0" anchor="ctr" bIns="91425" lIns="91425" spcFirstLastPara="1" rIns="91425" wrap="square" tIns="91425">
-            <a:noAutofit/>
-          </a:bodyPr>
-          <a:lstStyle/>
-          <a:p>
-            <a:pPr indent="0" lvl="0" marL="0" rtl="0" algn="r">
-              <a:spcBef>
-                <a:spcPts val="0"/>
-              </a:spcBef>
-              <a:spcAft>
-                <a:spcPts val="0"/>
-              </a:spcAft>
-              <a:buNone/>
-            </a:pPr>
-            <a:fld id="{00000000-1234-1234-1234-123412341234}" type="slidenum">
-              <a:rPr lang="en"/>
-              <a:t>‹#›</a:t>
-            </a:fld>
-            <a:endParaRPr/>
-          </a:p>
-        </p:txBody>
-      </p:sp>
-      <p:pic>
-        <p:nvPicPr>
-          <p:cNvPr id="148" name="Google Shape;148;p21" title="Points scored"/>
-          <p:cNvPicPr preferRelativeResize="0"/>
-          <p:nvPr/>
-        </p:nvPicPr>
-        <p:blipFill rotWithShape="1">
-          <a:blip r:embed="rId3">
-            <a:alphaModFix/>
-          </a:blip>
-          <a:srcRect b="0" l="0" r="1058" t="0"/>
-          <a:stretch/>
-        </p:blipFill>
-        <p:spPr>
-          <a:xfrm>
-            <a:off x="4491225" y="1469005"/>
-            <a:ext cx="4341075" cy="2712921"/>
-          </a:xfrm>
-          <a:prstGeom prst="rect">
-            <a:avLst/>
-          </a:prstGeom>
-          <a:noFill/>
-          <a:ln>
-            <a:noFill/>
-          </a:ln>
-        </p:spPr>
-      </p:pic>
     </p:spTree>
   </p:cSld>
   <p:clrMapOvr>
@@ -11312,7 +11459,288 @@
 </file>
 
 <file path=ppt/theme/theme1.xml><?xml version="1.0" encoding="utf-8"?>
-<a:theme xmlns:a="http://schemas.openxmlformats.org/drawingml/2006/main" xmlns:r="http://schemas.openxmlformats.org/officeDocument/2006/relationships">
+<a:theme xmlns:a="http://schemas.openxmlformats.org/drawingml/2006/main" name="Tropic">
+  <a:themeElements>
+    <a:clrScheme name="Tropic">
+      <a:dk1>
+        <a:srgbClr val="A1E8D9"/>
+      </a:dk1>
+      <a:lt1>
+        <a:srgbClr val="FFFFFF"/>
+      </a:lt1>
+      <a:dk2>
+        <a:srgbClr val="695D46"/>
+      </a:dk2>
+      <a:lt2>
+        <a:srgbClr val="B3A77D"/>
+      </a:lt2>
+      <a:accent1>
+        <a:srgbClr val="EF6C00"/>
+      </a:accent1>
+      <a:accent2>
+        <a:srgbClr val="009668"/>
+      </a:accent2>
+      <a:accent3>
+        <a:srgbClr val="4DB6AC"/>
+      </a:accent3>
+      <a:accent4>
+        <a:srgbClr val="FF9800"/>
+      </a:accent4>
+      <a:accent5>
+        <a:srgbClr val="CE93D8"/>
+      </a:accent5>
+      <a:accent6>
+        <a:srgbClr val="EEFF41"/>
+      </a:accent6>
+      <a:hlink>
+        <a:srgbClr val="CE93D8"/>
+      </a:hlink>
+      <a:folHlink>
+        <a:srgbClr val="CE93D8"/>
+      </a:folHlink>
+    </a:clrScheme>
+    <a:fontScheme name="Office">
+      <a:majorFont>
+        <a:latin typeface="Arial"/>
+        <a:ea typeface=""/>
+        <a:cs typeface=""/>
+        <a:font script="Jpan" typeface="ＭＳ Ｐゴシック"/>
+        <a:font script="Hang" typeface="맑은 고딕"/>
+        <a:font script="Hans" typeface="宋体"/>
+        <a:font script="Hant" typeface="新細明體"/>
+        <a:font script="Arab" typeface="Times New Roman"/>
+        <a:font script="Hebr" typeface="Times New Roman"/>
+        <a:font script="Thai" typeface="Angsana New"/>
+        <a:font script="Ethi" typeface="Nyala"/>
+        <a:font script="Beng" typeface="Vrinda"/>
+        <a:font script="Gujr" typeface="Shruti"/>
+        <a:font script="Khmr" typeface="MoolBoran"/>
+        <a:font script="Knda" typeface="Tunga"/>
+        <a:font script="Guru" typeface="Raavi"/>
+        <a:font script="Cans" typeface="Euphemia"/>
+        <a:font script="Cher" typeface="Plantagenet Cherokee"/>
+        <a:font script="Yiii" typeface="Microsoft Yi Baiti"/>
+        <a:font script="Tibt" typeface="Microsoft Himalaya"/>
+        <a:font script="Thaa" typeface="MV Boli"/>
+        <a:font script="Deva" typeface="Mangal"/>
+        <a:font script="Telu" typeface="Gautami"/>
+        <a:font script="Taml" typeface="Latha"/>
+        <a:font script="Syrc" typeface="Estrangelo Edessa"/>
+        <a:font script="Orya" typeface="Kalinga"/>
+        <a:font script="Mlym" typeface="Kartika"/>
+        <a:font script="Laoo" typeface="DokChampa"/>
+        <a:font script="Sinh" typeface="Iskoola Pota"/>
+        <a:font script="Mong" typeface="Mongolian Baiti"/>
+        <a:font script="Viet" typeface="Times New Roman"/>
+        <a:font script="Uigh" typeface="Microsoft Uighur"/>
+        <a:font script="Geor" typeface="Sylfaen"/>
+      </a:majorFont>
+      <a:minorFont>
+        <a:latin typeface="Arial"/>
+        <a:ea typeface=""/>
+        <a:cs typeface=""/>
+        <a:font script="Jpan" typeface="ＭＳ Ｐゴシック"/>
+        <a:font script="Hang" typeface="맑은 고딕"/>
+        <a:font script="Hans" typeface="宋体"/>
+        <a:font script="Hant" typeface="新細明體"/>
+        <a:font script="Arab" typeface="Arial"/>
+        <a:font script="Hebr" typeface="Arial"/>
+        <a:font script="Thai" typeface="Cordia New"/>
+        <a:font script="Ethi" typeface="Nyala"/>
+        <a:font script="Beng" typeface="Vrinda"/>
+        <a:font script="Gujr" typeface="Shruti"/>
+        <a:font script="Khmr" typeface="DaunPenh"/>
+        <a:font script="Knda" typeface="Tunga"/>
+        <a:font script="Guru" typeface="Raavi"/>
+        <a:font script="Cans" typeface="Euphemia"/>
+        <a:font script="Cher" typeface="Plantagenet Cherokee"/>
+        <a:font script="Yiii" typeface="Microsoft Yi Baiti"/>
+        <a:font script="Tibt" typeface="Microsoft Himalaya"/>
+        <a:font script="Thaa" typeface="MV Boli"/>
+        <a:font script="Deva" typeface="Mangal"/>
+        <a:font script="Telu" typeface="Gautami"/>
+        <a:font script="Taml" typeface="Latha"/>
+        <a:font script="Syrc" typeface="Estrangelo Edessa"/>
+        <a:font script="Orya" typeface="Kalinga"/>
+        <a:font script="Mlym" typeface="Kartika"/>
+        <a:font script="Laoo" typeface="DokChampa"/>
+        <a:font script="Sinh" typeface="Iskoola Pota"/>
+        <a:font script="Mong" typeface="Mongolian Baiti"/>
+        <a:font script="Viet" typeface="Arial"/>
+        <a:font script="Uigh" typeface="Microsoft Uighur"/>
+        <a:font script="Geor" typeface="Sylfaen"/>
+      </a:minorFont>
+    </a:fontScheme>
+    <a:fmtScheme name="Office">
+      <a:fillStyleLst>
+        <a:solidFill>
+          <a:schemeClr val="phClr"/>
+        </a:solidFill>
+        <a:gradFill rotWithShape="1">
+          <a:gsLst>
+            <a:gs pos="0">
+              <a:schemeClr val="phClr">
+                <a:tint val="50000"/>
+                <a:satMod val="300000"/>
+              </a:schemeClr>
+            </a:gs>
+            <a:gs pos="35000">
+              <a:schemeClr val="phClr">
+                <a:tint val="37000"/>
+                <a:satMod val="300000"/>
+              </a:schemeClr>
+            </a:gs>
+            <a:gs pos="100000">
+              <a:schemeClr val="phClr">
+                <a:tint val="15000"/>
+                <a:satMod val="350000"/>
+              </a:schemeClr>
+            </a:gs>
+          </a:gsLst>
+          <a:lin ang="16200000" scaled="1"/>
+        </a:gradFill>
+        <a:gradFill rotWithShape="1">
+          <a:gsLst>
+            <a:gs pos="0">
+              <a:schemeClr val="phClr">
+                <a:tint val="100000"/>
+                <a:shade val="100000"/>
+                <a:satMod val="130000"/>
+              </a:schemeClr>
+            </a:gs>
+            <a:gs pos="100000">
+              <a:schemeClr val="phClr">
+                <a:tint val="50000"/>
+                <a:shade val="100000"/>
+                <a:satMod val="350000"/>
+              </a:schemeClr>
+            </a:gs>
+          </a:gsLst>
+          <a:lin ang="16200000" scaled="0"/>
+        </a:gradFill>
+      </a:fillStyleLst>
+      <a:lnStyleLst>
+        <a:ln w="9525" cap="flat" cmpd="sng" algn="ctr">
+          <a:solidFill>
+            <a:schemeClr val="phClr">
+              <a:shade val="95000"/>
+              <a:satMod val="105000"/>
+            </a:schemeClr>
+          </a:solidFill>
+          <a:prstDash val="solid"/>
+        </a:ln>
+        <a:ln w="25400" cap="flat" cmpd="sng" algn="ctr">
+          <a:solidFill>
+            <a:schemeClr val="phClr"/>
+          </a:solidFill>
+          <a:prstDash val="solid"/>
+        </a:ln>
+        <a:ln w="38100" cap="flat" cmpd="sng" algn="ctr">
+          <a:solidFill>
+            <a:schemeClr val="phClr"/>
+          </a:solidFill>
+          <a:prstDash val="solid"/>
+        </a:ln>
+      </a:lnStyleLst>
+      <a:effectStyleLst>
+        <a:effectStyle>
+          <a:effectLst>
+            <a:outerShdw blurRad="40000" dist="20000" dir="5400000" rotWithShape="0">
+              <a:srgbClr val="000000">
+                <a:alpha val="38000"/>
+              </a:srgbClr>
+            </a:outerShdw>
+          </a:effectLst>
+        </a:effectStyle>
+        <a:effectStyle>
+          <a:effectLst>
+            <a:outerShdw blurRad="40000" dist="23000" dir="5400000" rotWithShape="0">
+              <a:srgbClr val="000000">
+                <a:alpha val="35000"/>
+              </a:srgbClr>
+            </a:outerShdw>
+          </a:effectLst>
+        </a:effectStyle>
+        <a:effectStyle>
+          <a:effectLst>
+            <a:outerShdw blurRad="40000" dist="23000" dir="5400000" rotWithShape="0">
+              <a:srgbClr val="000000">
+                <a:alpha val="35000"/>
+              </a:srgbClr>
+            </a:outerShdw>
+          </a:effectLst>
+          <a:scene3d>
+            <a:camera prst="orthographicFront">
+              <a:rot lat="0" lon="0" rev="0"/>
+            </a:camera>
+            <a:lightRig rig="threePt" dir="t">
+              <a:rot lat="0" lon="0" rev="1200000"/>
+            </a:lightRig>
+          </a:scene3d>
+          <a:sp3d>
+            <a:bevelT w="63500" h="25400"/>
+          </a:sp3d>
+        </a:effectStyle>
+      </a:effectStyleLst>
+      <a:bgFillStyleLst>
+        <a:solidFill>
+          <a:schemeClr val="phClr"/>
+        </a:solidFill>
+        <a:gradFill rotWithShape="1">
+          <a:gsLst>
+            <a:gs pos="0">
+              <a:schemeClr val="phClr">
+                <a:tint val="40000"/>
+                <a:satMod val="350000"/>
+              </a:schemeClr>
+            </a:gs>
+            <a:gs pos="40000">
+              <a:schemeClr val="phClr">
+                <a:tint val="45000"/>
+                <a:shade val="99000"/>
+                <a:satMod val="350000"/>
+              </a:schemeClr>
+            </a:gs>
+            <a:gs pos="100000">
+              <a:schemeClr val="phClr">
+                <a:shade val="20000"/>
+                <a:satMod val="255000"/>
+              </a:schemeClr>
+            </a:gs>
+          </a:gsLst>
+          <a:path path="circle">
+            <a:fillToRect l="50000" t="-80000" r="50000" b="180000"/>
+          </a:path>
+        </a:gradFill>
+        <a:gradFill rotWithShape="1">
+          <a:gsLst>
+            <a:gs pos="0">
+              <a:schemeClr val="phClr">
+                <a:tint val="80000"/>
+                <a:satMod val="300000"/>
+              </a:schemeClr>
+            </a:gs>
+            <a:gs pos="100000">
+              <a:schemeClr val="phClr">
+                <a:shade val="30000"/>
+                <a:satMod val="200000"/>
+              </a:schemeClr>
+            </a:gs>
+          </a:gsLst>
+          <a:path path="circle">
+            <a:fillToRect l="50000" t="50000" r="50000" b="50000"/>
+          </a:path>
+        </a:gradFill>
+      </a:bgFillStyleLst>
+    </a:fmtScheme>
+  </a:themeElements>
+  <a:objectDefaults/>
+  <a:extraClrSchemeLst/>
+</a:theme>
+</file>
+
+<file path=ppt/theme/theme2.xml><?xml version="1.0" encoding="utf-8"?>
+<a:theme xmlns:a="http://schemas.openxmlformats.org/drawingml/2006/main">
   <a:themeElements>
     <a:clrScheme name="Default">
       <a:dk1>
@@ -11587,284 +12015,7 @@
       </a:bgFillStyleLst>
     </a:fmtScheme>
   </a:themeElements>
-</a:theme>
-</file>
-
-<file path=ppt/theme/theme2.xml><?xml version="1.0" encoding="utf-8"?>
-<a:theme xmlns:a="http://schemas.openxmlformats.org/drawingml/2006/main" xmlns:r="http://schemas.openxmlformats.org/officeDocument/2006/relationships" name="Tropic">
-  <a:themeElements>
-    <a:clrScheme name="Tropic">
-      <a:dk1>
-        <a:srgbClr val="A1E8D9"/>
-      </a:dk1>
-      <a:lt1>
-        <a:srgbClr val="FFFFFF"/>
-      </a:lt1>
-      <a:dk2>
-        <a:srgbClr val="695D46"/>
-      </a:dk2>
-      <a:lt2>
-        <a:srgbClr val="B3A77D"/>
-      </a:lt2>
-      <a:accent1>
-        <a:srgbClr val="EF6C00"/>
-      </a:accent1>
-      <a:accent2>
-        <a:srgbClr val="009668"/>
-      </a:accent2>
-      <a:accent3>
-        <a:srgbClr val="4DB6AC"/>
-      </a:accent3>
-      <a:accent4>
-        <a:srgbClr val="FF9800"/>
-      </a:accent4>
-      <a:accent5>
-        <a:srgbClr val="CE93D8"/>
-      </a:accent5>
-      <a:accent6>
-        <a:srgbClr val="EEFF41"/>
-      </a:accent6>
-      <a:hlink>
-        <a:srgbClr val="CE93D8"/>
-      </a:hlink>
-      <a:folHlink>
-        <a:srgbClr val="CE93D8"/>
-      </a:folHlink>
-    </a:clrScheme>
-    <a:fontScheme name="Office">
-      <a:majorFont>
-        <a:latin typeface="Arial"/>
-        <a:ea typeface=""/>
-        <a:cs typeface=""/>
-        <a:font script="Jpan" typeface="ＭＳ Ｐゴシック"/>
-        <a:font script="Hang" typeface="맑은 고딕"/>
-        <a:font script="Hans" typeface="宋体"/>
-        <a:font script="Hant" typeface="新細明體"/>
-        <a:font script="Arab" typeface="Times New Roman"/>
-        <a:font script="Hebr" typeface="Times New Roman"/>
-        <a:font script="Thai" typeface="Angsana New"/>
-        <a:font script="Ethi" typeface="Nyala"/>
-        <a:font script="Beng" typeface="Vrinda"/>
-        <a:font script="Gujr" typeface="Shruti"/>
-        <a:font script="Khmr" typeface="MoolBoran"/>
-        <a:font script="Knda" typeface="Tunga"/>
-        <a:font script="Guru" typeface="Raavi"/>
-        <a:font script="Cans" typeface="Euphemia"/>
-        <a:font script="Cher" typeface="Plantagenet Cherokee"/>
-        <a:font script="Yiii" typeface="Microsoft Yi Baiti"/>
-        <a:font script="Tibt" typeface="Microsoft Himalaya"/>
-        <a:font script="Thaa" typeface="MV Boli"/>
-        <a:font script="Deva" typeface="Mangal"/>
-        <a:font script="Telu" typeface="Gautami"/>
-        <a:font script="Taml" typeface="Latha"/>
-        <a:font script="Syrc" typeface="Estrangelo Edessa"/>
-        <a:font script="Orya" typeface="Kalinga"/>
-        <a:font script="Mlym" typeface="Kartika"/>
-        <a:font script="Laoo" typeface="DokChampa"/>
-        <a:font script="Sinh" typeface="Iskoola Pota"/>
-        <a:font script="Mong" typeface="Mongolian Baiti"/>
-        <a:font script="Viet" typeface="Times New Roman"/>
-        <a:font script="Uigh" typeface="Microsoft Uighur"/>
-        <a:font script="Geor" typeface="Sylfaen"/>
-      </a:majorFont>
-      <a:minorFont>
-        <a:latin typeface="Arial"/>
-        <a:ea typeface=""/>
-        <a:cs typeface=""/>
-        <a:font script="Jpan" typeface="ＭＳ Ｐゴシック"/>
-        <a:font script="Hang" typeface="맑은 고딕"/>
-        <a:font script="Hans" typeface="宋体"/>
-        <a:font script="Hant" typeface="新細明體"/>
-        <a:font script="Arab" typeface="Arial"/>
-        <a:font script="Hebr" typeface="Arial"/>
-        <a:font script="Thai" typeface="Cordia New"/>
-        <a:font script="Ethi" typeface="Nyala"/>
-        <a:font script="Beng" typeface="Vrinda"/>
-        <a:font script="Gujr" typeface="Shruti"/>
-        <a:font script="Khmr" typeface="DaunPenh"/>
-        <a:font script="Knda" typeface="Tunga"/>
-        <a:font script="Guru" typeface="Raavi"/>
-        <a:font script="Cans" typeface="Euphemia"/>
-        <a:font script="Cher" typeface="Plantagenet Cherokee"/>
-        <a:font script="Yiii" typeface="Microsoft Yi Baiti"/>
-        <a:font script="Tibt" typeface="Microsoft Himalaya"/>
-        <a:font script="Thaa" typeface="MV Boli"/>
-        <a:font script="Deva" typeface="Mangal"/>
-        <a:font script="Telu" typeface="Gautami"/>
-        <a:font script="Taml" typeface="Latha"/>
-        <a:font script="Syrc" typeface="Estrangelo Edessa"/>
-        <a:font script="Orya" typeface="Kalinga"/>
-        <a:font script="Mlym" typeface="Kartika"/>
-        <a:font script="Laoo" typeface="DokChampa"/>
-        <a:font script="Sinh" typeface="Iskoola Pota"/>
-        <a:font script="Mong" typeface="Mongolian Baiti"/>
-        <a:font script="Viet" typeface="Arial"/>
-        <a:font script="Uigh" typeface="Microsoft Uighur"/>
-        <a:font script="Geor" typeface="Sylfaen"/>
-      </a:minorFont>
-    </a:fontScheme>
-    <a:fmtScheme name="Office">
-      <a:fillStyleLst>
-        <a:solidFill>
-          <a:schemeClr val="phClr"/>
-        </a:solidFill>
-        <a:gradFill rotWithShape="1">
-          <a:gsLst>
-            <a:gs pos="0">
-              <a:schemeClr val="phClr">
-                <a:tint val="50000"/>
-                <a:satMod val="300000"/>
-              </a:schemeClr>
-            </a:gs>
-            <a:gs pos="35000">
-              <a:schemeClr val="phClr">
-                <a:tint val="37000"/>
-                <a:satMod val="300000"/>
-              </a:schemeClr>
-            </a:gs>
-            <a:gs pos="100000">
-              <a:schemeClr val="phClr">
-                <a:tint val="15000"/>
-                <a:satMod val="350000"/>
-              </a:schemeClr>
-            </a:gs>
-          </a:gsLst>
-          <a:lin ang="16200000" scaled="1"/>
-        </a:gradFill>
-        <a:gradFill rotWithShape="1">
-          <a:gsLst>
-            <a:gs pos="0">
-              <a:schemeClr val="phClr">
-                <a:tint val="100000"/>
-                <a:shade val="100000"/>
-                <a:satMod val="130000"/>
-              </a:schemeClr>
-            </a:gs>
-            <a:gs pos="100000">
-              <a:schemeClr val="phClr">
-                <a:tint val="50000"/>
-                <a:shade val="100000"/>
-                <a:satMod val="350000"/>
-              </a:schemeClr>
-            </a:gs>
-          </a:gsLst>
-          <a:lin ang="16200000" scaled="0"/>
-        </a:gradFill>
-      </a:fillStyleLst>
-      <a:lnStyleLst>
-        <a:ln w="9525" cap="flat" cmpd="sng" algn="ctr">
-          <a:solidFill>
-            <a:schemeClr val="phClr">
-              <a:shade val="95000"/>
-              <a:satMod val="105000"/>
-            </a:schemeClr>
-          </a:solidFill>
-          <a:prstDash val="solid"/>
-        </a:ln>
-        <a:ln w="25400" cap="flat" cmpd="sng" algn="ctr">
-          <a:solidFill>
-            <a:schemeClr val="phClr"/>
-          </a:solidFill>
-          <a:prstDash val="solid"/>
-        </a:ln>
-        <a:ln w="38100" cap="flat" cmpd="sng" algn="ctr">
-          <a:solidFill>
-            <a:schemeClr val="phClr"/>
-          </a:solidFill>
-          <a:prstDash val="solid"/>
-        </a:ln>
-      </a:lnStyleLst>
-      <a:effectStyleLst>
-        <a:effectStyle>
-          <a:effectLst>
-            <a:outerShdw blurRad="40000" dist="20000" dir="5400000" rotWithShape="0">
-              <a:srgbClr val="000000">
-                <a:alpha val="38000"/>
-              </a:srgbClr>
-            </a:outerShdw>
-          </a:effectLst>
-        </a:effectStyle>
-        <a:effectStyle>
-          <a:effectLst>
-            <a:outerShdw blurRad="40000" dist="23000" dir="5400000" rotWithShape="0">
-              <a:srgbClr val="000000">
-                <a:alpha val="35000"/>
-              </a:srgbClr>
-            </a:outerShdw>
-          </a:effectLst>
-        </a:effectStyle>
-        <a:effectStyle>
-          <a:effectLst>
-            <a:outerShdw blurRad="40000" dist="23000" dir="5400000" rotWithShape="0">
-              <a:srgbClr val="000000">
-                <a:alpha val="35000"/>
-              </a:srgbClr>
-            </a:outerShdw>
-          </a:effectLst>
-          <a:scene3d>
-            <a:camera prst="orthographicFront">
-              <a:rot lat="0" lon="0" rev="0"/>
-            </a:camera>
-            <a:lightRig rig="threePt" dir="t">
-              <a:rot lat="0" lon="0" rev="1200000"/>
-            </a:lightRig>
-          </a:scene3d>
-          <a:sp3d>
-            <a:bevelT w="63500" h="25400"/>
-          </a:sp3d>
-        </a:effectStyle>
-      </a:effectStyleLst>
-      <a:bgFillStyleLst>
-        <a:solidFill>
-          <a:schemeClr val="phClr"/>
-        </a:solidFill>
-        <a:gradFill rotWithShape="1">
-          <a:gsLst>
-            <a:gs pos="0">
-              <a:schemeClr val="phClr">
-                <a:tint val="40000"/>
-                <a:satMod val="350000"/>
-              </a:schemeClr>
-            </a:gs>
-            <a:gs pos="40000">
-              <a:schemeClr val="phClr">
-                <a:tint val="45000"/>
-                <a:shade val="99000"/>
-                <a:satMod val="350000"/>
-              </a:schemeClr>
-            </a:gs>
-            <a:gs pos="100000">
-              <a:schemeClr val="phClr">
-                <a:shade val="20000"/>
-                <a:satMod val="255000"/>
-              </a:schemeClr>
-            </a:gs>
-          </a:gsLst>
-          <a:path path="circle">
-            <a:fillToRect l="50000" t="-80000" r="50000" b="180000"/>
-          </a:path>
-        </a:gradFill>
-        <a:gradFill rotWithShape="1">
-          <a:gsLst>
-            <a:gs pos="0">
-              <a:schemeClr val="phClr">
-                <a:tint val="80000"/>
-                <a:satMod val="300000"/>
-              </a:schemeClr>
-            </a:gs>
-            <a:gs pos="100000">
-              <a:schemeClr val="phClr">
-                <a:shade val="30000"/>
-                <a:satMod val="200000"/>
-              </a:schemeClr>
-            </a:gs>
-          </a:gsLst>
-          <a:path path="circle">
-            <a:fillToRect l="50000" t="50000" r="50000" b="50000"/>
-          </a:path>
-        </a:gradFill>
-      </a:bgFillStyleLst>
-    </a:fmtScheme>
-  </a:themeElements>
+  <a:objectDefaults/>
+  <a:extraClrSchemeLst/>
 </a:theme>
 </file>
--- a/Public Bike System Equiped by Semantic Web.pptx
+++ b/Public Bike System Equiped by Semantic Web.pptx
@@ -269,7 +269,7 @@
   </p:defaultTextStyle>
   <p:extLst>
     <p:ext uri="{EFAFB233-063F-42B5-8137-9DF3F51BA10A}">
-      <p15:sldGuideLst xmlns:p15="http://schemas.microsoft.com/office/powerpoint/2012/main" xmlns:p14="http://schemas.microsoft.com/office/powerpoint/2010/main" xmlns:com="http://schemas.openxmlformats.org/drawingml/2006/compatibility" xmlns:pvml="urn:schemas-microsoft-com:office:powerpoint" xmlns:v="urn:schemas-microsoft-com:vml" xmlns:o="urn:schemas-microsoft-com:office:office" xmlns:dgm="http://schemas.openxmlformats.org/drawingml/2006/diagram" xmlns:c="http://schemas.openxmlformats.org/drawingml/2006/chart" xmlns:mv="urn:schemas-microsoft-com:mac:vml" xmlns:mc="http://schemas.openxmlformats.org/markup-compatibility/2006" xmlns="">
+      <p15:sldGuideLst xmlns="" xmlns:mc="http://schemas.openxmlformats.org/markup-compatibility/2006" xmlns:mv="urn:schemas-microsoft-com:mac:vml" xmlns:c="http://schemas.openxmlformats.org/drawingml/2006/chart" xmlns:dgm="http://schemas.openxmlformats.org/drawingml/2006/diagram" xmlns:o="urn:schemas-microsoft-com:office:office" xmlns:v="urn:schemas-microsoft-com:vml" xmlns:pvml="urn:schemas-microsoft-com:office:powerpoint" xmlns:com="http://schemas.openxmlformats.org/drawingml/2006/compatibility" xmlns:p14="http://schemas.microsoft.com/office/powerpoint/2010/main" xmlns:p15="http://schemas.microsoft.com/office/powerpoint/2012/main">
         <p15:guide id="1" orient="horz" pos="1620">
           <p15:clr>
             <a:srgbClr val="A4A3A4"/>
@@ -1172,7 +1172,7 @@
         </p:nvSpPr>
         <p:spPr>
           <a:xfrm>
-            <a:off x="381300" y="685800"/>
+            <a:off x="381000" y="685800"/>
             <a:ext cx="6096000" cy="3429000"/>
           </a:xfrm>
           <a:custGeom>
@@ -8767,7 +8767,7 @@
               <a:buNone/>
             </a:pPr>
             <a:r>
-              <a:rPr lang="en" sz="1900"/>
+              <a:rPr lang="en" sz="1900" dirty="0"/>
               <a:t>Many kinds of open data have been published in web sites</a:t>
             </a:r>
             <a:endParaRPr sz="1900"/>
@@ -8784,7 +8784,7 @@
               <a:buChar char="➢"/>
             </a:pPr>
             <a:r>
-              <a:rPr lang="en" sz="1900"/>
+              <a:rPr lang="en" sz="1900" dirty="0"/>
               <a:t>Bicycle sharing stations</a:t>
             </a:r>
             <a:endParaRPr sz="1900"/>
@@ -8801,8 +8801,32 @@
               <a:buChar char="➢"/>
             </a:pPr>
             <a:r>
-              <a:rPr lang="en" sz="1900"/>
-              <a:t>Bus, tram, train and car system</a:t>
+              <a:rPr lang="en" sz="1900" dirty="0"/>
+              <a:t>Bus, tram, train and car </a:t>
+            </a:r>
+            <a:r>
+              <a:rPr lang="en" sz="1900" dirty="0" smtClean="0"/>
+              <a:t>system</a:t>
+            </a:r>
+          </a:p>
+          <a:p>
+            <a:pPr marL="914400" lvl="1" indent="-349250" algn="l" rtl="0">
+              <a:spcBef>
+                <a:spcPts val="0"/>
+              </a:spcBef>
+              <a:spcAft>
+                <a:spcPts val="0"/>
+              </a:spcAft>
+              <a:buSzPts val="1900"/>
+              <a:buChar char="➢"/>
+            </a:pPr>
+            <a:r>
+              <a:rPr lang="en-GB" sz="1900" dirty="0" smtClean="0"/>
+              <a:t>W</a:t>
+            </a:r>
+            <a:r>
+              <a:rPr lang="en" sz="1900" dirty="0" smtClean="0"/>
+              <a:t>eather data</a:t>
             </a:r>
             <a:endParaRPr sz="1900"/>
           </a:p>
@@ -8817,7 +8841,7 @@
               <a:buNone/>
             </a:pPr>
             <a:r>
-              <a:rPr lang="en" sz="1900"/>
+              <a:rPr lang="en" sz="1900" dirty="0"/>
               <a:t>Problems:</a:t>
             </a:r>
             <a:endParaRPr sz="1900"/>
@@ -8834,10 +8858,10 @@
               <a:buChar char="❖"/>
             </a:pPr>
             <a:r>
-              <a:rPr lang="en" sz="1900"/>
+              <a:rPr lang="en" sz="1600" dirty="0"/>
               <a:t>Data published in specific websites: government’s website...</a:t>
             </a:r>
-            <a:endParaRPr sz="1900"/>
+            <a:endParaRPr sz="1600"/>
           </a:p>
           <a:p>
             <a:pPr marL="457200" lvl="0" indent="-349250" algn="l" rtl="0">
@@ -8851,10 +8875,10 @@
               <a:buChar char="❖"/>
             </a:pPr>
             <a:r>
-              <a:rPr lang="en" sz="1900"/>
+              <a:rPr lang="en" sz="1600" dirty="0"/>
               <a:t>Not use same format for the data</a:t>
             </a:r>
-            <a:endParaRPr sz="1900"/>
+            <a:endParaRPr sz="1600"/>
           </a:p>
           <a:p>
             <a:pPr marL="457200" lvl="0" indent="-349250" algn="l" rtl="0">
@@ -8868,10 +8892,10 @@
               <a:buChar char="❖"/>
             </a:pPr>
             <a:r>
-              <a:rPr lang="en" sz="1900"/>
+              <a:rPr lang="en" sz="1600" dirty="0"/>
               <a:t>An integrated public bicycle sharing system is need in many domains: Travel, Work, Joy...</a:t>
             </a:r>
-            <a:endParaRPr sz="1900"/>
+            <a:endParaRPr sz="1600"/>
           </a:p>
         </p:txBody>
       </p:sp>
